--- a/android activity and intent.pptx
+++ b/android activity and intent.pptx
@@ -4,6 +4,9 @@
   <p:sldMasterIdLst>
     <p:sldMasterId id="2147483648" r:id="rId1"/>
   </p:sldMasterIdLst>
+  <p:notesMasterIdLst>
+    <p:notesMasterId r:id="rId50"/>
+  </p:notesMasterIdLst>
   <p:sldIdLst>
     <p:sldId id="256" r:id="rId2"/>
     <p:sldId id="257" r:id="rId3"/>
@@ -38,6 +41,21 @@
     <p:sldId id="286" r:id="rId32"/>
     <p:sldId id="287" r:id="rId33"/>
     <p:sldId id="288" r:id="rId34"/>
+    <p:sldId id="289" r:id="rId35"/>
+    <p:sldId id="293" r:id="rId36"/>
+    <p:sldId id="290" r:id="rId37"/>
+    <p:sldId id="291" r:id="rId38"/>
+    <p:sldId id="292" r:id="rId39"/>
+    <p:sldId id="294" r:id="rId40"/>
+    <p:sldId id="295" r:id="rId41"/>
+    <p:sldId id="296" r:id="rId42"/>
+    <p:sldId id="302" r:id="rId43"/>
+    <p:sldId id="297" r:id="rId44"/>
+    <p:sldId id="298" r:id="rId45"/>
+    <p:sldId id="299" r:id="rId46"/>
+    <p:sldId id="300" r:id="rId47"/>
+    <p:sldId id="301" r:id="rId48"/>
+    <p:sldId id="303" r:id="rId49"/>
   </p:sldIdLst>
   <p:sldSz cx="12192000" cy="6858000"/>
   <p:notesSz cx="6858000" cy="9144000"/>
@@ -156,6 +174,355 @@
 </p:cmAuthorLst>
 </file>
 
+<file path=ppt/notesMasters/notesMaster1.xml><?xml version="1.0" encoding="utf-8"?>
+<p:notesMaster xmlns:a="http://schemas.openxmlformats.org/drawingml/2006/main" xmlns:r="http://schemas.openxmlformats.org/officeDocument/2006/relationships" xmlns:p="http://schemas.openxmlformats.org/presentationml/2006/main">
+  <p:cSld>
+    <p:bg>
+      <p:bgRef idx="1001">
+        <a:schemeClr val="bg1"/>
+      </p:bgRef>
+    </p:bg>
+    <p:spTree>
+      <p:nvGrpSpPr>
+        <p:cNvPr id="1" name=""/>
+        <p:cNvGrpSpPr/>
+        <p:nvPr/>
+      </p:nvGrpSpPr>
+      <p:grpSpPr>
+        <a:xfrm>
+          <a:off x="0" y="0"/>
+          <a:ext cx="0" cy="0"/>
+          <a:chOff x="0" y="0"/>
+          <a:chExt cx="0" cy="0"/>
+        </a:xfrm>
+      </p:grpSpPr>
+      <p:sp>
+        <p:nvSpPr>
+          <p:cNvPr id="2" name="页眉占位符 1"/>
+          <p:cNvSpPr>
+            <a:spLocks noGrp="1"/>
+          </p:cNvSpPr>
+          <p:nvPr>
+            <p:ph type="hdr" sz="quarter"/>
+          </p:nvPr>
+        </p:nvSpPr>
+        <p:spPr>
+          <a:xfrm>
+            <a:off x="0" y="0"/>
+            <a:ext cx="2971800" cy="458788"/>
+          </a:xfrm>
+          <a:prstGeom prst="rect">
+            <a:avLst/>
+          </a:prstGeom>
+        </p:spPr>
+        <p:txBody>
+          <a:bodyPr vert="horz" lIns="91440" tIns="45720" rIns="91440" bIns="45720" rtlCol="0"/>
+          <a:lstStyle>
+            <a:lvl1pPr algn="l">
+              <a:defRPr sz="1200"/>
+            </a:lvl1pPr>
+          </a:lstStyle>
+          <a:p>
+            <a:endParaRPr lang="zh-CN" altLang="en-US"/>
+          </a:p>
+        </p:txBody>
+      </p:sp>
+      <p:sp>
+        <p:nvSpPr>
+          <p:cNvPr id="3" name="日期占位符 2"/>
+          <p:cNvSpPr>
+            <a:spLocks noGrp="1"/>
+          </p:cNvSpPr>
+          <p:nvPr>
+            <p:ph type="dt" idx="1"/>
+          </p:nvPr>
+        </p:nvSpPr>
+        <p:spPr>
+          <a:xfrm>
+            <a:off x="3884613" y="0"/>
+            <a:ext cx="2971800" cy="458788"/>
+          </a:xfrm>
+          <a:prstGeom prst="rect">
+            <a:avLst/>
+          </a:prstGeom>
+        </p:spPr>
+        <p:txBody>
+          <a:bodyPr vert="horz" lIns="91440" tIns="45720" rIns="91440" bIns="45720" rtlCol="0"/>
+          <a:lstStyle>
+            <a:lvl1pPr algn="r">
+              <a:defRPr sz="1200"/>
+            </a:lvl1pPr>
+          </a:lstStyle>
+          <a:p>
+            <a:fld id="{58F53F60-5BF1-4034-802E-BCB93BDD6206}" type="datetimeFigureOut">
+              <a:rPr lang="zh-CN" altLang="en-US" smtClean="0"/>
+              <a:t>2020/11/15</a:t>
+            </a:fld>
+            <a:endParaRPr lang="zh-CN" altLang="en-US"/>
+          </a:p>
+        </p:txBody>
+      </p:sp>
+      <p:sp>
+        <p:nvSpPr>
+          <p:cNvPr id="4" name="幻灯片图像占位符 3"/>
+          <p:cNvSpPr>
+            <a:spLocks noGrp="1" noRot="1" noChangeAspect="1"/>
+          </p:cNvSpPr>
+          <p:nvPr>
+            <p:ph type="sldImg" idx="2"/>
+          </p:nvPr>
+        </p:nvSpPr>
+        <p:spPr>
+          <a:xfrm>
+            <a:off x="685800" y="1143000"/>
+            <a:ext cx="5486400" cy="3086100"/>
+          </a:xfrm>
+          <a:prstGeom prst="rect">
+            <a:avLst/>
+          </a:prstGeom>
+          <a:noFill/>
+          <a:ln w="12700">
+            <a:solidFill>
+              <a:prstClr val="black"/>
+            </a:solidFill>
+          </a:ln>
+        </p:spPr>
+        <p:txBody>
+          <a:bodyPr vert="horz" lIns="91440" tIns="45720" rIns="91440" bIns="45720" rtlCol="0" anchor="ctr"/>
+          <a:lstStyle/>
+          <a:p>
+            <a:endParaRPr lang="zh-CN" altLang="en-US"/>
+          </a:p>
+        </p:txBody>
+      </p:sp>
+      <p:sp>
+        <p:nvSpPr>
+          <p:cNvPr id="5" name="备注占位符 4"/>
+          <p:cNvSpPr>
+            <a:spLocks noGrp="1"/>
+          </p:cNvSpPr>
+          <p:nvPr>
+            <p:ph type="body" sz="quarter" idx="3"/>
+          </p:nvPr>
+        </p:nvSpPr>
+        <p:spPr>
+          <a:xfrm>
+            <a:off x="685800" y="4400550"/>
+            <a:ext cx="5486400" cy="3600450"/>
+          </a:xfrm>
+          <a:prstGeom prst="rect">
+            <a:avLst/>
+          </a:prstGeom>
+        </p:spPr>
+        <p:txBody>
+          <a:bodyPr vert="horz" lIns="91440" tIns="45720" rIns="91440" bIns="45720" rtlCol="0"/>
+          <a:lstStyle/>
+          <a:p>
+            <a:pPr lvl="0"/>
+            <a:r>
+              <a:rPr lang="zh-CN" altLang="en-US"/>
+              <a:t>单击此处编辑母版文本样式</a:t>
+            </a:r>
+          </a:p>
+          <a:p>
+            <a:pPr lvl="1"/>
+            <a:r>
+              <a:rPr lang="zh-CN" altLang="en-US"/>
+              <a:t>二级</a:t>
+            </a:r>
+          </a:p>
+          <a:p>
+            <a:pPr lvl="2"/>
+            <a:r>
+              <a:rPr lang="zh-CN" altLang="en-US"/>
+              <a:t>三级</a:t>
+            </a:r>
+          </a:p>
+          <a:p>
+            <a:pPr lvl="3"/>
+            <a:r>
+              <a:rPr lang="zh-CN" altLang="en-US"/>
+              <a:t>四级</a:t>
+            </a:r>
+          </a:p>
+          <a:p>
+            <a:pPr lvl="4"/>
+            <a:r>
+              <a:rPr lang="zh-CN" altLang="en-US"/>
+              <a:t>五级</a:t>
+            </a:r>
+          </a:p>
+        </p:txBody>
+      </p:sp>
+      <p:sp>
+        <p:nvSpPr>
+          <p:cNvPr id="6" name="页脚占位符 5"/>
+          <p:cNvSpPr>
+            <a:spLocks noGrp="1"/>
+          </p:cNvSpPr>
+          <p:nvPr>
+            <p:ph type="ftr" sz="quarter" idx="4"/>
+          </p:nvPr>
+        </p:nvSpPr>
+        <p:spPr>
+          <a:xfrm>
+            <a:off x="0" y="8685213"/>
+            <a:ext cx="2971800" cy="458787"/>
+          </a:xfrm>
+          <a:prstGeom prst="rect">
+            <a:avLst/>
+          </a:prstGeom>
+        </p:spPr>
+        <p:txBody>
+          <a:bodyPr vert="horz" lIns="91440" tIns="45720" rIns="91440" bIns="45720" rtlCol="0" anchor="b"/>
+          <a:lstStyle>
+            <a:lvl1pPr algn="l">
+              <a:defRPr sz="1200"/>
+            </a:lvl1pPr>
+          </a:lstStyle>
+          <a:p>
+            <a:endParaRPr lang="zh-CN" altLang="en-US"/>
+          </a:p>
+        </p:txBody>
+      </p:sp>
+      <p:sp>
+        <p:nvSpPr>
+          <p:cNvPr id="7" name="灯片编号占位符 6"/>
+          <p:cNvSpPr>
+            <a:spLocks noGrp="1"/>
+          </p:cNvSpPr>
+          <p:nvPr>
+            <p:ph type="sldNum" sz="quarter" idx="5"/>
+          </p:nvPr>
+        </p:nvSpPr>
+        <p:spPr>
+          <a:xfrm>
+            <a:off x="3884613" y="8685213"/>
+            <a:ext cx="2971800" cy="458787"/>
+          </a:xfrm>
+          <a:prstGeom prst="rect">
+            <a:avLst/>
+          </a:prstGeom>
+        </p:spPr>
+        <p:txBody>
+          <a:bodyPr vert="horz" lIns="91440" tIns="45720" rIns="91440" bIns="45720" rtlCol="0" anchor="b"/>
+          <a:lstStyle>
+            <a:lvl1pPr algn="r">
+              <a:defRPr sz="1200"/>
+            </a:lvl1pPr>
+          </a:lstStyle>
+          <a:p>
+            <a:fld id="{F3A116D8-E4E4-4941-B726-95FA60015C51}" type="slidenum">
+              <a:rPr lang="zh-CN" altLang="en-US" smtClean="0"/>
+              <a:t>‹#›</a:t>
+            </a:fld>
+            <a:endParaRPr lang="zh-CN" altLang="en-US"/>
+          </a:p>
+        </p:txBody>
+      </p:sp>
+    </p:spTree>
+    <p:extLst>
+      <p:ext uri="{BB962C8B-B14F-4D97-AF65-F5344CB8AC3E}">
+        <p14:creationId xmlns:p14="http://schemas.microsoft.com/office/powerpoint/2010/main" val="1779000728"/>
+      </p:ext>
+    </p:extLst>
+  </p:cSld>
+  <p:clrMap bg1="lt1" tx1="dk1" bg2="lt2" tx2="dk2" accent1="accent1" accent2="accent2" accent3="accent3" accent4="accent4" accent5="accent5" accent6="accent6" hlink="hlink" folHlink="folHlink"/>
+  <p:notesStyle>
+    <a:lvl1pPr marL="0" algn="l" defTabSz="914400" rtl="0" eaLnBrk="1" latinLnBrk="0" hangingPunct="1">
+      <a:defRPr sz="1200" kern="1200">
+        <a:solidFill>
+          <a:schemeClr val="tx1"/>
+        </a:solidFill>
+        <a:latin typeface="+mn-lt"/>
+        <a:ea typeface="+mn-ea"/>
+        <a:cs typeface="+mn-cs"/>
+      </a:defRPr>
+    </a:lvl1pPr>
+    <a:lvl2pPr marL="457200" algn="l" defTabSz="914400" rtl="0" eaLnBrk="1" latinLnBrk="0" hangingPunct="1">
+      <a:defRPr sz="1200" kern="1200">
+        <a:solidFill>
+          <a:schemeClr val="tx1"/>
+        </a:solidFill>
+        <a:latin typeface="+mn-lt"/>
+        <a:ea typeface="+mn-ea"/>
+        <a:cs typeface="+mn-cs"/>
+      </a:defRPr>
+    </a:lvl2pPr>
+    <a:lvl3pPr marL="914400" algn="l" defTabSz="914400" rtl="0" eaLnBrk="1" latinLnBrk="0" hangingPunct="1">
+      <a:defRPr sz="1200" kern="1200">
+        <a:solidFill>
+          <a:schemeClr val="tx1"/>
+        </a:solidFill>
+        <a:latin typeface="+mn-lt"/>
+        <a:ea typeface="+mn-ea"/>
+        <a:cs typeface="+mn-cs"/>
+      </a:defRPr>
+    </a:lvl3pPr>
+    <a:lvl4pPr marL="1371600" algn="l" defTabSz="914400" rtl="0" eaLnBrk="1" latinLnBrk="0" hangingPunct="1">
+      <a:defRPr sz="1200" kern="1200">
+        <a:solidFill>
+          <a:schemeClr val="tx1"/>
+        </a:solidFill>
+        <a:latin typeface="+mn-lt"/>
+        <a:ea typeface="+mn-ea"/>
+        <a:cs typeface="+mn-cs"/>
+      </a:defRPr>
+    </a:lvl4pPr>
+    <a:lvl5pPr marL="1828800" algn="l" defTabSz="914400" rtl="0" eaLnBrk="1" latinLnBrk="0" hangingPunct="1">
+      <a:defRPr sz="1200" kern="1200">
+        <a:solidFill>
+          <a:schemeClr val="tx1"/>
+        </a:solidFill>
+        <a:latin typeface="+mn-lt"/>
+        <a:ea typeface="+mn-ea"/>
+        <a:cs typeface="+mn-cs"/>
+      </a:defRPr>
+    </a:lvl5pPr>
+    <a:lvl6pPr marL="2286000" algn="l" defTabSz="914400" rtl="0" eaLnBrk="1" latinLnBrk="0" hangingPunct="1">
+      <a:defRPr sz="1200" kern="1200">
+        <a:solidFill>
+          <a:schemeClr val="tx1"/>
+        </a:solidFill>
+        <a:latin typeface="+mn-lt"/>
+        <a:ea typeface="+mn-ea"/>
+        <a:cs typeface="+mn-cs"/>
+      </a:defRPr>
+    </a:lvl6pPr>
+    <a:lvl7pPr marL="2743200" algn="l" defTabSz="914400" rtl="0" eaLnBrk="1" latinLnBrk="0" hangingPunct="1">
+      <a:defRPr sz="1200" kern="1200">
+        <a:solidFill>
+          <a:schemeClr val="tx1"/>
+        </a:solidFill>
+        <a:latin typeface="+mn-lt"/>
+        <a:ea typeface="+mn-ea"/>
+        <a:cs typeface="+mn-cs"/>
+      </a:defRPr>
+    </a:lvl7pPr>
+    <a:lvl8pPr marL="3200400" algn="l" defTabSz="914400" rtl="0" eaLnBrk="1" latinLnBrk="0" hangingPunct="1">
+      <a:defRPr sz="1200" kern="1200">
+        <a:solidFill>
+          <a:schemeClr val="tx1"/>
+        </a:solidFill>
+        <a:latin typeface="+mn-lt"/>
+        <a:ea typeface="+mn-ea"/>
+        <a:cs typeface="+mn-cs"/>
+      </a:defRPr>
+    </a:lvl8pPr>
+    <a:lvl9pPr marL="3657600" algn="l" defTabSz="914400" rtl="0" eaLnBrk="1" latinLnBrk="0" hangingPunct="1">
+      <a:defRPr sz="1200" kern="1200">
+        <a:solidFill>
+          <a:schemeClr val="tx1"/>
+        </a:solidFill>
+        <a:latin typeface="+mn-lt"/>
+        <a:ea typeface="+mn-ea"/>
+        <a:cs typeface="+mn-cs"/>
+      </a:defRPr>
+    </a:lvl9pPr>
+  </p:notesStyle>
+</p:notesMaster>
+</file>
+
 <file path=ppt/slideLayouts/slideLayout1.xml><?xml version="1.0" encoding="utf-8"?>
 <p:sldLayout xmlns:a="http://schemas.openxmlformats.org/drawingml/2006/main" xmlns:r="http://schemas.openxmlformats.org/officeDocument/2006/relationships" xmlns:p="http://schemas.openxmlformats.org/presentationml/2006/main" type="title" preserve="1">
   <p:cSld name="标题幻灯片">
@@ -285,7 +652,7 @@
           <a:p>
             <a:fld id="{D997B5FA-0921-464F-AAE1-844C04324D75}" type="datetimeFigureOut">
               <a:rPr lang="zh-CN" altLang="en-US" smtClean="0"/>
-              <a:t>2020/11/9</a:t>
+              <a:t>2020/11/15</a:t>
             </a:fld>
             <a:endParaRPr lang="zh-CN" altLang="en-US"/>
           </a:p>
@@ -453,7 +820,7 @@
           <a:p>
             <a:fld id="{D997B5FA-0921-464F-AAE1-844C04324D75}" type="datetimeFigureOut">
               <a:rPr lang="zh-CN" altLang="en-US" smtClean="0"/>
-              <a:t>2020/11/9</a:t>
+              <a:t>2020/11/15</a:t>
             </a:fld>
             <a:endParaRPr lang="zh-CN" altLang="en-US"/>
           </a:p>
@@ -631,7 +998,7 @@
           <a:p>
             <a:fld id="{D997B5FA-0921-464F-AAE1-844C04324D75}" type="datetimeFigureOut">
               <a:rPr lang="zh-CN" altLang="en-US" smtClean="0"/>
-              <a:t>2020/11/9</a:t>
+              <a:t>2020/11/15</a:t>
             </a:fld>
             <a:endParaRPr lang="zh-CN" altLang="en-US"/>
           </a:p>
@@ -799,7 +1166,7 @@
           <a:p>
             <a:fld id="{D997B5FA-0921-464F-AAE1-844C04324D75}" type="datetimeFigureOut">
               <a:rPr lang="zh-CN" altLang="en-US" smtClean="0"/>
-              <a:t>2020/11/9</a:t>
+              <a:t>2020/11/15</a:t>
             </a:fld>
             <a:endParaRPr lang="zh-CN" altLang="en-US"/>
           </a:p>
@@ -1044,7 +1411,7 @@
           <a:p>
             <a:fld id="{D997B5FA-0921-464F-AAE1-844C04324D75}" type="datetimeFigureOut">
               <a:rPr lang="zh-CN" altLang="en-US" smtClean="0"/>
-              <a:t>2020/11/9</a:t>
+              <a:t>2020/11/15</a:t>
             </a:fld>
             <a:endParaRPr lang="zh-CN" altLang="en-US"/>
           </a:p>
@@ -1273,7 +1640,7 @@
           <a:p>
             <a:fld id="{D997B5FA-0921-464F-AAE1-844C04324D75}" type="datetimeFigureOut">
               <a:rPr lang="zh-CN" altLang="en-US" smtClean="0"/>
-              <a:t>2020/11/9</a:t>
+              <a:t>2020/11/15</a:t>
             </a:fld>
             <a:endParaRPr lang="zh-CN" altLang="en-US"/>
           </a:p>
@@ -1637,7 +2004,7 @@
           <a:p>
             <a:fld id="{D997B5FA-0921-464F-AAE1-844C04324D75}" type="datetimeFigureOut">
               <a:rPr lang="zh-CN" altLang="en-US" smtClean="0"/>
-              <a:t>2020/11/9</a:t>
+              <a:t>2020/11/15</a:t>
             </a:fld>
             <a:endParaRPr lang="zh-CN" altLang="en-US"/>
           </a:p>
@@ -1754,7 +2121,7 @@
           <a:p>
             <a:fld id="{D997B5FA-0921-464F-AAE1-844C04324D75}" type="datetimeFigureOut">
               <a:rPr lang="zh-CN" altLang="en-US" smtClean="0"/>
-              <a:t>2020/11/9</a:t>
+              <a:t>2020/11/15</a:t>
             </a:fld>
             <a:endParaRPr lang="zh-CN" altLang="en-US"/>
           </a:p>
@@ -1849,7 +2216,7 @@
           <a:p>
             <a:fld id="{D997B5FA-0921-464F-AAE1-844C04324D75}" type="datetimeFigureOut">
               <a:rPr lang="zh-CN" altLang="en-US" smtClean="0"/>
-              <a:t>2020/11/9</a:t>
+              <a:t>2020/11/15</a:t>
             </a:fld>
             <a:endParaRPr lang="zh-CN" altLang="en-US"/>
           </a:p>
@@ -2124,7 +2491,7 @@
           <a:p>
             <a:fld id="{D997B5FA-0921-464F-AAE1-844C04324D75}" type="datetimeFigureOut">
               <a:rPr lang="zh-CN" altLang="en-US" smtClean="0"/>
-              <a:t>2020/11/9</a:t>
+              <a:t>2020/11/15</a:t>
             </a:fld>
             <a:endParaRPr lang="zh-CN" altLang="en-US"/>
           </a:p>
@@ -2376,7 +2743,7 @@
           <a:p>
             <a:fld id="{D997B5FA-0921-464F-AAE1-844C04324D75}" type="datetimeFigureOut">
               <a:rPr lang="zh-CN" altLang="en-US" smtClean="0"/>
-              <a:t>2020/11/9</a:t>
+              <a:t>2020/11/15</a:t>
             </a:fld>
             <a:endParaRPr lang="zh-CN" altLang="en-US"/>
           </a:p>
@@ -2587,7 +2954,7 @@
           <a:p>
             <a:fld id="{D997B5FA-0921-464F-AAE1-844C04324D75}" type="datetimeFigureOut">
               <a:rPr lang="zh-CN" altLang="en-US" smtClean="0"/>
-              <a:t>2020/11/9</a:t>
+              <a:t>2020/11/15</a:t>
             </a:fld>
             <a:endParaRPr lang="zh-CN" altLang="en-US"/>
           </a:p>
@@ -6623,7 +6990,7 @@
           <a:p>
             <a:r>
               <a:rPr lang="en-US" altLang="zh-CN" dirty="0"/>
-              <a:t>Important ideas</a:t>
+              <a:t>Take home message</a:t>
             </a:r>
             <a:endParaRPr lang="zh-CN" altLang="en-US" dirty="0"/>
           </a:p>
@@ -6768,6 +7135,2226 @@
     <p:extLst>
       <p:ext uri="{BB962C8B-B14F-4D97-AF65-F5344CB8AC3E}">
         <p14:creationId xmlns:p14="http://schemas.microsoft.com/office/powerpoint/2010/main" val="30573614"/>
+      </p:ext>
+    </p:extLst>
+  </p:cSld>
+  <p:clrMapOvr>
+    <a:masterClrMapping/>
+  </p:clrMapOvr>
+</p:sld>
+</file>
+
+<file path=ppt/slides/slide34.xml><?xml version="1.0" encoding="utf-8"?>
+<p:sld xmlns:a="http://schemas.openxmlformats.org/drawingml/2006/main" xmlns:r="http://schemas.openxmlformats.org/officeDocument/2006/relationships" xmlns:p="http://schemas.openxmlformats.org/presentationml/2006/main">
+  <p:cSld>
+    <p:spTree>
+      <p:nvGrpSpPr>
+        <p:cNvPr id="1" name=""/>
+        <p:cNvGrpSpPr/>
+        <p:nvPr/>
+      </p:nvGrpSpPr>
+      <p:grpSpPr>
+        <a:xfrm>
+          <a:off x="0" y="0"/>
+          <a:ext cx="0" cy="0"/>
+          <a:chOff x="0" y="0"/>
+          <a:chExt cx="0" cy="0"/>
+        </a:xfrm>
+      </p:grpSpPr>
+      <p:sp>
+        <p:nvSpPr>
+          <p:cNvPr id="2" name="标题 1">
+            <a:extLst>
+              <a:ext uri="{FF2B5EF4-FFF2-40B4-BE49-F238E27FC236}">
+                <a16:creationId xmlns:a16="http://schemas.microsoft.com/office/drawing/2014/main" id="{18A0CB44-9049-4A69-9166-09A53C72210F}"/>
+              </a:ext>
+            </a:extLst>
+          </p:cNvPr>
+          <p:cNvSpPr>
+            <a:spLocks noGrp="1"/>
+          </p:cNvSpPr>
+          <p:nvPr>
+            <p:ph type="title"/>
+          </p:nvPr>
+        </p:nvSpPr>
+        <p:spPr/>
+        <p:txBody>
+          <a:bodyPr/>
+          <a:lstStyle/>
+          <a:p>
+            <a:r>
+              <a:rPr lang="en-US" altLang="zh-CN" dirty="0"/>
+              <a:t>Problems</a:t>
+            </a:r>
+            <a:endParaRPr lang="zh-CN" altLang="en-US" dirty="0"/>
+          </a:p>
+        </p:txBody>
+      </p:sp>
+      <p:sp>
+        <p:nvSpPr>
+          <p:cNvPr id="3" name="内容占位符 2">
+            <a:extLst>
+              <a:ext uri="{FF2B5EF4-FFF2-40B4-BE49-F238E27FC236}">
+                <a16:creationId xmlns:a16="http://schemas.microsoft.com/office/drawing/2014/main" id="{2450FF62-DCA5-450C-8DB9-25EA7F98E64D}"/>
+              </a:ext>
+            </a:extLst>
+          </p:cNvPr>
+          <p:cNvSpPr>
+            <a:spLocks noGrp="1"/>
+          </p:cNvSpPr>
+          <p:nvPr>
+            <p:ph idx="1"/>
+          </p:nvPr>
+        </p:nvSpPr>
+        <p:spPr/>
+        <p:txBody>
+          <a:bodyPr>
+            <a:normAutofit/>
+          </a:bodyPr>
+          <a:lstStyle/>
+          <a:p>
+            <a:r>
+              <a:rPr lang="en-US" altLang="zh-CN" sz="2800" dirty="0"/>
+              <a:t>How to Validate the phone number?</a:t>
+            </a:r>
+          </a:p>
+          <a:p>
+            <a:pPr lvl="1"/>
+            <a:r>
+              <a:rPr lang="en-US" altLang="zh-CN" dirty="0"/>
+              <a:t>0734-123456</a:t>
+            </a:r>
+          </a:p>
+          <a:p>
+            <a:r>
+              <a:rPr lang="en-US" altLang="zh-CN" sz="2800" dirty="0"/>
+              <a:t>How to Validate the e-mail address?</a:t>
+            </a:r>
+          </a:p>
+          <a:p>
+            <a:pPr lvl="1"/>
+            <a:r>
+              <a:rPr lang="en-US" altLang="zh-CN" dirty="0"/>
+              <a:t>123@</a:t>
+            </a:r>
+          </a:p>
+          <a:p>
+            <a:pPr lvl="1"/>
+            <a:r>
+              <a:rPr lang="en-US" altLang="zh-CN" dirty="0"/>
+              <a:t>123.com</a:t>
+            </a:r>
+          </a:p>
+          <a:p>
+            <a:pPr lvl="1"/>
+            <a:r>
+              <a:rPr lang="en-US" altLang="zh-CN" dirty="0"/>
+              <a:t>123@163</a:t>
+            </a:r>
+          </a:p>
+          <a:p>
+            <a:pPr lvl="1"/>
+            <a:r>
+              <a:rPr lang="en-US" altLang="zh-CN" dirty="0"/>
+              <a:t>123@163.com</a:t>
+            </a:r>
+          </a:p>
+          <a:p>
+            <a:pPr lvl="1"/>
+            <a:r>
+              <a:rPr lang="en-US" altLang="zh-CN" dirty="0"/>
+              <a:t>123@163.cn</a:t>
+            </a:r>
+          </a:p>
+          <a:p>
+            <a:pPr lvl="1"/>
+            <a:endParaRPr lang="en-US" altLang="zh-CN" dirty="0"/>
+          </a:p>
+        </p:txBody>
+      </p:sp>
+    </p:spTree>
+    <p:extLst>
+      <p:ext uri="{BB962C8B-B14F-4D97-AF65-F5344CB8AC3E}">
+        <p14:creationId xmlns:p14="http://schemas.microsoft.com/office/powerpoint/2010/main" val="1731919763"/>
+      </p:ext>
+    </p:extLst>
+  </p:cSld>
+  <p:clrMapOvr>
+    <a:masterClrMapping/>
+  </p:clrMapOvr>
+</p:sld>
+</file>
+
+<file path=ppt/slides/slide35.xml><?xml version="1.0" encoding="utf-8"?>
+<p:sld xmlns:a="http://schemas.openxmlformats.org/drawingml/2006/main" xmlns:r="http://schemas.openxmlformats.org/officeDocument/2006/relationships" xmlns:p="http://schemas.openxmlformats.org/presentationml/2006/main">
+  <p:cSld>
+    <p:spTree>
+      <p:nvGrpSpPr>
+        <p:cNvPr id="1" name=""/>
+        <p:cNvGrpSpPr/>
+        <p:nvPr/>
+      </p:nvGrpSpPr>
+      <p:grpSpPr>
+        <a:xfrm>
+          <a:off x="0" y="0"/>
+          <a:ext cx="0" cy="0"/>
+          <a:chOff x="0" y="0"/>
+          <a:chExt cx="0" cy="0"/>
+        </a:xfrm>
+      </p:grpSpPr>
+      <p:sp>
+        <p:nvSpPr>
+          <p:cNvPr id="2" name="标题 1">
+            <a:extLst>
+              <a:ext uri="{FF2B5EF4-FFF2-40B4-BE49-F238E27FC236}">
+                <a16:creationId xmlns:a16="http://schemas.microsoft.com/office/drawing/2014/main" id="{18A0CB44-9049-4A69-9166-09A53C72210F}"/>
+              </a:ext>
+            </a:extLst>
+          </p:cNvPr>
+          <p:cNvSpPr>
+            <a:spLocks noGrp="1"/>
+          </p:cNvSpPr>
+          <p:nvPr>
+            <p:ph type="title"/>
+          </p:nvPr>
+        </p:nvSpPr>
+        <p:spPr>
+          <a:xfrm>
+            <a:off x="838200" y="365126"/>
+            <a:ext cx="10515600" cy="709696"/>
+          </a:xfrm>
+        </p:spPr>
+        <p:txBody>
+          <a:bodyPr/>
+          <a:lstStyle/>
+          <a:p>
+            <a:r>
+              <a:rPr lang="en-US" altLang="zh-CN" dirty="0"/>
+              <a:t>Java Regex/Regular Expression</a:t>
+            </a:r>
+            <a:endParaRPr lang="zh-CN" altLang="en-US" dirty="0"/>
+          </a:p>
+        </p:txBody>
+      </p:sp>
+      <p:sp>
+        <p:nvSpPr>
+          <p:cNvPr id="3" name="内容占位符 2">
+            <a:extLst>
+              <a:ext uri="{FF2B5EF4-FFF2-40B4-BE49-F238E27FC236}">
+                <a16:creationId xmlns:a16="http://schemas.microsoft.com/office/drawing/2014/main" id="{2450FF62-DCA5-450C-8DB9-25EA7F98E64D}"/>
+              </a:ext>
+            </a:extLst>
+          </p:cNvPr>
+          <p:cNvSpPr>
+            <a:spLocks noGrp="1"/>
+          </p:cNvSpPr>
+          <p:nvPr>
+            <p:ph idx="1"/>
+          </p:nvPr>
+        </p:nvSpPr>
+        <p:spPr>
+          <a:xfrm>
+            <a:off x="838200" y="1584993"/>
+            <a:ext cx="10515600" cy="4351338"/>
+          </a:xfrm>
+        </p:spPr>
+        <p:txBody>
+          <a:bodyPr>
+            <a:normAutofit lnSpcReduction="10000"/>
+          </a:bodyPr>
+          <a:lstStyle/>
+          <a:p>
+            <a:r>
+              <a:rPr lang="en-US" altLang="zh-CN" sz="3200" dirty="0"/>
+              <a:t>A regular expression (regex) defines a search pattern for strings</a:t>
+            </a:r>
+          </a:p>
+          <a:p>
+            <a:r>
+              <a:rPr lang="en-US" altLang="zh-CN" sz="3200" dirty="0"/>
+              <a:t>A regex can be used to search, edit and manipulate text</a:t>
+            </a:r>
+          </a:p>
+          <a:p>
+            <a:r>
+              <a:rPr lang="en-US" altLang="zh-CN" sz="3200" dirty="0"/>
+              <a:t>The search pattern can be anything </a:t>
+            </a:r>
+          </a:p>
+          <a:p>
+            <a:pPr lvl="1"/>
+            <a:r>
+              <a:rPr lang="en-US" altLang="zh-CN" sz="2800" dirty="0"/>
+              <a:t>a simple character</a:t>
+            </a:r>
+          </a:p>
+          <a:p>
+            <a:pPr lvl="1"/>
+            <a:r>
+              <a:rPr lang="en-US" altLang="zh-CN" sz="2800" dirty="0"/>
+              <a:t>a fixed string</a:t>
+            </a:r>
+          </a:p>
+          <a:p>
+            <a:pPr lvl="1"/>
+            <a:r>
+              <a:rPr lang="en-US" altLang="zh-CN" sz="2800" dirty="0"/>
+              <a:t>a complex expression containing special characters describing the pattern</a:t>
+            </a:r>
+          </a:p>
+          <a:p>
+            <a:r>
+              <a:rPr lang="en-US" altLang="zh-CN" sz="3200" dirty="0"/>
+              <a:t>One online tool: https://regex101.com/</a:t>
+            </a:r>
+          </a:p>
+        </p:txBody>
+      </p:sp>
+    </p:spTree>
+    <p:extLst>
+      <p:ext uri="{BB962C8B-B14F-4D97-AF65-F5344CB8AC3E}">
+        <p14:creationId xmlns:p14="http://schemas.microsoft.com/office/powerpoint/2010/main" val="3475782313"/>
+      </p:ext>
+    </p:extLst>
+  </p:cSld>
+  <p:clrMapOvr>
+    <a:masterClrMapping/>
+  </p:clrMapOvr>
+</p:sld>
+</file>
+
+<file path=ppt/slides/slide36.xml><?xml version="1.0" encoding="utf-8"?>
+<p:sld xmlns:a="http://schemas.openxmlformats.org/drawingml/2006/main" xmlns:r="http://schemas.openxmlformats.org/officeDocument/2006/relationships" xmlns:p="http://schemas.openxmlformats.org/presentationml/2006/main">
+  <p:cSld>
+    <p:spTree>
+      <p:nvGrpSpPr>
+        <p:cNvPr id="1" name=""/>
+        <p:cNvGrpSpPr/>
+        <p:nvPr/>
+      </p:nvGrpSpPr>
+      <p:grpSpPr>
+        <a:xfrm>
+          <a:off x="0" y="0"/>
+          <a:ext cx="0" cy="0"/>
+          <a:chOff x="0" y="0"/>
+          <a:chExt cx="0" cy="0"/>
+        </a:xfrm>
+      </p:grpSpPr>
+      <p:sp>
+        <p:nvSpPr>
+          <p:cNvPr id="2" name="标题 1">
+            <a:extLst>
+              <a:ext uri="{FF2B5EF4-FFF2-40B4-BE49-F238E27FC236}">
+                <a16:creationId xmlns:a16="http://schemas.microsoft.com/office/drawing/2014/main" id="{BDE18E2F-26C3-4BB2-A3B6-A1D858ECC779}"/>
+              </a:ext>
+            </a:extLst>
+          </p:cNvPr>
+          <p:cNvSpPr>
+            <a:spLocks noGrp="1"/>
+          </p:cNvSpPr>
+          <p:nvPr>
+            <p:ph type="title"/>
+          </p:nvPr>
+        </p:nvSpPr>
+        <p:spPr>
+          <a:xfrm>
+            <a:off x="838200" y="214123"/>
+            <a:ext cx="10515600" cy="1325563"/>
+          </a:xfrm>
+        </p:spPr>
+        <p:txBody>
+          <a:bodyPr/>
+          <a:lstStyle/>
+          <a:p>
+            <a:r>
+              <a:rPr lang="en-US" altLang="zh-CN" dirty="0"/>
+              <a:t>Rules of writing regular expressions</a:t>
+            </a:r>
+            <a:endParaRPr lang="zh-CN" altLang="en-US" dirty="0"/>
+          </a:p>
+        </p:txBody>
+      </p:sp>
+      <p:sp>
+        <p:nvSpPr>
+          <p:cNvPr id="3" name="内容占位符 2">
+            <a:extLst>
+              <a:ext uri="{FF2B5EF4-FFF2-40B4-BE49-F238E27FC236}">
+                <a16:creationId xmlns:a16="http://schemas.microsoft.com/office/drawing/2014/main" id="{1E1A188A-51B7-4929-AFC9-117A43392003}"/>
+              </a:ext>
+            </a:extLst>
+          </p:cNvPr>
+          <p:cNvSpPr>
+            <a:spLocks noGrp="1"/>
+          </p:cNvSpPr>
+          <p:nvPr>
+            <p:ph idx="1"/>
+          </p:nvPr>
+        </p:nvSpPr>
+        <p:spPr/>
+        <p:txBody>
+          <a:bodyPr>
+            <a:normAutofit/>
+          </a:bodyPr>
+          <a:lstStyle/>
+          <a:p>
+            <a:r>
+              <a:rPr lang="en-US" altLang="zh-CN" sz="3600" dirty="0"/>
+              <a:t>Common matching symbols</a:t>
+            </a:r>
+          </a:p>
+          <a:p>
+            <a:r>
+              <a:rPr lang="en-US" altLang="zh-CN" sz="3600" dirty="0"/>
+              <a:t>Meta characters</a:t>
+            </a:r>
+          </a:p>
+          <a:p>
+            <a:r>
+              <a:rPr lang="en-US" altLang="zh-CN" sz="3600" dirty="0"/>
+              <a:t>Quantifier</a:t>
+            </a:r>
+          </a:p>
+          <a:p>
+            <a:r>
+              <a:rPr lang="en-US" altLang="zh-CN" sz="3600" dirty="0"/>
+              <a:t>Negative look ahead</a:t>
+            </a:r>
+          </a:p>
+          <a:p>
+            <a:r>
+              <a:rPr lang="en-US" altLang="zh-CN" sz="3600" dirty="0"/>
+              <a:t>Modes</a:t>
+            </a:r>
+          </a:p>
+          <a:p>
+            <a:r>
+              <a:rPr lang="en-US" altLang="zh-CN" sz="3600" dirty="0"/>
+              <a:t>Capturing Group</a:t>
+            </a:r>
+          </a:p>
+          <a:p>
+            <a:endParaRPr lang="en-US" altLang="zh-CN" sz="3600" dirty="0"/>
+          </a:p>
+          <a:p>
+            <a:endParaRPr lang="zh-CN" altLang="en-US" sz="3600" dirty="0"/>
+          </a:p>
+        </p:txBody>
+      </p:sp>
+    </p:spTree>
+    <p:extLst>
+      <p:ext uri="{BB962C8B-B14F-4D97-AF65-F5344CB8AC3E}">
+        <p14:creationId xmlns:p14="http://schemas.microsoft.com/office/powerpoint/2010/main" val="3599651731"/>
+      </p:ext>
+    </p:extLst>
+  </p:cSld>
+  <p:clrMapOvr>
+    <a:masterClrMapping/>
+  </p:clrMapOvr>
+</p:sld>
+</file>
+
+<file path=ppt/slides/slide37.xml><?xml version="1.0" encoding="utf-8"?>
+<p:sld xmlns:a="http://schemas.openxmlformats.org/drawingml/2006/main" xmlns:r="http://schemas.openxmlformats.org/officeDocument/2006/relationships" xmlns:p="http://schemas.openxmlformats.org/presentationml/2006/main">
+  <p:cSld>
+    <p:bg>
+      <p:bgPr>
+        <a:noFill/>
+        <a:effectLst/>
+      </p:bgPr>
+    </p:bg>
+    <p:spTree>
+      <p:nvGrpSpPr>
+        <p:cNvPr id="1" name=""/>
+        <p:cNvGrpSpPr/>
+        <p:nvPr/>
+      </p:nvGrpSpPr>
+      <p:grpSpPr>
+        <a:xfrm>
+          <a:off x="0" y="0"/>
+          <a:ext cx="0" cy="0"/>
+          <a:chOff x="0" y="0"/>
+          <a:chExt cx="0" cy="0"/>
+        </a:xfrm>
+      </p:grpSpPr>
+      <p:sp>
+        <p:nvSpPr>
+          <p:cNvPr id="2" name="标题 1">
+            <a:extLst>
+              <a:ext uri="{FF2B5EF4-FFF2-40B4-BE49-F238E27FC236}">
+                <a16:creationId xmlns:a16="http://schemas.microsoft.com/office/drawing/2014/main" id="{6F26EE9A-3964-4A79-AB47-F35FB1196A87}"/>
+              </a:ext>
+            </a:extLst>
+          </p:cNvPr>
+          <p:cNvSpPr>
+            <a:spLocks noGrp="1"/>
+          </p:cNvSpPr>
+          <p:nvPr>
+            <p:ph type="title"/>
+          </p:nvPr>
+        </p:nvSpPr>
+        <p:spPr>
+          <a:xfrm>
+            <a:off x="0" y="0"/>
+            <a:ext cx="4132975" cy="1325563"/>
+          </a:xfrm>
+        </p:spPr>
+        <p:txBody>
+          <a:bodyPr>
+            <a:normAutofit fontScale="90000"/>
+          </a:bodyPr>
+          <a:lstStyle/>
+          <a:p>
+            <a:r>
+              <a:rPr lang="en-US" altLang="zh-CN" dirty="0"/>
+              <a:t>Common matching symbols</a:t>
+            </a:r>
+            <a:endParaRPr lang="zh-CN" altLang="en-US" dirty="0"/>
+          </a:p>
+        </p:txBody>
+      </p:sp>
+      <p:graphicFrame>
+        <p:nvGraphicFramePr>
+          <p:cNvPr id="4" name="内容占位符 3">
+            <a:extLst>
+              <a:ext uri="{FF2B5EF4-FFF2-40B4-BE49-F238E27FC236}">
+                <a16:creationId xmlns:a16="http://schemas.microsoft.com/office/drawing/2014/main" id="{591AD7A0-41F9-42E7-A23B-702A93D1085C}"/>
+              </a:ext>
+            </a:extLst>
+          </p:cNvPr>
+          <p:cNvGraphicFramePr>
+            <a:graphicFrameLocks noGrp="1"/>
+          </p:cNvGraphicFramePr>
+          <p:nvPr>
+            <p:ph idx="1"/>
+            <p:extLst>
+              <p:ext uri="{D42A27DB-BD31-4B8C-83A1-F6EECF244321}">
+                <p14:modId xmlns:p14="http://schemas.microsoft.com/office/powerpoint/2010/main" val="109329592"/>
+              </p:ext>
+            </p:extLst>
+          </p:nvPr>
+        </p:nvGraphicFramePr>
+        <p:xfrm>
+          <a:off x="4375415" y="285435"/>
+          <a:ext cx="7367224" cy="6287130"/>
+        </p:xfrm>
+        <a:graphic>
+          <a:graphicData uri="http://schemas.openxmlformats.org/drawingml/2006/table">
+            <a:tbl>
+              <a:tblPr>
+                <a:tableStyleId>{5940675A-B579-460E-94D1-54222C63F5DA}</a:tableStyleId>
+              </a:tblPr>
+              <a:tblGrid>
+                <a:gridCol w="2252788">
+                  <a:extLst>
+                    <a:ext uri="{9D8B030D-6E8A-4147-A177-3AD203B41FA5}">
+                      <a16:colId xmlns:a16="http://schemas.microsoft.com/office/drawing/2014/main" val="3546487025"/>
+                    </a:ext>
+                  </a:extLst>
+                </a:gridCol>
+                <a:gridCol w="5114436">
+                  <a:extLst>
+                    <a:ext uri="{9D8B030D-6E8A-4147-A177-3AD203B41FA5}">
+                      <a16:colId xmlns:a16="http://schemas.microsoft.com/office/drawing/2014/main" val="2763962413"/>
+                    </a:ext>
+                  </a:extLst>
+                </a:gridCol>
+              </a:tblGrid>
+              <a:tr h="377045">
+                <a:tc>
+                  <a:txBody>
+                    <a:bodyPr/>
+                    <a:lstStyle/>
+                    <a:p>
+                      <a:pPr algn="l" rtl="0" fontAlgn="t"/>
+                      <a:r>
+                        <a:rPr lang="en-US" sz="2400" b="1" dirty="0">
+                          <a:effectLst/>
+                        </a:rPr>
+                        <a:t>Regular Expression</a:t>
+                      </a:r>
+                    </a:p>
+                  </a:txBody>
+                  <a:tcPr marL="52426" marR="52426" marT="26213" marB="26213"/>
+                </a:tc>
+                <a:tc>
+                  <a:txBody>
+                    <a:bodyPr/>
+                    <a:lstStyle/>
+                    <a:p>
+                      <a:pPr algn="l" rtl="0" fontAlgn="t"/>
+                      <a:r>
+                        <a:rPr lang="en-US" sz="2400" b="1">
+                          <a:effectLst/>
+                        </a:rPr>
+                        <a:t>Description</a:t>
+                      </a:r>
+                    </a:p>
+                  </a:txBody>
+                  <a:tcPr marL="52426" marR="52426" marT="26213" marB="26213"/>
+                </a:tc>
+                <a:extLst>
+                  <a:ext uri="{0D108BD9-81ED-4DB2-BD59-A6C34878D82A}">
+                    <a16:rowId xmlns:a16="http://schemas.microsoft.com/office/drawing/2014/main" val="100656885"/>
+                  </a:ext>
+                </a:extLst>
+              </a:tr>
+              <a:tr h="693593">
+                <a:tc>
+                  <a:txBody>
+                    <a:bodyPr/>
+                    <a:lstStyle/>
+                    <a:p>
+                      <a:pPr algn="l" rtl="0" fontAlgn="t"/>
+                      <a:r>
+                        <a:rPr lang="en-US" sz="2400" b="0" dirty="0">
+                          <a:effectLst/>
+                        </a:rPr>
+                        <a:t>^regex</a:t>
+                      </a:r>
+                      <a:endParaRPr lang="en-US" sz="2400" b="0" i="0" dirty="0">
+                        <a:effectLst/>
+                        <a:latin typeface="inherit"/>
+                      </a:endParaRPr>
+                    </a:p>
+                  </a:txBody>
+                  <a:tcPr marL="52426" marR="52426" marT="26213" marB="26213"/>
+                </a:tc>
+                <a:tc>
+                  <a:txBody>
+                    <a:bodyPr/>
+                    <a:lstStyle/>
+                    <a:p>
+                      <a:pPr algn="l" rtl="0" fontAlgn="t"/>
+                      <a:r>
+                        <a:rPr lang="en-US" sz="2400" b="0" dirty="0">
+                          <a:effectLst/>
+                        </a:rPr>
+                        <a:t>Finds regex that must match at the beginning of the line.</a:t>
+                      </a:r>
+                      <a:endParaRPr lang="en-US" sz="2400" b="0" i="0" dirty="0">
+                        <a:effectLst/>
+                        <a:latin typeface="inherit"/>
+                      </a:endParaRPr>
+                    </a:p>
+                  </a:txBody>
+                  <a:tcPr marL="52426" marR="52426" marT="26213" marB="26213"/>
+                </a:tc>
+                <a:extLst>
+                  <a:ext uri="{0D108BD9-81ED-4DB2-BD59-A6C34878D82A}">
+                    <a16:rowId xmlns:a16="http://schemas.microsoft.com/office/drawing/2014/main" val="1719376047"/>
+                  </a:ext>
+                </a:extLst>
+              </a:tr>
+              <a:tr h="596353">
+                <a:tc>
+                  <a:txBody>
+                    <a:bodyPr/>
+                    <a:lstStyle/>
+                    <a:p>
+                      <a:pPr algn="l" rtl="0" fontAlgn="t"/>
+                      <a:r>
+                        <a:rPr lang="en-US" sz="2400" b="0" dirty="0">
+                          <a:effectLst/>
+                        </a:rPr>
+                        <a:t>regex$</a:t>
+                      </a:r>
+                      <a:endParaRPr lang="en-US" sz="2400" b="0" i="0" dirty="0">
+                        <a:effectLst/>
+                        <a:latin typeface="inherit"/>
+                      </a:endParaRPr>
+                    </a:p>
+                  </a:txBody>
+                  <a:tcPr marL="52426" marR="52426" marT="26213" marB="26213"/>
+                </a:tc>
+                <a:tc>
+                  <a:txBody>
+                    <a:bodyPr/>
+                    <a:lstStyle/>
+                    <a:p>
+                      <a:pPr algn="l" rtl="0" fontAlgn="t"/>
+                      <a:r>
+                        <a:rPr lang="en-US" sz="2400" b="0" dirty="0">
+                          <a:effectLst/>
+                        </a:rPr>
+                        <a:t>Finds regex that must match at the end of the line.</a:t>
+                      </a:r>
+                      <a:endParaRPr lang="en-US" sz="2400" b="0" i="0" dirty="0">
+                        <a:effectLst/>
+                        <a:latin typeface="inherit"/>
+                      </a:endParaRPr>
+                    </a:p>
+                  </a:txBody>
+                  <a:tcPr marL="52426" marR="52426" marT="26213" marB="26213"/>
+                </a:tc>
+                <a:extLst>
+                  <a:ext uri="{0D108BD9-81ED-4DB2-BD59-A6C34878D82A}">
+                    <a16:rowId xmlns:a16="http://schemas.microsoft.com/office/drawing/2014/main" val="1727132959"/>
+                  </a:ext>
+                </a:extLst>
+              </a:tr>
+              <a:tr h="596353">
+                <a:tc>
+                  <a:txBody>
+                    <a:bodyPr/>
+                    <a:lstStyle/>
+                    <a:p>
+                      <a:pPr algn="l" rtl="0" fontAlgn="t"/>
+                      <a:r>
+                        <a:rPr lang="en-US" sz="2400" b="0" dirty="0">
+                          <a:effectLst/>
+                        </a:rPr>
+                        <a:t>[</a:t>
+                      </a:r>
+                      <a:r>
+                        <a:rPr lang="en-US" sz="2400" b="0" dirty="0" err="1">
+                          <a:effectLst/>
+                        </a:rPr>
+                        <a:t>abc</a:t>
+                      </a:r>
+                      <a:r>
+                        <a:rPr lang="en-US" sz="2400" b="0" dirty="0">
+                          <a:effectLst/>
+                        </a:rPr>
+                        <a:t>]</a:t>
+                      </a:r>
+                      <a:endParaRPr lang="en-US" sz="2400" b="0" i="0" dirty="0">
+                        <a:effectLst/>
+                        <a:latin typeface="inherit"/>
+                      </a:endParaRPr>
+                    </a:p>
+                  </a:txBody>
+                  <a:tcPr marL="52426" marR="52426" marT="26213" marB="26213"/>
+                </a:tc>
+                <a:tc>
+                  <a:txBody>
+                    <a:bodyPr/>
+                    <a:lstStyle/>
+                    <a:p>
+                      <a:pPr algn="l" rtl="0" fontAlgn="t"/>
+                      <a:r>
+                        <a:rPr lang="en-US" sz="2400" b="0" dirty="0">
+                          <a:effectLst/>
+                        </a:rPr>
+                        <a:t>Set definition, can match the letter a or b or c.</a:t>
+                      </a:r>
+                      <a:endParaRPr lang="en-US" sz="2400" b="0" i="0" dirty="0">
+                        <a:effectLst/>
+                        <a:latin typeface="inherit"/>
+                      </a:endParaRPr>
+                    </a:p>
+                  </a:txBody>
+                  <a:tcPr marL="52426" marR="52426" marT="26213" marB="26213"/>
+                </a:tc>
+                <a:extLst>
+                  <a:ext uri="{0D108BD9-81ED-4DB2-BD59-A6C34878D82A}">
+                    <a16:rowId xmlns:a16="http://schemas.microsoft.com/office/drawing/2014/main" val="3700764589"/>
+                  </a:ext>
+                </a:extLst>
+              </a:tr>
+              <a:tr h="851934">
+                <a:tc>
+                  <a:txBody>
+                    <a:bodyPr/>
+                    <a:lstStyle/>
+                    <a:p>
+                      <a:pPr algn="l" rtl="0" fontAlgn="t"/>
+                      <a:r>
+                        <a:rPr lang="en-US" sz="2400" b="0" dirty="0">
+                          <a:effectLst/>
+                        </a:rPr>
+                        <a:t>[^</a:t>
+                      </a:r>
+                      <a:r>
+                        <a:rPr lang="en-US" sz="2400" b="0" dirty="0" err="1">
+                          <a:effectLst/>
+                        </a:rPr>
+                        <a:t>abc</a:t>
+                      </a:r>
+                      <a:r>
+                        <a:rPr lang="en-US" sz="2400" b="0" dirty="0">
+                          <a:effectLst/>
+                        </a:rPr>
+                        <a:t>]</a:t>
+                      </a:r>
+                      <a:endParaRPr lang="en-US" sz="2400" b="0" i="0" dirty="0">
+                        <a:effectLst/>
+                        <a:latin typeface="inherit"/>
+                      </a:endParaRPr>
+                    </a:p>
+                  </a:txBody>
+                  <a:tcPr marL="52426" marR="52426" marT="26213" marB="26213"/>
+                </a:tc>
+                <a:tc>
+                  <a:txBody>
+                    <a:bodyPr/>
+                    <a:lstStyle/>
+                    <a:p>
+                      <a:pPr algn="l" rtl="0" fontAlgn="t"/>
+                      <a:r>
+                        <a:rPr lang="en-US" sz="2400" b="0" dirty="0">
+                          <a:effectLst/>
+                        </a:rPr>
+                        <a:t>When a caret appears as the first character inside square brackets, it negates the pattern. This pattern matches any character except a or b or c.</a:t>
+                      </a:r>
+                      <a:endParaRPr lang="en-US" sz="2400" b="0" i="0" dirty="0">
+                        <a:effectLst/>
+                        <a:latin typeface="inherit"/>
+                      </a:endParaRPr>
+                    </a:p>
+                  </a:txBody>
+                  <a:tcPr marL="52426" marR="52426" marT="26213" marB="26213"/>
+                </a:tc>
+                <a:extLst>
+                  <a:ext uri="{0D108BD9-81ED-4DB2-BD59-A6C34878D82A}">
+                    <a16:rowId xmlns:a16="http://schemas.microsoft.com/office/drawing/2014/main" val="1998826719"/>
+                  </a:ext>
+                </a:extLst>
+              </a:tr>
+              <a:tr h="851934">
+                <a:tc>
+                  <a:txBody>
+                    <a:bodyPr/>
+                    <a:lstStyle/>
+                    <a:p>
+                      <a:pPr algn="l" rtl="0" fontAlgn="t"/>
+                      <a:r>
+                        <a:rPr lang="en-US" sz="2400" b="0" dirty="0">
+                          <a:effectLst/>
+                        </a:rPr>
+                        <a:t>[a-d1-7]</a:t>
+                      </a:r>
+                      <a:endParaRPr lang="en-US" sz="2400" b="0" i="0" dirty="0">
+                        <a:effectLst/>
+                        <a:latin typeface="inherit"/>
+                      </a:endParaRPr>
+                    </a:p>
+                  </a:txBody>
+                  <a:tcPr marL="52426" marR="52426" marT="26213" marB="26213"/>
+                </a:tc>
+                <a:tc>
+                  <a:txBody>
+                    <a:bodyPr/>
+                    <a:lstStyle/>
+                    <a:p>
+                      <a:pPr algn="l" rtl="0" fontAlgn="t"/>
+                      <a:r>
+                        <a:rPr lang="en-US" sz="2400" b="0" dirty="0">
+                          <a:effectLst/>
+                        </a:rPr>
+                        <a:t>Ranges: matches a letter between a and d and figures from 1 to 7, but not d1.</a:t>
+                      </a:r>
+                      <a:endParaRPr lang="en-US" sz="2400" b="0" i="0" dirty="0">
+                        <a:effectLst/>
+                        <a:latin typeface="inherit"/>
+                      </a:endParaRPr>
+                    </a:p>
+                  </a:txBody>
+                  <a:tcPr marL="52426" marR="52426" marT="26213" marB="26213"/>
+                </a:tc>
+                <a:extLst>
+                  <a:ext uri="{0D108BD9-81ED-4DB2-BD59-A6C34878D82A}">
+                    <a16:rowId xmlns:a16="http://schemas.microsoft.com/office/drawing/2014/main" val="2793099547"/>
+                  </a:ext>
+                </a:extLst>
+              </a:tr>
+              <a:tr h="377045">
+                <a:tc>
+                  <a:txBody>
+                    <a:bodyPr/>
+                    <a:lstStyle/>
+                    <a:p>
+                      <a:pPr algn="l" rtl="0" fontAlgn="t"/>
+                      <a:r>
+                        <a:rPr lang="en-US" sz="2400" b="0">
+                          <a:effectLst/>
+                        </a:rPr>
+                        <a:t>X|Z</a:t>
+                      </a:r>
+                      <a:endParaRPr lang="en-US" sz="2400" b="0" i="0">
+                        <a:effectLst/>
+                        <a:latin typeface="inherit"/>
+                      </a:endParaRPr>
+                    </a:p>
+                  </a:txBody>
+                  <a:tcPr marL="52426" marR="52426" marT="26213" marB="26213"/>
+                </a:tc>
+                <a:tc>
+                  <a:txBody>
+                    <a:bodyPr/>
+                    <a:lstStyle/>
+                    <a:p>
+                      <a:pPr algn="l" rtl="0" fontAlgn="t"/>
+                      <a:r>
+                        <a:rPr lang="en-US" sz="2400" b="0" dirty="0">
+                          <a:effectLst/>
+                        </a:rPr>
+                        <a:t>Finds X or Z.</a:t>
+                      </a:r>
+                      <a:endParaRPr lang="en-US" sz="2400" b="0" i="0" dirty="0">
+                        <a:effectLst/>
+                        <a:latin typeface="inherit"/>
+                      </a:endParaRPr>
+                    </a:p>
+                  </a:txBody>
+                  <a:tcPr marL="52426" marR="52426" marT="26213" marB="26213"/>
+                </a:tc>
+                <a:extLst>
+                  <a:ext uri="{0D108BD9-81ED-4DB2-BD59-A6C34878D82A}">
+                    <a16:rowId xmlns:a16="http://schemas.microsoft.com/office/drawing/2014/main" val="2713646043"/>
+                  </a:ext>
+                </a:extLst>
+              </a:tr>
+            </a:tbl>
+          </a:graphicData>
+        </a:graphic>
+      </p:graphicFrame>
+    </p:spTree>
+    <p:extLst>
+      <p:ext uri="{BB962C8B-B14F-4D97-AF65-F5344CB8AC3E}">
+        <p14:creationId xmlns:p14="http://schemas.microsoft.com/office/powerpoint/2010/main" val="2696650632"/>
+      </p:ext>
+    </p:extLst>
+  </p:cSld>
+  <p:clrMapOvr>
+    <a:masterClrMapping/>
+  </p:clrMapOvr>
+</p:sld>
+</file>
+
+<file path=ppt/slides/slide38.xml><?xml version="1.0" encoding="utf-8"?>
+<p:sld xmlns:a="http://schemas.openxmlformats.org/drawingml/2006/main" xmlns:r="http://schemas.openxmlformats.org/officeDocument/2006/relationships" xmlns:p="http://schemas.openxmlformats.org/presentationml/2006/main">
+  <p:cSld>
+    <p:bg>
+      <p:bgPr>
+        <a:noFill/>
+        <a:effectLst/>
+      </p:bgPr>
+    </p:bg>
+    <p:spTree>
+      <p:nvGrpSpPr>
+        <p:cNvPr id="1" name=""/>
+        <p:cNvGrpSpPr/>
+        <p:nvPr/>
+      </p:nvGrpSpPr>
+      <p:grpSpPr>
+        <a:xfrm>
+          <a:off x="0" y="0"/>
+          <a:ext cx="0" cy="0"/>
+          <a:chOff x="0" y="0"/>
+          <a:chExt cx="0" cy="0"/>
+        </a:xfrm>
+      </p:grpSpPr>
+      <p:sp>
+        <p:nvSpPr>
+          <p:cNvPr id="2" name="标题 1">
+            <a:extLst>
+              <a:ext uri="{FF2B5EF4-FFF2-40B4-BE49-F238E27FC236}">
+                <a16:creationId xmlns:a16="http://schemas.microsoft.com/office/drawing/2014/main" id="{ACEBCC7B-58CD-4390-9C33-F26303F8F9D3}"/>
+              </a:ext>
+            </a:extLst>
+          </p:cNvPr>
+          <p:cNvSpPr>
+            <a:spLocks noGrp="1"/>
+          </p:cNvSpPr>
+          <p:nvPr>
+            <p:ph type="title"/>
+          </p:nvPr>
+        </p:nvSpPr>
+        <p:spPr>
+          <a:xfrm>
+            <a:off x="154643" y="29072"/>
+            <a:ext cx="10515600" cy="838033"/>
+          </a:xfrm>
+        </p:spPr>
+        <p:txBody>
+          <a:bodyPr/>
+          <a:lstStyle/>
+          <a:p>
+            <a:r>
+              <a:rPr lang="en-US" altLang="zh-CN" dirty="0"/>
+              <a:t>Meta characters</a:t>
+            </a:r>
+            <a:endParaRPr lang="zh-CN" altLang="en-US" dirty="0"/>
+          </a:p>
+        </p:txBody>
+      </p:sp>
+      <p:graphicFrame>
+        <p:nvGraphicFramePr>
+          <p:cNvPr id="4" name="内容占位符 3">
+            <a:extLst>
+              <a:ext uri="{FF2B5EF4-FFF2-40B4-BE49-F238E27FC236}">
+                <a16:creationId xmlns:a16="http://schemas.microsoft.com/office/drawing/2014/main" id="{C546306C-EABB-4FF3-9ACA-7AAF8EA0EB98}"/>
+              </a:ext>
+            </a:extLst>
+          </p:cNvPr>
+          <p:cNvGraphicFramePr>
+            <a:graphicFrameLocks noGrp="1"/>
+          </p:cNvGraphicFramePr>
+          <p:nvPr>
+            <p:ph idx="1"/>
+            <p:extLst>
+              <p:ext uri="{D42A27DB-BD31-4B8C-83A1-F6EECF244321}">
+                <p14:modId xmlns:p14="http://schemas.microsoft.com/office/powerpoint/2010/main" val="3006088173"/>
+              </p:ext>
+            </p:extLst>
+          </p:nvPr>
+        </p:nvGraphicFramePr>
+        <p:xfrm>
+          <a:off x="4416064" y="448088"/>
+          <a:ext cx="7775936" cy="5881336"/>
+        </p:xfrm>
+        <a:graphic>
+          <a:graphicData uri="http://schemas.openxmlformats.org/drawingml/2006/table">
+            <a:tbl>
+              <a:tblPr>
+                <a:tableStyleId>{5940675A-B579-460E-94D1-54222C63F5DA}</a:tableStyleId>
+              </a:tblPr>
+              <a:tblGrid>
+                <a:gridCol w="1760147">
+                  <a:extLst>
+                    <a:ext uri="{9D8B030D-6E8A-4147-A177-3AD203B41FA5}">
+                      <a16:colId xmlns:a16="http://schemas.microsoft.com/office/drawing/2014/main" val="124510673"/>
+                    </a:ext>
+                  </a:extLst>
+                </a:gridCol>
+                <a:gridCol w="6015789">
+                  <a:extLst>
+                    <a:ext uri="{9D8B030D-6E8A-4147-A177-3AD203B41FA5}">
+                      <a16:colId xmlns:a16="http://schemas.microsoft.com/office/drawing/2014/main" val="1888533529"/>
+                    </a:ext>
+                  </a:extLst>
+                </a:gridCol>
+              </a:tblGrid>
+              <a:tr h="321195">
+                <a:tc>
+                  <a:txBody>
+                    <a:bodyPr/>
+                    <a:lstStyle/>
+                    <a:p>
+                      <a:pPr algn="l" rtl="0" fontAlgn="t"/>
+                      <a:r>
+                        <a:rPr lang="en-US" sz="2400" b="1" dirty="0">
+                          <a:effectLst/>
+                        </a:rPr>
+                        <a:t>Regular Expression</a:t>
+                      </a:r>
+                    </a:p>
+                  </a:txBody>
+                  <a:tcPr marL="80580" marR="80580" marT="40290" marB="40290"/>
+                </a:tc>
+                <a:tc>
+                  <a:txBody>
+                    <a:bodyPr/>
+                    <a:lstStyle/>
+                    <a:p>
+                      <a:pPr algn="ctr" rtl="0" fontAlgn="t"/>
+                      <a:r>
+                        <a:rPr lang="en-US" sz="2400" b="1" dirty="0">
+                          <a:effectLst/>
+                        </a:rPr>
+                        <a:t>Description</a:t>
+                      </a:r>
+                    </a:p>
+                  </a:txBody>
+                  <a:tcPr marL="80580" marR="80580" marT="40290" marB="40290"/>
+                </a:tc>
+                <a:extLst>
+                  <a:ext uri="{0D108BD9-81ED-4DB2-BD59-A6C34878D82A}">
+                    <a16:rowId xmlns:a16="http://schemas.microsoft.com/office/drawing/2014/main" val="514176698"/>
+                  </a:ext>
+                </a:extLst>
+              </a:tr>
+              <a:tr h="321195">
+                <a:tc>
+                  <a:txBody>
+                    <a:bodyPr/>
+                    <a:lstStyle/>
+                    <a:p>
+                      <a:pPr algn="ctr" rtl="0" fontAlgn="t"/>
+                      <a:r>
+                        <a:rPr lang="en-US" altLang="zh-CN" sz="2400" b="0" kern="1200" dirty="0">
+                          <a:solidFill>
+                            <a:schemeClr val="tx1"/>
+                          </a:solidFill>
+                          <a:effectLst/>
+                          <a:latin typeface="+mn-lt"/>
+                          <a:ea typeface="+mn-ea"/>
+                          <a:cs typeface="+mn-cs"/>
+                        </a:rPr>
+                        <a:t>.</a:t>
+                      </a:r>
+                    </a:p>
+                  </a:txBody>
+                  <a:tcPr marL="52426" marR="52426" marT="26213" marB="26213"/>
+                </a:tc>
+                <a:tc>
+                  <a:txBody>
+                    <a:bodyPr/>
+                    <a:lstStyle/>
+                    <a:p>
+                      <a:pPr algn="l" rtl="0" fontAlgn="t"/>
+                      <a:r>
+                        <a:rPr lang="en-US" sz="2400" b="0" kern="1200" dirty="0">
+                          <a:solidFill>
+                            <a:schemeClr val="tx1"/>
+                          </a:solidFill>
+                          <a:effectLst/>
+                          <a:latin typeface="+mn-lt"/>
+                          <a:ea typeface="+mn-ea"/>
+                          <a:cs typeface="+mn-cs"/>
+                        </a:rPr>
+                        <a:t>Matches any character</a:t>
+                      </a:r>
+                    </a:p>
+                  </a:txBody>
+                  <a:tcPr marL="52426" marR="52426" marT="26213" marB="26213"/>
+                </a:tc>
+                <a:extLst>
+                  <a:ext uri="{0D108BD9-81ED-4DB2-BD59-A6C34878D82A}">
+                    <a16:rowId xmlns:a16="http://schemas.microsoft.com/office/drawing/2014/main" val="1556559596"/>
+                  </a:ext>
+                </a:extLst>
+              </a:tr>
+              <a:tr h="321195">
+                <a:tc>
+                  <a:txBody>
+                    <a:bodyPr/>
+                    <a:lstStyle/>
+                    <a:p>
+                      <a:pPr algn="ctr" rtl="0" fontAlgn="t"/>
+                      <a:r>
+                        <a:rPr lang="en-US" sz="2400" b="0" dirty="0">
+                          <a:effectLst/>
+                        </a:rPr>
+                        <a:t>\d</a:t>
+                      </a:r>
+                      <a:endParaRPr lang="en-US" sz="2400" b="0" i="0" dirty="0">
+                        <a:effectLst/>
+                        <a:latin typeface="inherit"/>
+                      </a:endParaRPr>
+                    </a:p>
+                  </a:txBody>
+                  <a:tcPr marL="80580" marR="80580" marT="40290" marB="40290"/>
+                </a:tc>
+                <a:tc>
+                  <a:txBody>
+                    <a:bodyPr/>
+                    <a:lstStyle/>
+                    <a:p>
+                      <a:pPr algn="l" rtl="0" fontAlgn="t"/>
+                      <a:r>
+                        <a:rPr lang="en-US" sz="2400" b="0" dirty="0">
+                          <a:effectLst/>
+                        </a:rPr>
+                        <a:t>Any digit, short for [0-9]</a:t>
+                      </a:r>
+                      <a:endParaRPr lang="en-US" sz="2400" b="0" i="0" dirty="0">
+                        <a:effectLst/>
+                        <a:latin typeface="inherit"/>
+                      </a:endParaRPr>
+                    </a:p>
+                  </a:txBody>
+                  <a:tcPr marL="80580" marR="80580" marT="40290" marB="40290"/>
+                </a:tc>
+                <a:extLst>
+                  <a:ext uri="{0D108BD9-81ED-4DB2-BD59-A6C34878D82A}">
+                    <a16:rowId xmlns:a16="http://schemas.microsoft.com/office/drawing/2014/main" val="2448795520"/>
+                  </a:ext>
+                </a:extLst>
+              </a:tr>
+              <a:tr h="321195">
+                <a:tc>
+                  <a:txBody>
+                    <a:bodyPr/>
+                    <a:lstStyle/>
+                    <a:p>
+                      <a:pPr algn="ctr" rtl="0" fontAlgn="t"/>
+                      <a:r>
+                        <a:rPr lang="en-US" sz="2400" b="0" dirty="0">
+                          <a:effectLst/>
+                        </a:rPr>
+                        <a:t>\D</a:t>
+                      </a:r>
+                      <a:endParaRPr lang="en-US" sz="2400" b="0" i="0" dirty="0">
+                        <a:effectLst/>
+                        <a:latin typeface="inherit"/>
+                      </a:endParaRPr>
+                    </a:p>
+                  </a:txBody>
+                  <a:tcPr marL="80580" marR="80580" marT="40290" marB="40290"/>
+                </a:tc>
+                <a:tc>
+                  <a:txBody>
+                    <a:bodyPr/>
+                    <a:lstStyle/>
+                    <a:p>
+                      <a:pPr algn="l" rtl="0" fontAlgn="t"/>
+                      <a:r>
+                        <a:rPr lang="en-US" sz="2400" b="0">
+                          <a:effectLst/>
+                        </a:rPr>
+                        <a:t>A non-digit, short for [^0-9]</a:t>
+                      </a:r>
+                      <a:endParaRPr lang="en-US" sz="2400" b="0" i="0">
+                        <a:effectLst/>
+                        <a:latin typeface="inherit"/>
+                      </a:endParaRPr>
+                    </a:p>
+                  </a:txBody>
+                  <a:tcPr marL="80580" marR="80580" marT="40290" marB="40290"/>
+                </a:tc>
+                <a:extLst>
+                  <a:ext uri="{0D108BD9-81ED-4DB2-BD59-A6C34878D82A}">
+                    <a16:rowId xmlns:a16="http://schemas.microsoft.com/office/drawing/2014/main" val="1027930629"/>
+                  </a:ext>
+                </a:extLst>
+              </a:tr>
+              <a:tr h="562610">
+                <a:tc>
+                  <a:txBody>
+                    <a:bodyPr/>
+                    <a:lstStyle/>
+                    <a:p>
+                      <a:pPr algn="ctr" rtl="0" fontAlgn="t"/>
+                      <a:r>
+                        <a:rPr lang="en-US" sz="2400" b="0">
+                          <a:effectLst/>
+                        </a:rPr>
+                        <a:t>\s</a:t>
+                      </a:r>
+                      <a:endParaRPr lang="en-US" sz="2400" b="0" i="0">
+                        <a:effectLst/>
+                        <a:latin typeface="inherit"/>
+                      </a:endParaRPr>
+                    </a:p>
+                  </a:txBody>
+                  <a:tcPr marL="80580" marR="80580" marT="40290" marB="40290"/>
+                </a:tc>
+                <a:tc>
+                  <a:txBody>
+                    <a:bodyPr/>
+                    <a:lstStyle/>
+                    <a:p>
+                      <a:pPr algn="l" rtl="0" fontAlgn="t"/>
+                      <a:r>
+                        <a:rPr lang="en-US" sz="2400" b="0" dirty="0">
+                          <a:effectLst/>
+                        </a:rPr>
+                        <a:t>A whitespace character, short for [ \t\n\x0b\r\f]</a:t>
+                      </a:r>
+                      <a:endParaRPr lang="en-US" sz="2400" b="0" i="0" dirty="0">
+                        <a:effectLst/>
+                        <a:latin typeface="inherit"/>
+                      </a:endParaRPr>
+                    </a:p>
+                  </a:txBody>
+                  <a:tcPr marL="80580" marR="80580" marT="40290" marB="40290"/>
+                </a:tc>
+                <a:extLst>
+                  <a:ext uri="{0D108BD9-81ED-4DB2-BD59-A6C34878D82A}">
+                    <a16:rowId xmlns:a16="http://schemas.microsoft.com/office/drawing/2014/main" val="3048679041"/>
+                  </a:ext>
+                </a:extLst>
+              </a:tr>
+              <a:tr h="562610">
+                <a:tc>
+                  <a:txBody>
+                    <a:bodyPr/>
+                    <a:lstStyle/>
+                    <a:p>
+                      <a:pPr algn="ctr" rtl="0" fontAlgn="t"/>
+                      <a:r>
+                        <a:rPr lang="en-US" sz="2400" b="0">
+                          <a:effectLst/>
+                        </a:rPr>
+                        <a:t>\S</a:t>
+                      </a:r>
+                      <a:endParaRPr lang="en-US" sz="2400" b="0" i="0">
+                        <a:effectLst/>
+                        <a:latin typeface="inherit"/>
+                      </a:endParaRPr>
+                    </a:p>
+                  </a:txBody>
+                  <a:tcPr marL="80580" marR="80580" marT="40290" marB="40290"/>
+                </a:tc>
+                <a:tc>
+                  <a:txBody>
+                    <a:bodyPr/>
+                    <a:lstStyle/>
+                    <a:p>
+                      <a:pPr algn="l" rtl="0" fontAlgn="t"/>
+                      <a:r>
+                        <a:rPr lang="en-US" sz="2400" b="0" dirty="0">
+                          <a:effectLst/>
+                        </a:rPr>
+                        <a:t>A non-whitespace character, short for</a:t>
+                      </a:r>
+                      <a:endParaRPr lang="en-US" sz="2400" b="0" i="0" dirty="0">
+                        <a:effectLst/>
+                        <a:latin typeface="inherit"/>
+                      </a:endParaRPr>
+                    </a:p>
+                  </a:txBody>
+                  <a:tcPr marL="80580" marR="80580" marT="40290" marB="40290"/>
+                </a:tc>
+                <a:extLst>
+                  <a:ext uri="{0D108BD9-81ED-4DB2-BD59-A6C34878D82A}">
+                    <a16:rowId xmlns:a16="http://schemas.microsoft.com/office/drawing/2014/main" val="286619004"/>
+                  </a:ext>
+                </a:extLst>
+              </a:tr>
+              <a:tr h="562610">
+                <a:tc>
+                  <a:txBody>
+                    <a:bodyPr/>
+                    <a:lstStyle/>
+                    <a:p>
+                      <a:pPr algn="ctr" rtl="0" fontAlgn="t"/>
+                      <a:r>
+                        <a:rPr lang="en-US" sz="2400" b="0">
+                          <a:effectLst/>
+                        </a:rPr>
+                        <a:t>\w</a:t>
+                      </a:r>
+                      <a:endParaRPr lang="en-US" sz="2400" b="0" i="0">
+                        <a:effectLst/>
+                        <a:latin typeface="inherit"/>
+                      </a:endParaRPr>
+                    </a:p>
+                  </a:txBody>
+                  <a:tcPr marL="80580" marR="80580" marT="40290" marB="40290"/>
+                </a:tc>
+                <a:tc>
+                  <a:txBody>
+                    <a:bodyPr/>
+                    <a:lstStyle/>
+                    <a:p>
+                      <a:pPr algn="l" rtl="0" fontAlgn="t"/>
+                      <a:r>
+                        <a:rPr lang="en-US" sz="2400" b="0" dirty="0">
+                          <a:effectLst/>
+                        </a:rPr>
+                        <a:t>A word character, short for [a-zA-Z_0-9]</a:t>
+                      </a:r>
+                      <a:endParaRPr lang="en-US" sz="2400" b="0" i="0" dirty="0">
+                        <a:effectLst/>
+                        <a:latin typeface="inherit"/>
+                      </a:endParaRPr>
+                    </a:p>
+                  </a:txBody>
+                  <a:tcPr marL="80580" marR="80580" marT="40290" marB="40290"/>
+                </a:tc>
+                <a:extLst>
+                  <a:ext uri="{0D108BD9-81ED-4DB2-BD59-A6C34878D82A}">
+                    <a16:rowId xmlns:a16="http://schemas.microsoft.com/office/drawing/2014/main" val="1242870577"/>
+                  </a:ext>
+                </a:extLst>
+              </a:tr>
+              <a:tr h="321195">
+                <a:tc>
+                  <a:txBody>
+                    <a:bodyPr/>
+                    <a:lstStyle/>
+                    <a:p>
+                      <a:pPr algn="ctr" rtl="0" fontAlgn="t"/>
+                      <a:r>
+                        <a:rPr lang="en-US" sz="2400" b="0">
+                          <a:effectLst/>
+                        </a:rPr>
+                        <a:t>\W</a:t>
+                      </a:r>
+                      <a:endParaRPr lang="en-US" sz="2400" b="0" i="0">
+                        <a:effectLst/>
+                        <a:latin typeface="inherit"/>
+                      </a:endParaRPr>
+                    </a:p>
+                  </a:txBody>
+                  <a:tcPr marL="80580" marR="80580" marT="40290" marB="40290"/>
+                </a:tc>
+                <a:tc>
+                  <a:txBody>
+                    <a:bodyPr/>
+                    <a:lstStyle/>
+                    <a:p>
+                      <a:pPr algn="l" rtl="0" fontAlgn="t"/>
+                      <a:r>
+                        <a:rPr lang="en-US" sz="2400" b="0" dirty="0">
+                          <a:effectLst/>
+                        </a:rPr>
+                        <a:t>A non-word character [^\w]</a:t>
+                      </a:r>
+                      <a:endParaRPr lang="en-US" sz="2400" b="0" i="0" dirty="0">
+                        <a:effectLst/>
+                        <a:latin typeface="inherit"/>
+                      </a:endParaRPr>
+                    </a:p>
+                  </a:txBody>
+                  <a:tcPr marL="80580" marR="80580" marT="40290" marB="40290"/>
+                </a:tc>
+                <a:extLst>
+                  <a:ext uri="{0D108BD9-81ED-4DB2-BD59-A6C34878D82A}">
+                    <a16:rowId xmlns:a16="http://schemas.microsoft.com/office/drawing/2014/main" val="1450251694"/>
+                  </a:ext>
+                </a:extLst>
+              </a:tr>
+              <a:tr h="562610">
+                <a:tc>
+                  <a:txBody>
+                    <a:bodyPr/>
+                    <a:lstStyle/>
+                    <a:p>
+                      <a:pPr algn="ctr" rtl="0" fontAlgn="t"/>
+                      <a:r>
+                        <a:rPr lang="en-US" sz="2400" b="0">
+                          <a:effectLst/>
+                        </a:rPr>
+                        <a:t>\S+</a:t>
+                      </a:r>
+                      <a:endParaRPr lang="en-US" sz="2400" b="0" i="0">
+                        <a:effectLst/>
+                        <a:latin typeface="inherit"/>
+                      </a:endParaRPr>
+                    </a:p>
+                  </a:txBody>
+                  <a:tcPr marL="80580" marR="80580" marT="40290" marB="40290"/>
+                </a:tc>
+                <a:tc>
+                  <a:txBody>
+                    <a:bodyPr/>
+                    <a:lstStyle/>
+                    <a:p>
+                      <a:pPr algn="l" rtl="0" fontAlgn="t"/>
+                      <a:r>
+                        <a:rPr lang="en-US" sz="2400" b="0" dirty="0">
+                          <a:effectLst/>
+                        </a:rPr>
+                        <a:t>Several non-whitespace characters</a:t>
+                      </a:r>
+                      <a:endParaRPr lang="en-US" sz="2400" b="0" i="0" dirty="0">
+                        <a:effectLst/>
+                        <a:latin typeface="inherit"/>
+                      </a:endParaRPr>
+                    </a:p>
+                  </a:txBody>
+                  <a:tcPr marL="80580" marR="80580" marT="40290" marB="40290"/>
+                </a:tc>
+                <a:extLst>
+                  <a:ext uri="{0D108BD9-81ED-4DB2-BD59-A6C34878D82A}">
+                    <a16:rowId xmlns:a16="http://schemas.microsoft.com/office/drawing/2014/main" val="1421899892"/>
+                  </a:ext>
+                </a:extLst>
+              </a:tr>
+              <a:tr h="804026">
+                <a:tc>
+                  <a:txBody>
+                    <a:bodyPr/>
+                    <a:lstStyle/>
+                    <a:p>
+                      <a:pPr algn="ctr" rtl="0" fontAlgn="t"/>
+                      <a:r>
+                        <a:rPr lang="en-US" sz="2400" b="0" dirty="0">
+                          <a:effectLst/>
+                        </a:rPr>
+                        <a:t>\b</a:t>
+                      </a:r>
+                      <a:endParaRPr lang="en-US" sz="2400" b="0" i="0" dirty="0">
+                        <a:effectLst/>
+                        <a:latin typeface="inherit"/>
+                      </a:endParaRPr>
+                    </a:p>
+                  </a:txBody>
+                  <a:tcPr marL="80580" marR="80580" marT="40290" marB="40290"/>
+                </a:tc>
+                <a:tc>
+                  <a:txBody>
+                    <a:bodyPr/>
+                    <a:lstStyle/>
+                    <a:p>
+                      <a:pPr algn="l" rtl="0" fontAlgn="t"/>
+                      <a:r>
+                        <a:rPr lang="en-US" sz="2400" b="0" dirty="0">
+                          <a:effectLst/>
+                        </a:rPr>
+                        <a:t>Matches a word boundary where a word character is [a-zA-Z0-9_]</a:t>
+                      </a:r>
+                      <a:endParaRPr lang="en-US" sz="2400" b="0" i="0" dirty="0">
+                        <a:effectLst/>
+                        <a:latin typeface="inherit"/>
+                      </a:endParaRPr>
+                    </a:p>
+                  </a:txBody>
+                  <a:tcPr marL="80580" marR="80580" marT="40290" marB="40290"/>
+                </a:tc>
+                <a:extLst>
+                  <a:ext uri="{0D108BD9-81ED-4DB2-BD59-A6C34878D82A}">
+                    <a16:rowId xmlns:a16="http://schemas.microsoft.com/office/drawing/2014/main" val="3926817111"/>
+                  </a:ext>
+                </a:extLst>
+              </a:tr>
+            </a:tbl>
+          </a:graphicData>
+        </a:graphic>
+      </p:graphicFrame>
+      <p:sp>
+        <p:nvSpPr>
+          <p:cNvPr id="6" name="文本框 5">
+            <a:extLst>
+              <a:ext uri="{FF2B5EF4-FFF2-40B4-BE49-F238E27FC236}">
+                <a16:creationId xmlns:a16="http://schemas.microsoft.com/office/drawing/2014/main" id="{6E3AC4F7-A53B-4818-8D3E-D124D7A7B781}"/>
+              </a:ext>
+            </a:extLst>
+          </p:cNvPr>
+          <p:cNvSpPr txBox="1"/>
+          <p:nvPr/>
+        </p:nvSpPr>
+        <p:spPr>
+          <a:xfrm>
+            <a:off x="0" y="1127582"/>
+            <a:ext cx="4261421" cy="3046988"/>
+          </a:xfrm>
+          <a:prstGeom prst="rect">
+            <a:avLst/>
+          </a:prstGeom>
+          <a:noFill/>
+        </p:spPr>
+        <p:txBody>
+          <a:bodyPr wrap="square">
+            <a:spAutoFit/>
+          </a:bodyPr>
+          <a:lstStyle/>
+          <a:p>
+            <a:pPr marL="342900" indent="-342900">
+              <a:buFont typeface="Arial" panose="020B0604020202020204" pitchFamily="34" charset="0"/>
+              <a:buChar char="•"/>
+            </a:pPr>
+            <a:r>
+              <a:rPr lang="zh-CN" altLang="en-US" sz="2400" dirty="0"/>
+              <a:t>meta characters have a pre-defined meaning and make certain common patterns easier to use. </a:t>
+            </a:r>
+            <a:endParaRPr lang="en-US" altLang="zh-CN" sz="2400" dirty="0"/>
+          </a:p>
+          <a:p>
+            <a:pPr marL="342900" indent="-342900">
+              <a:buFont typeface="Arial" panose="020B0604020202020204" pitchFamily="34" charset="0"/>
+              <a:buChar char="•"/>
+            </a:pPr>
+            <a:endParaRPr lang="en-US" altLang="zh-CN" sz="2400" dirty="0"/>
+          </a:p>
+          <a:p>
+            <a:pPr marL="342900" indent="-342900">
+              <a:buFont typeface="Arial" panose="020B0604020202020204" pitchFamily="34" charset="0"/>
+              <a:buChar char="•"/>
+            </a:pPr>
+            <a:r>
+              <a:rPr lang="zh-CN" altLang="en-US" sz="2400" dirty="0"/>
+              <a:t>For example, you can use \d as simplified definition for [0..9].</a:t>
+            </a:r>
+          </a:p>
+        </p:txBody>
+      </p:sp>
+      <p:sp>
+        <p:nvSpPr>
+          <p:cNvPr id="8" name="文本框 7">
+            <a:extLst>
+              <a:ext uri="{FF2B5EF4-FFF2-40B4-BE49-F238E27FC236}">
+                <a16:creationId xmlns:a16="http://schemas.microsoft.com/office/drawing/2014/main" id="{39386CDF-3B1A-48AF-AE80-AABF31ACE925}"/>
+              </a:ext>
+            </a:extLst>
+          </p:cNvPr>
+          <p:cNvSpPr txBox="1"/>
+          <p:nvPr/>
+        </p:nvSpPr>
+        <p:spPr>
+          <a:xfrm>
+            <a:off x="154643" y="4914810"/>
+            <a:ext cx="4106778" cy="1631216"/>
+          </a:xfrm>
+          <a:prstGeom prst="rect">
+            <a:avLst/>
+          </a:prstGeom>
+          <a:solidFill>
+            <a:schemeClr val="accent1">
+              <a:lumMod val="60000"/>
+              <a:lumOff val="40000"/>
+            </a:schemeClr>
+          </a:solidFill>
+        </p:spPr>
+        <p:txBody>
+          <a:bodyPr wrap="square">
+            <a:spAutoFit/>
+          </a:bodyPr>
+          <a:lstStyle/>
+          <a:p>
+            <a:r>
+              <a:rPr lang="zh-CN" altLang="en-US" sz="2000" b="1" i="1" dirty="0"/>
+              <a:t>These meta characters have the same first letter as their representation, e.g., digit, space, word, and boundary. Uppercase symbols define the opposite.</a:t>
+            </a:r>
+          </a:p>
+        </p:txBody>
+      </p:sp>
+    </p:spTree>
+    <p:extLst>
+      <p:ext uri="{BB962C8B-B14F-4D97-AF65-F5344CB8AC3E}">
+        <p14:creationId xmlns:p14="http://schemas.microsoft.com/office/powerpoint/2010/main" val="2055884180"/>
+      </p:ext>
+    </p:extLst>
+  </p:cSld>
+  <p:clrMapOvr>
+    <a:masterClrMapping/>
+  </p:clrMapOvr>
+</p:sld>
+</file>
+
+<file path=ppt/slides/slide39.xml><?xml version="1.0" encoding="utf-8"?>
+<p:sld xmlns:a="http://schemas.openxmlformats.org/drawingml/2006/main" xmlns:r="http://schemas.openxmlformats.org/officeDocument/2006/relationships" xmlns:p="http://schemas.openxmlformats.org/presentationml/2006/main">
+  <p:cSld>
+    <p:bg>
+      <p:bgPr>
+        <a:noFill/>
+        <a:effectLst/>
+      </p:bgPr>
+    </p:bg>
+    <p:spTree>
+      <p:nvGrpSpPr>
+        <p:cNvPr id="1" name=""/>
+        <p:cNvGrpSpPr/>
+        <p:nvPr/>
+      </p:nvGrpSpPr>
+      <p:grpSpPr>
+        <a:xfrm>
+          <a:off x="0" y="0"/>
+          <a:ext cx="0" cy="0"/>
+          <a:chOff x="0" y="0"/>
+          <a:chExt cx="0" cy="0"/>
+        </a:xfrm>
+      </p:grpSpPr>
+      <p:sp>
+        <p:nvSpPr>
+          <p:cNvPr id="2" name="标题 1">
+            <a:extLst>
+              <a:ext uri="{FF2B5EF4-FFF2-40B4-BE49-F238E27FC236}">
+                <a16:creationId xmlns:a16="http://schemas.microsoft.com/office/drawing/2014/main" id="{E3CE2015-9B6C-4A09-BA8B-6BEFA73EF4F4}"/>
+              </a:ext>
+            </a:extLst>
+          </p:cNvPr>
+          <p:cNvSpPr>
+            <a:spLocks noGrp="1"/>
+          </p:cNvSpPr>
+          <p:nvPr>
+            <p:ph type="title"/>
+          </p:nvPr>
+        </p:nvSpPr>
+        <p:spPr>
+          <a:xfrm>
+            <a:off x="0" y="0"/>
+            <a:ext cx="10515600" cy="1010653"/>
+          </a:xfrm>
+        </p:spPr>
+        <p:txBody>
+          <a:bodyPr/>
+          <a:lstStyle/>
+          <a:p>
+            <a:r>
+              <a:rPr lang="en-US" altLang="zh-CN" dirty="0"/>
+              <a:t>Quantifier</a:t>
+            </a:r>
+            <a:endParaRPr lang="zh-CN" altLang="en-US" dirty="0"/>
+          </a:p>
+        </p:txBody>
+      </p:sp>
+      <p:graphicFrame>
+        <p:nvGraphicFramePr>
+          <p:cNvPr id="4" name="内容占位符 3">
+            <a:extLst>
+              <a:ext uri="{FF2B5EF4-FFF2-40B4-BE49-F238E27FC236}">
+                <a16:creationId xmlns:a16="http://schemas.microsoft.com/office/drawing/2014/main" id="{304C46E4-3E6D-426C-8279-25078C960D21}"/>
+              </a:ext>
+            </a:extLst>
+          </p:cNvPr>
+          <p:cNvGraphicFramePr>
+            <a:graphicFrameLocks noGrp="1"/>
+          </p:cNvGraphicFramePr>
+          <p:nvPr>
+            <p:ph idx="1"/>
+            <p:extLst>
+              <p:ext uri="{D42A27DB-BD31-4B8C-83A1-F6EECF244321}">
+                <p14:modId xmlns:p14="http://schemas.microsoft.com/office/powerpoint/2010/main" val="1810088914"/>
+              </p:ext>
+            </p:extLst>
+          </p:nvPr>
+        </p:nvGraphicFramePr>
+        <p:xfrm>
+          <a:off x="1225723" y="1697728"/>
+          <a:ext cx="10067919" cy="4985928"/>
+        </p:xfrm>
+        <a:graphic>
+          <a:graphicData uri="http://schemas.openxmlformats.org/drawingml/2006/table">
+            <a:tbl>
+              <a:tblPr>
+                <a:tableStyleId>{5940675A-B579-460E-94D1-54222C63F5DA}</a:tableStyleId>
+              </a:tblPr>
+              <a:tblGrid>
+                <a:gridCol w="1589326">
+                  <a:extLst>
+                    <a:ext uri="{9D8B030D-6E8A-4147-A177-3AD203B41FA5}">
+                      <a16:colId xmlns:a16="http://schemas.microsoft.com/office/drawing/2014/main" val="3427319446"/>
+                    </a:ext>
+                  </a:extLst>
+                </a:gridCol>
+                <a:gridCol w="4018686">
+                  <a:extLst>
+                    <a:ext uri="{9D8B030D-6E8A-4147-A177-3AD203B41FA5}">
+                      <a16:colId xmlns:a16="http://schemas.microsoft.com/office/drawing/2014/main" val="2194403804"/>
+                    </a:ext>
+                  </a:extLst>
+                </a:gridCol>
+                <a:gridCol w="4459907">
+                  <a:extLst>
+                    <a:ext uri="{9D8B030D-6E8A-4147-A177-3AD203B41FA5}">
+                      <a16:colId xmlns:a16="http://schemas.microsoft.com/office/drawing/2014/main" val="1432842616"/>
+                    </a:ext>
+                  </a:extLst>
+                </a:gridCol>
+              </a:tblGrid>
+              <a:tr h="706996">
+                <a:tc>
+                  <a:txBody>
+                    <a:bodyPr/>
+                    <a:lstStyle/>
+                    <a:p>
+                      <a:pPr algn="l" rtl="0" fontAlgn="t"/>
+                      <a:r>
+                        <a:rPr lang="en-US" sz="2400" b="1" dirty="0">
+                          <a:effectLst/>
+                        </a:rPr>
+                        <a:t>Regular Expression</a:t>
+                      </a:r>
+                    </a:p>
+                  </a:txBody>
+                  <a:tcPr marL="38507" marR="38507" marT="19254" marB="19254"/>
+                </a:tc>
+                <a:tc>
+                  <a:txBody>
+                    <a:bodyPr/>
+                    <a:lstStyle/>
+                    <a:p>
+                      <a:pPr algn="l" rtl="0" fontAlgn="t"/>
+                      <a:r>
+                        <a:rPr lang="en-US" sz="2400" b="1" dirty="0">
+                          <a:effectLst/>
+                        </a:rPr>
+                        <a:t>Description</a:t>
+                      </a:r>
+                    </a:p>
+                  </a:txBody>
+                  <a:tcPr marL="38507" marR="38507" marT="19254" marB="19254"/>
+                </a:tc>
+                <a:tc>
+                  <a:txBody>
+                    <a:bodyPr/>
+                    <a:lstStyle/>
+                    <a:p>
+                      <a:pPr algn="l" rtl="0" fontAlgn="t"/>
+                      <a:r>
+                        <a:rPr lang="en-US" sz="2400" b="1" dirty="0">
+                          <a:effectLst/>
+                        </a:rPr>
+                        <a:t>Examples</a:t>
+                      </a:r>
+                    </a:p>
+                    <a:p>
+                      <a:pPr algn="l" rtl="0" fontAlgn="t"/>
+                      <a:endParaRPr lang="en-US" sz="2400" b="1" dirty="0">
+                        <a:effectLst/>
+                      </a:endParaRPr>
+                    </a:p>
+                  </a:txBody>
+                  <a:tcPr marL="38507" marR="38507" marT="19254" marB="19254"/>
+                </a:tc>
+                <a:extLst>
+                  <a:ext uri="{0D108BD9-81ED-4DB2-BD59-A6C34878D82A}">
+                    <a16:rowId xmlns:a16="http://schemas.microsoft.com/office/drawing/2014/main" val="3544865676"/>
+                  </a:ext>
+                </a:extLst>
+              </a:tr>
+              <a:tr h="1037310">
+                <a:tc>
+                  <a:txBody>
+                    <a:bodyPr/>
+                    <a:lstStyle/>
+                    <a:p>
+                      <a:pPr algn="l" rtl="0" fontAlgn="t"/>
+                      <a:r>
+                        <a:rPr lang="en-US" sz="2400" b="0" dirty="0">
+                          <a:effectLst/>
+                        </a:rPr>
+                        <a:t>{X}</a:t>
+                      </a:r>
+                      <a:endParaRPr lang="en-US" sz="2400" b="0" i="0" dirty="0">
+                        <a:effectLst/>
+                        <a:latin typeface="inherit"/>
+                      </a:endParaRPr>
+                    </a:p>
+                  </a:txBody>
+                  <a:tcPr marL="38507" marR="38507" marT="19254" marB="19254"/>
+                </a:tc>
+                <a:tc>
+                  <a:txBody>
+                    <a:bodyPr/>
+                    <a:lstStyle/>
+                    <a:p>
+                      <a:pPr algn="l" rtl="0" fontAlgn="t"/>
+                      <a:r>
+                        <a:rPr lang="en-US" sz="2400" b="0" dirty="0">
+                          <a:effectLst/>
+                        </a:rPr>
+                        <a:t>Occurs X number of times</a:t>
+                      </a:r>
+                      <a:endParaRPr lang="en-US" sz="2400" b="0" i="0" dirty="0">
+                        <a:effectLst/>
+                        <a:latin typeface="inherit"/>
+                      </a:endParaRPr>
+                    </a:p>
+                  </a:txBody>
+                  <a:tcPr marL="38507" marR="38507" marT="19254" marB="19254"/>
+                </a:tc>
+                <a:tc>
+                  <a:txBody>
+                    <a:bodyPr/>
+                    <a:lstStyle/>
+                    <a:p>
+                      <a:pPr algn="l" rtl="0" fontAlgn="t"/>
+                      <a:r>
+                        <a:rPr lang="en-US" sz="2400" b="0" dirty="0">
+                          <a:effectLst/>
+                        </a:rPr>
+                        <a:t>\d{3} searches for three digits, .{10} for any character sequence of length 10.</a:t>
+                      </a:r>
+                      <a:endParaRPr lang="en-US" sz="2400" b="0" i="0" dirty="0">
+                        <a:effectLst/>
+                        <a:latin typeface="inherit"/>
+                      </a:endParaRPr>
+                    </a:p>
+                  </a:txBody>
+                  <a:tcPr marL="38507" marR="38507" marT="19254" marB="19254"/>
+                </a:tc>
+                <a:extLst>
+                  <a:ext uri="{0D108BD9-81ED-4DB2-BD59-A6C34878D82A}">
+                    <a16:rowId xmlns:a16="http://schemas.microsoft.com/office/drawing/2014/main" val="857257833"/>
+                  </a:ext>
+                </a:extLst>
+              </a:tr>
+              <a:tr h="376682">
+                <a:tc>
+                  <a:txBody>
+                    <a:bodyPr/>
+                    <a:lstStyle/>
+                    <a:p>
+                      <a:pPr algn="l" rtl="0" fontAlgn="t"/>
+                      <a:r>
+                        <a:rPr lang="en-US" sz="2400" b="0" dirty="0">
+                          <a:effectLst/>
+                        </a:rPr>
+                        <a:t>{X,}</a:t>
+                      </a:r>
+                      <a:endParaRPr lang="en-US" sz="2400" b="0" i="0" dirty="0">
+                        <a:effectLst/>
+                        <a:latin typeface="inherit"/>
+                      </a:endParaRPr>
+                    </a:p>
+                  </a:txBody>
+                  <a:tcPr marL="38507" marR="38507" marT="19254" marB="19254"/>
+                </a:tc>
+                <a:tc>
+                  <a:txBody>
+                    <a:bodyPr/>
+                    <a:lstStyle/>
+                    <a:p>
+                      <a:pPr algn="l" rtl="0" fontAlgn="t"/>
+                      <a:r>
+                        <a:rPr lang="en-US" sz="2400" b="0" dirty="0">
+                          <a:effectLst/>
+                        </a:rPr>
+                        <a:t>Occurs more than X times,</a:t>
+                      </a:r>
+                      <a:endParaRPr lang="en-US" sz="2400" b="0" i="0" dirty="0">
+                        <a:effectLst/>
+                        <a:latin typeface="inherit"/>
+                      </a:endParaRPr>
+                    </a:p>
+                  </a:txBody>
+                  <a:tcPr marL="38507" marR="38507" marT="19254" marB="19254"/>
+                </a:tc>
+                <a:tc>
+                  <a:txBody>
+                    <a:bodyPr/>
+                    <a:lstStyle/>
+                    <a:p>
+                      <a:pPr algn="l" rtl="0" fontAlgn="t"/>
+                      <a:endParaRPr lang="en-US" sz="2400" b="0" i="0" dirty="0">
+                        <a:effectLst/>
+                        <a:latin typeface="inherit"/>
+                      </a:endParaRPr>
+                    </a:p>
+                  </a:txBody>
+                  <a:tcPr marL="38507" marR="38507" marT="19254" marB="19254"/>
+                </a:tc>
+                <a:extLst>
+                  <a:ext uri="{0D108BD9-81ED-4DB2-BD59-A6C34878D82A}">
+                    <a16:rowId xmlns:a16="http://schemas.microsoft.com/office/drawing/2014/main" val="1196340659"/>
+                  </a:ext>
+                </a:extLst>
+              </a:tr>
+              <a:tr h="741881">
+                <a:tc>
+                  <a:txBody>
+                    <a:bodyPr/>
+                    <a:lstStyle/>
+                    <a:p>
+                      <a:pPr algn="l" rtl="0" fontAlgn="t"/>
+                      <a:r>
+                        <a:rPr lang="en-US" sz="2400" b="0" dirty="0">
+                          <a:effectLst/>
+                        </a:rPr>
+                        <a:t>{X,Y}</a:t>
+                      </a:r>
+                      <a:endParaRPr lang="en-US" sz="2400" b="0" i="0" dirty="0">
+                        <a:effectLst/>
+                        <a:latin typeface="inherit"/>
+                      </a:endParaRPr>
+                    </a:p>
+                  </a:txBody>
+                  <a:tcPr marL="38507" marR="38507" marT="19254" marB="19254"/>
+                </a:tc>
+                <a:tc>
+                  <a:txBody>
+                    <a:bodyPr/>
+                    <a:lstStyle/>
+                    <a:p>
+                      <a:pPr algn="l" rtl="0" fontAlgn="t"/>
+                      <a:r>
+                        <a:rPr lang="en-US" sz="2400" b="0" dirty="0">
+                          <a:effectLst/>
+                        </a:rPr>
+                        <a:t>Occurs between X and Y times,</a:t>
+                      </a:r>
+                      <a:endParaRPr lang="en-US" sz="2400" b="0" i="0" dirty="0">
+                        <a:effectLst/>
+                        <a:latin typeface="inherit"/>
+                      </a:endParaRPr>
+                    </a:p>
+                  </a:txBody>
+                  <a:tcPr marL="38507" marR="38507" marT="19254" marB="19254"/>
+                </a:tc>
+                <a:tc>
+                  <a:txBody>
+                    <a:bodyPr/>
+                    <a:lstStyle/>
+                    <a:p>
+                      <a:pPr algn="l" rtl="0" fontAlgn="t"/>
+                      <a:r>
+                        <a:rPr lang="en-US" sz="2400" b="0" dirty="0">
+                          <a:effectLst/>
+                        </a:rPr>
+                        <a:t>\d{1,4} means \d must occur at least once and at a maximum of four.</a:t>
+                      </a:r>
+                      <a:endParaRPr lang="en-US" sz="2400" b="0" i="0" dirty="0">
+                        <a:effectLst/>
+                        <a:latin typeface="inherit"/>
+                      </a:endParaRPr>
+                    </a:p>
+                  </a:txBody>
+                  <a:tcPr marL="38507" marR="38507" marT="19254" marB="19254"/>
+                </a:tc>
+                <a:extLst>
+                  <a:ext uri="{0D108BD9-81ED-4DB2-BD59-A6C34878D82A}">
+                    <a16:rowId xmlns:a16="http://schemas.microsoft.com/office/drawing/2014/main" val="1232343048"/>
+                  </a:ext>
+                </a:extLst>
+              </a:tr>
+              <a:tr h="706996">
+                <a:tc>
+                  <a:txBody>
+                    <a:bodyPr/>
+                    <a:lstStyle/>
+                    <a:p>
+                      <a:pPr algn="l" rtl="0" fontAlgn="t"/>
+                      <a:r>
+                        <a:rPr lang="en-US" altLang="zh-CN" sz="2400" b="0">
+                          <a:effectLst/>
+                        </a:rPr>
+                        <a:t>+</a:t>
+                      </a:r>
+                      <a:endParaRPr lang="en-US" altLang="zh-CN" sz="2400" b="0" i="0">
+                        <a:effectLst/>
+                        <a:latin typeface="inherit"/>
+                      </a:endParaRPr>
+                    </a:p>
+                  </a:txBody>
+                  <a:tcPr marL="38507" marR="38507" marT="19254" marB="19254"/>
+                </a:tc>
+                <a:tc>
+                  <a:txBody>
+                    <a:bodyPr/>
+                    <a:lstStyle/>
+                    <a:p>
+                      <a:pPr algn="l" rtl="0" fontAlgn="t"/>
+                      <a:r>
+                        <a:rPr lang="en-US" sz="2400" b="0">
+                          <a:effectLst/>
+                        </a:rPr>
+                        <a:t>Occurs one or more times, is short for {1,}</a:t>
+                      </a:r>
+                      <a:endParaRPr lang="en-US" sz="2400" b="0" i="0">
+                        <a:effectLst/>
+                        <a:latin typeface="inherit"/>
+                      </a:endParaRPr>
+                    </a:p>
+                  </a:txBody>
+                  <a:tcPr marL="38507" marR="38507" marT="19254" marB="19254"/>
+                </a:tc>
+                <a:tc>
+                  <a:txBody>
+                    <a:bodyPr/>
+                    <a:lstStyle/>
+                    <a:p>
+                      <a:pPr algn="l" rtl="0" fontAlgn="t"/>
+                      <a:r>
+                        <a:rPr lang="en-US" sz="2400" b="0" dirty="0">
+                          <a:effectLst/>
+                        </a:rPr>
+                        <a:t>X+- Finds one or several letter X</a:t>
+                      </a:r>
+                      <a:endParaRPr lang="en-US" sz="2400" b="0" i="0" dirty="0">
+                        <a:effectLst/>
+                        <a:latin typeface="inherit"/>
+                      </a:endParaRPr>
+                    </a:p>
+                  </a:txBody>
+                  <a:tcPr marL="38507" marR="38507" marT="19254" marB="19254"/>
+                </a:tc>
+                <a:extLst>
+                  <a:ext uri="{0D108BD9-81ED-4DB2-BD59-A6C34878D82A}">
+                    <a16:rowId xmlns:a16="http://schemas.microsoft.com/office/drawing/2014/main" val="2807309001"/>
+                  </a:ext>
+                </a:extLst>
+              </a:tr>
+              <a:tr h="706996">
+                <a:tc>
+                  <a:txBody>
+                    <a:bodyPr/>
+                    <a:lstStyle/>
+                    <a:p>
+                      <a:pPr algn="l" rtl="0" fontAlgn="t"/>
+                      <a:r>
+                        <a:rPr lang="en-US" altLang="zh-CN" sz="2400" b="0" dirty="0">
+                          <a:effectLst/>
+                        </a:rPr>
+                        <a:t>?</a:t>
+                      </a:r>
+                      <a:endParaRPr lang="en-US" altLang="zh-CN" sz="2400" b="0" i="0" dirty="0">
+                        <a:effectLst/>
+                        <a:latin typeface="inherit"/>
+                      </a:endParaRPr>
+                    </a:p>
+                  </a:txBody>
+                  <a:tcPr marL="38507" marR="38507" marT="19254" marB="19254"/>
+                </a:tc>
+                <a:tc>
+                  <a:txBody>
+                    <a:bodyPr/>
+                    <a:lstStyle/>
+                    <a:p>
+                      <a:pPr algn="l" rtl="0" fontAlgn="t"/>
+                      <a:r>
+                        <a:rPr lang="en-US" sz="2400" b="0">
+                          <a:effectLst/>
+                        </a:rPr>
+                        <a:t>Occurs no or one times, ? is short for {0,1}.</a:t>
+                      </a:r>
+                      <a:endParaRPr lang="en-US" sz="2400" b="0" i="0">
+                        <a:effectLst/>
+                        <a:latin typeface="inherit"/>
+                      </a:endParaRPr>
+                    </a:p>
+                  </a:txBody>
+                  <a:tcPr marL="38507" marR="38507" marT="19254" marB="19254"/>
+                </a:tc>
+                <a:tc>
+                  <a:txBody>
+                    <a:bodyPr/>
+                    <a:lstStyle/>
+                    <a:p>
+                      <a:pPr algn="l" rtl="0" fontAlgn="t"/>
+                      <a:r>
+                        <a:rPr lang="en-US" sz="2400" b="0" dirty="0">
+                          <a:effectLst/>
+                        </a:rPr>
+                        <a:t>X? finds no or exactly one letter X</a:t>
+                      </a:r>
+                      <a:endParaRPr lang="en-US" sz="2400" b="0" i="0" dirty="0">
+                        <a:effectLst/>
+                        <a:latin typeface="inherit"/>
+                      </a:endParaRPr>
+                    </a:p>
+                  </a:txBody>
+                  <a:tcPr marL="38507" marR="38507" marT="19254" marB="19254"/>
+                </a:tc>
+                <a:extLst>
+                  <a:ext uri="{0D108BD9-81ED-4DB2-BD59-A6C34878D82A}">
+                    <a16:rowId xmlns:a16="http://schemas.microsoft.com/office/drawing/2014/main" val="3705335474"/>
+                  </a:ext>
+                </a:extLst>
+              </a:tr>
+            </a:tbl>
+          </a:graphicData>
+        </a:graphic>
+      </p:graphicFrame>
+      <p:sp>
+        <p:nvSpPr>
+          <p:cNvPr id="5" name="Rectangle 2">
+            <a:extLst>
+              <a:ext uri="{FF2B5EF4-FFF2-40B4-BE49-F238E27FC236}">
+                <a16:creationId xmlns:a16="http://schemas.microsoft.com/office/drawing/2014/main" id="{F787A20C-C3A5-4587-B36F-6521007B7CD4}"/>
+              </a:ext>
+            </a:extLst>
+          </p:cNvPr>
+          <p:cNvSpPr>
+            <a:spLocks noChangeArrowheads="1"/>
+          </p:cNvSpPr>
+          <p:nvPr/>
+        </p:nvSpPr>
+        <p:spPr bwMode="auto">
+          <a:xfrm>
+            <a:off x="4892675" y="1652588"/>
+            <a:ext cx="12192000" cy="0"/>
+          </a:xfrm>
+          <a:prstGeom prst="rect">
+            <a:avLst/>
+          </a:prstGeom>
+          <a:noFill/>
+          <a:ln>
+            <a:noFill/>
+          </a:ln>
+          <a:effectLst/>
+          <a:extLst>
+            <a:ext uri="{909E8E84-426E-40DD-AFC4-6F175D3DCCD1}">
+              <a14:hiddenFill xmlns:a14="http://schemas.microsoft.com/office/drawing/2010/main">
+                <a:solidFill>
+                  <a:schemeClr val="accent1"/>
+                </a:solidFill>
+              </a14:hiddenFill>
+            </a:ext>
+            <a:ext uri="{91240B29-F687-4F45-9708-019B960494DF}">
+              <a14:hiddenLine xmlns:a14="http://schemas.microsoft.com/office/drawing/2010/main" w="9525">
+                <a:solidFill>
+                  <a:schemeClr val="tx1"/>
+                </a:solidFill>
+                <a:miter lim="800000"/>
+                <a:headEnd/>
+                <a:tailEnd/>
+              </a14:hiddenLine>
+            </a:ext>
+            <a:ext uri="{AF507438-7753-43E0-B8FC-AC1667EBCBE1}">
+              <a14:hiddenEffects xmlns:a14="http://schemas.microsoft.com/office/drawing/2010/main">
+                <a:effectLst>
+                  <a:outerShdw dist="35921" dir="2700000" algn="ctr" rotWithShape="0">
+                    <a:schemeClr val="bg2"/>
+                  </a:outerShdw>
+                </a:effectLst>
+              </a14:hiddenEffects>
+            </a:ext>
+          </a:extLst>
+        </p:spPr>
+        <p:txBody>
+          <a:bodyPr vert="horz" wrap="none" lIns="91440" tIns="45720" rIns="91440" bIns="45720" numCol="1" anchor="ctr" anchorCtr="0" compatLnSpc="1">
+            <a:prstTxWarp prst="textNoShape">
+              <a:avLst/>
+            </a:prstTxWarp>
+            <a:spAutoFit/>
+          </a:bodyPr>
+          <a:lstStyle/>
+          <a:p>
+            <a:pPr marL="0" marR="0" lvl="0" indent="0" algn="l" defTabSz="914400" rtl="0" eaLnBrk="0" fontAlgn="base" latinLnBrk="0" hangingPunct="0">
+              <a:lnSpc>
+                <a:spcPct val="100000"/>
+              </a:lnSpc>
+              <a:spcBef>
+                <a:spcPct val="0"/>
+              </a:spcBef>
+              <a:spcAft>
+                <a:spcPct val="0"/>
+              </a:spcAft>
+              <a:buClrTx/>
+              <a:buSzTx/>
+              <a:buFontTx/>
+              <a:buNone/>
+              <a:tabLst/>
+            </a:pPr>
+            <a:br>
+              <a:rPr kumimoji="0" lang="zh-CN" altLang="zh-CN" sz="1800" b="0" i="0" u="none" strike="noStrike" cap="none" normalizeH="0" baseline="0">
+                <a:ln>
+                  <a:noFill/>
+                </a:ln>
+                <a:solidFill>
+                  <a:schemeClr val="tx1"/>
+                </a:solidFill>
+                <a:effectLst/>
+                <a:latin typeface="Arial" panose="020B0604020202020204" pitchFamily="34" charset="0"/>
+              </a:rPr>
+            </a:br>
+            <a:endParaRPr kumimoji="0" lang="zh-CN" altLang="zh-CN" sz="1800" b="0" i="0" u="none" strike="noStrike" cap="none" normalizeH="0" baseline="0">
+              <a:ln>
+                <a:noFill/>
+              </a:ln>
+              <a:solidFill>
+                <a:schemeClr val="tx1"/>
+              </a:solidFill>
+              <a:effectLst/>
+              <a:latin typeface="Arial" panose="020B0604020202020204" pitchFamily="34" charset="0"/>
+            </a:endParaRPr>
+          </a:p>
+        </p:txBody>
+      </p:sp>
+      <p:sp>
+        <p:nvSpPr>
+          <p:cNvPr id="7" name="文本框 6">
+            <a:extLst>
+              <a:ext uri="{FF2B5EF4-FFF2-40B4-BE49-F238E27FC236}">
+                <a16:creationId xmlns:a16="http://schemas.microsoft.com/office/drawing/2014/main" id="{9D488A69-7EB3-4012-9670-0CEE6D985B39}"/>
+              </a:ext>
+            </a:extLst>
+          </p:cNvPr>
+          <p:cNvSpPr txBox="1"/>
+          <p:nvPr/>
+        </p:nvSpPr>
+        <p:spPr>
+          <a:xfrm>
+            <a:off x="173174" y="911413"/>
+            <a:ext cx="9942036" cy="584775"/>
+          </a:xfrm>
+          <a:prstGeom prst="rect">
+            <a:avLst/>
+          </a:prstGeom>
+          <a:noFill/>
+        </p:spPr>
+        <p:txBody>
+          <a:bodyPr wrap="square">
+            <a:spAutoFit/>
+          </a:bodyPr>
+          <a:lstStyle/>
+          <a:p>
+            <a:r>
+              <a:rPr lang="zh-CN" altLang="en-US" sz="3200" dirty="0"/>
+              <a:t>A quantifier defines how often an element can occur. </a:t>
+            </a:r>
+          </a:p>
+        </p:txBody>
+      </p:sp>
+    </p:spTree>
+    <p:extLst>
+      <p:ext uri="{BB962C8B-B14F-4D97-AF65-F5344CB8AC3E}">
+        <p14:creationId xmlns:p14="http://schemas.microsoft.com/office/powerpoint/2010/main" val="3366070536"/>
       </p:ext>
     </p:extLst>
   </p:cSld>
@@ -6945,6 +9532,3622 @@
     <p:extLst>
       <p:ext uri="{BB962C8B-B14F-4D97-AF65-F5344CB8AC3E}">
         <p14:creationId xmlns:p14="http://schemas.microsoft.com/office/powerpoint/2010/main" val="1448125361"/>
+      </p:ext>
+    </p:extLst>
+  </p:cSld>
+  <p:clrMapOvr>
+    <a:masterClrMapping/>
+  </p:clrMapOvr>
+</p:sld>
+</file>
+
+<file path=ppt/slides/slide40.xml><?xml version="1.0" encoding="utf-8"?>
+<p:sld xmlns:a="http://schemas.openxmlformats.org/drawingml/2006/main" xmlns:r="http://schemas.openxmlformats.org/officeDocument/2006/relationships" xmlns:p="http://schemas.openxmlformats.org/presentationml/2006/main">
+  <p:cSld>
+    <p:spTree>
+      <p:nvGrpSpPr>
+        <p:cNvPr id="1" name=""/>
+        <p:cNvGrpSpPr/>
+        <p:nvPr/>
+      </p:nvGrpSpPr>
+      <p:grpSpPr>
+        <a:xfrm>
+          <a:off x="0" y="0"/>
+          <a:ext cx="0" cy="0"/>
+          <a:chOff x="0" y="0"/>
+          <a:chExt cx="0" cy="0"/>
+        </a:xfrm>
+      </p:grpSpPr>
+      <p:sp>
+        <p:nvSpPr>
+          <p:cNvPr id="2" name="标题 1">
+            <a:extLst>
+              <a:ext uri="{FF2B5EF4-FFF2-40B4-BE49-F238E27FC236}">
+                <a16:creationId xmlns:a16="http://schemas.microsoft.com/office/drawing/2014/main" id="{8EDC13BC-9E75-48C7-9C12-BF67CDC7BC5D}"/>
+              </a:ext>
+            </a:extLst>
+          </p:cNvPr>
+          <p:cNvSpPr>
+            <a:spLocks noGrp="1"/>
+          </p:cNvSpPr>
+          <p:nvPr>
+            <p:ph type="title"/>
+          </p:nvPr>
+        </p:nvSpPr>
+        <p:spPr/>
+        <p:txBody>
+          <a:bodyPr/>
+          <a:lstStyle/>
+          <a:p>
+            <a:r>
+              <a:rPr lang="en-US" altLang="zh-CN" dirty="0"/>
+              <a:t>Backslashes in Java</a:t>
+            </a:r>
+            <a:endParaRPr lang="zh-CN" altLang="en-US" dirty="0"/>
+          </a:p>
+        </p:txBody>
+      </p:sp>
+      <p:sp>
+        <p:nvSpPr>
+          <p:cNvPr id="3" name="内容占位符 2">
+            <a:extLst>
+              <a:ext uri="{FF2B5EF4-FFF2-40B4-BE49-F238E27FC236}">
+                <a16:creationId xmlns:a16="http://schemas.microsoft.com/office/drawing/2014/main" id="{97CF2951-722A-4EB0-8A42-F661B9FD759F}"/>
+              </a:ext>
+            </a:extLst>
+          </p:cNvPr>
+          <p:cNvSpPr>
+            <a:spLocks noGrp="1"/>
+          </p:cNvSpPr>
+          <p:nvPr>
+            <p:ph idx="1"/>
+          </p:nvPr>
+        </p:nvSpPr>
+        <p:spPr/>
+        <p:txBody>
+          <a:bodyPr>
+            <a:normAutofit/>
+          </a:bodyPr>
+          <a:lstStyle/>
+          <a:p>
+            <a:r>
+              <a:rPr lang="en-US" altLang="zh-CN" sz="3200" dirty="0"/>
+              <a:t>The backslash \ a predefined meaning in Java</a:t>
+            </a:r>
+          </a:p>
+          <a:p>
+            <a:r>
+              <a:rPr lang="en-US" altLang="zh-CN" sz="3200" dirty="0"/>
+              <a:t>use double backslash \\ to define a single backslash</a:t>
+            </a:r>
+          </a:p>
+          <a:p>
+            <a:r>
+              <a:rPr lang="en-US" altLang="zh-CN" sz="3200" dirty="0"/>
+              <a:t>To define \w,  write \\w</a:t>
+            </a:r>
+          </a:p>
+          <a:p>
+            <a:r>
+              <a:rPr lang="en-US" altLang="zh-CN" sz="3200" dirty="0"/>
+              <a:t>If you want to use backslash as a literal, you have to type \\\\ as \ is also an escape character in regular expressions.</a:t>
+            </a:r>
+            <a:endParaRPr lang="zh-CN" altLang="en-US" sz="3200" dirty="0"/>
+          </a:p>
+        </p:txBody>
+      </p:sp>
+    </p:spTree>
+    <p:extLst>
+      <p:ext uri="{BB962C8B-B14F-4D97-AF65-F5344CB8AC3E}">
+        <p14:creationId xmlns:p14="http://schemas.microsoft.com/office/powerpoint/2010/main" val="2851657026"/>
+      </p:ext>
+    </p:extLst>
+  </p:cSld>
+  <p:clrMapOvr>
+    <a:masterClrMapping/>
+  </p:clrMapOvr>
+</p:sld>
+</file>
+
+<file path=ppt/slides/slide41.xml><?xml version="1.0" encoding="utf-8"?>
+<p:sld xmlns:a="http://schemas.openxmlformats.org/drawingml/2006/main" xmlns:r="http://schemas.openxmlformats.org/officeDocument/2006/relationships" xmlns:p="http://schemas.openxmlformats.org/presentationml/2006/main">
+  <p:cSld>
+    <p:spTree>
+      <p:nvGrpSpPr>
+        <p:cNvPr id="1" name=""/>
+        <p:cNvGrpSpPr/>
+        <p:nvPr/>
+      </p:nvGrpSpPr>
+      <p:grpSpPr>
+        <a:xfrm>
+          <a:off x="0" y="0"/>
+          <a:ext cx="0" cy="0"/>
+          <a:chOff x="0" y="0"/>
+          <a:chExt cx="0" cy="0"/>
+        </a:xfrm>
+      </p:grpSpPr>
+      <p:sp>
+        <p:nvSpPr>
+          <p:cNvPr id="2" name="标题 1">
+            <a:extLst>
+              <a:ext uri="{FF2B5EF4-FFF2-40B4-BE49-F238E27FC236}">
+                <a16:creationId xmlns:a16="http://schemas.microsoft.com/office/drawing/2014/main" id="{ABEBBAAA-1D59-4A53-A2E3-116C3E6D44F8}"/>
+              </a:ext>
+            </a:extLst>
+          </p:cNvPr>
+          <p:cNvSpPr>
+            <a:spLocks noGrp="1"/>
+          </p:cNvSpPr>
+          <p:nvPr>
+            <p:ph type="title"/>
+          </p:nvPr>
+        </p:nvSpPr>
+        <p:spPr/>
+        <p:txBody>
+          <a:bodyPr/>
+          <a:lstStyle/>
+          <a:p>
+            <a:r>
+              <a:rPr lang="en-US" altLang="zh-CN" dirty="0"/>
+              <a:t>Negative look ahead</a:t>
+            </a:r>
+            <a:endParaRPr lang="zh-CN" altLang="en-US" dirty="0"/>
+          </a:p>
+        </p:txBody>
+      </p:sp>
+      <p:sp>
+        <p:nvSpPr>
+          <p:cNvPr id="3" name="内容占位符 2">
+            <a:extLst>
+              <a:ext uri="{FF2B5EF4-FFF2-40B4-BE49-F238E27FC236}">
+                <a16:creationId xmlns:a16="http://schemas.microsoft.com/office/drawing/2014/main" id="{109B6B7A-F8D0-486D-B546-83AD1B9B6FB9}"/>
+              </a:ext>
+            </a:extLst>
+          </p:cNvPr>
+          <p:cNvSpPr>
+            <a:spLocks noGrp="1"/>
+          </p:cNvSpPr>
+          <p:nvPr>
+            <p:ph idx="1"/>
+          </p:nvPr>
+        </p:nvSpPr>
+        <p:spPr/>
+        <p:txBody>
+          <a:bodyPr>
+            <a:normAutofit/>
+          </a:bodyPr>
+          <a:lstStyle/>
+          <a:p>
+            <a:r>
+              <a:rPr lang="en-US" altLang="zh-CN" sz="3600" dirty="0"/>
+              <a:t>Negative look ahead provides the possibility to exclude a pattern. </a:t>
+            </a:r>
+          </a:p>
+          <a:p>
+            <a:r>
+              <a:rPr lang="en-US" altLang="zh-CN" sz="3600" dirty="0"/>
+              <a:t>With this you can say that a string should not be followed by another string.</a:t>
+            </a:r>
+          </a:p>
+          <a:p>
+            <a:r>
+              <a:rPr lang="en-US" altLang="zh-CN" sz="3600" dirty="0"/>
+              <a:t>Negative look ahead are defined via (?!pattern).</a:t>
+            </a:r>
+            <a:endParaRPr lang="zh-CN" altLang="en-US" sz="3600" dirty="0"/>
+          </a:p>
+        </p:txBody>
+      </p:sp>
+    </p:spTree>
+    <p:extLst>
+      <p:ext uri="{BB962C8B-B14F-4D97-AF65-F5344CB8AC3E}">
+        <p14:creationId xmlns:p14="http://schemas.microsoft.com/office/powerpoint/2010/main" val="1837962517"/>
+      </p:ext>
+    </p:extLst>
+  </p:cSld>
+  <p:clrMapOvr>
+    <a:masterClrMapping/>
+  </p:clrMapOvr>
+</p:sld>
+</file>
+
+<file path=ppt/slides/slide42.xml><?xml version="1.0" encoding="utf-8"?>
+<p:sld xmlns:a="http://schemas.openxmlformats.org/drawingml/2006/main" xmlns:r="http://schemas.openxmlformats.org/officeDocument/2006/relationships" xmlns:p="http://schemas.openxmlformats.org/presentationml/2006/main">
+  <p:cSld>
+    <p:spTree>
+      <p:nvGrpSpPr>
+        <p:cNvPr id="1" name=""/>
+        <p:cNvGrpSpPr/>
+        <p:nvPr/>
+      </p:nvGrpSpPr>
+      <p:grpSpPr>
+        <a:xfrm>
+          <a:off x="0" y="0"/>
+          <a:ext cx="0" cy="0"/>
+          <a:chOff x="0" y="0"/>
+          <a:chExt cx="0" cy="0"/>
+        </a:xfrm>
+      </p:grpSpPr>
+      <p:sp>
+        <p:nvSpPr>
+          <p:cNvPr id="2" name="标题 1">
+            <a:extLst>
+              <a:ext uri="{FF2B5EF4-FFF2-40B4-BE49-F238E27FC236}">
+                <a16:creationId xmlns:a16="http://schemas.microsoft.com/office/drawing/2014/main" id="{E0E18E07-F27B-4514-8663-988300A93AD1}"/>
+              </a:ext>
+            </a:extLst>
+          </p:cNvPr>
+          <p:cNvSpPr>
+            <a:spLocks noGrp="1"/>
+          </p:cNvSpPr>
+          <p:nvPr>
+            <p:ph type="title"/>
+          </p:nvPr>
+        </p:nvSpPr>
+        <p:spPr/>
+        <p:txBody>
+          <a:bodyPr/>
+          <a:lstStyle/>
+          <a:p>
+            <a:r>
+              <a:rPr lang="en-US" altLang="zh-CN" dirty="0"/>
+              <a:t>modes inside the regular expression</a:t>
+            </a:r>
+            <a:endParaRPr lang="zh-CN" altLang="en-US" dirty="0"/>
+          </a:p>
+        </p:txBody>
+      </p:sp>
+      <p:sp>
+        <p:nvSpPr>
+          <p:cNvPr id="3" name="内容占位符 2">
+            <a:extLst>
+              <a:ext uri="{FF2B5EF4-FFF2-40B4-BE49-F238E27FC236}">
+                <a16:creationId xmlns:a16="http://schemas.microsoft.com/office/drawing/2014/main" id="{2DB45B73-B8D7-47A1-B957-5DC772E0AC8C}"/>
+              </a:ext>
+            </a:extLst>
+          </p:cNvPr>
+          <p:cNvSpPr>
+            <a:spLocks noGrp="1"/>
+          </p:cNvSpPr>
+          <p:nvPr>
+            <p:ph idx="1"/>
+          </p:nvPr>
+        </p:nvSpPr>
+        <p:spPr/>
+        <p:txBody>
+          <a:bodyPr/>
+          <a:lstStyle/>
+          <a:p>
+            <a:r>
+              <a:rPr lang="en-US" altLang="zh-CN" sz="3200" dirty="0"/>
+              <a:t>You can add the mode modifiers to the start of the regex. To specify multiple modes, simply put them together as in (?</a:t>
+            </a:r>
+            <a:r>
+              <a:rPr lang="en-US" altLang="zh-CN" sz="3200" dirty="0" err="1"/>
+              <a:t>ismx</a:t>
+            </a:r>
+            <a:r>
+              <a:rPr lang="en-US" altLang="zh-CN" sz="3200" dirty="0"/>
+              <a:t>).</a:t>
+            </a:r>
+          </a:p>
+          <a:p>
+            <a:pPr lvl="1">
+              <a:buFont typeface="Wingdings" panose="05000000000000000000" pitchFamily="2" charset="2"/>
+              <a:buChar char="n"/>
+            </a:pPr>
+            <a:r>
+              <a:rPr lang="en-US" altLang="zh-CN" sz="3200" b="1" dirty="0"/>
+              <a:t>(?</a:t>
+            </a:r>
+            <a:r>
+              <a:rPr lang="en-US" altLang="zh-CN" sz="3200" b="1" dirty="0" err="1"/>
+              <a:t>i</a:t>
+            </a:r>
+            <a:r>
+              <a:rPr lang="en-US" altLang="zh-CN" sz="3200" b="1" dirty="0"/>
+              <a:t>) makes the regex case insensitive.</a:t>
+            </a:r>
+          </a:p>
+          <a:p>
+            <a:pPr lvl="1">
+              <a:buFont typeface="Wingdings" panose="05000000000000000000" pitchFamily="2" charset="2"/>
+              <a:buChar char="n"/>
+            </a:pPr>
+            <a:r>
+              <a:rPr lang="en-US" altLang="zh-CN" sz="3200" b="1" dirty="0"/>
+              <a:t>(?s) for "single line mode" makes the dot match all characters, including line breaks.</a:t>
+            </a:r>
+          </a:p>
+          <a:p>
+            <a:pPr lvl="1">
+              <a:buFont typeface="Wingdings" panose="05000000000000000000" pitchFamily="2" charset="2"/>
+              <a:buChar char="n"/>
+            </a:pPr>
+            <a:r>
+              <a:rPr lang="en-US" altLang="zh-CN" sz="3200" b="1" dirty="0"/>
+              <a:t>(?m) for "multi-line mode" makes the caret and dollar match at the start and end of each line in the subject string</a:t>
+            </a:r>
+            <a:endParaRPr lang="zh-CN" altLang="en-US" sz="3200" b="1" dirty="0"/>
+          </a:p>
+        </p:txBody>
+      </p:sp>
+    </p:spTree>
+    <p:extLst>
+      <p:ext uri="{BB962C8B-B14F-4D97-AF65-F5344CB8AC3E}">
+        <p14:creationId xmlns:p14="http://schemas.microsoft.com/office/powerpoint/2010/main" val="3305377329"/>
+      </p:ext>
+    </p:extLst>
+  </p:cSld>
+  <p:clrMapOvr>
+    <a:masterClrMapping/>
+  </p:clrMapOvr>
+</p:sld>
+</file>
+
+<file path=ppt/slides/slide43.xml><?xml version="1.0" encoding="utf-8"?>
+<p:sld xmlns:a="http://schemas.openxmlformats.org/drawingml/2006/main" xmlns:r="http://schemas.openxmlformats.org/officeDocument/2006/relationships" xmlns:p="http://schemas.openxmlformats.org/presentationml/2006/main">
+  <p:cSld>
+    <p:spTree>
+      <p:nvGrpSpPr>
+        <p:cNvPr id="1" name=""/>
+        <p:cNvGrpSpPr/>
+        <p:nvPr/>
+      </p:nvGrpSpPr>
+      <p:grpSpPr>
+        <a:xfrm>
+          <a:off x="0" y="0"/>
+          <a:ext cx="0" cy="0"/>
+          <a:chOff x="0" y="0"/>
+          <a:chExt cx="0" cy="0"/>
+        </a:xfrm>
+      </p:grpSpPr>
+      <p:sp>
+        <p:nvSpPr>
+          <p:cNvPr id="2" name="标题 1">
+            <a:extLst>
+              <a:ext uri="{FF2B5EF4-FFF2-40B4-BE49-F238E27FC236}">
+                <a16:creationId xmlns:a16="http://schemas.microsoft.com/office/drawing/2014/main" id="{4020DDCE-054A-4D12-9C97-1ACCF75E75A9}"/>
+              </a:ext>
+            </a:extLst>
+          </p:cNvPr>
+          <p:cNvSpPr>
+            <a:spLocks noGrp="1"/>
+          </p:cNvSpPr>
+          <p:nvPr>
+            <p:ph type="title"/>
+          </p:nvPr>
+        </p:nvSpPr>
+        <p:spPr/>
+        <p:txBody>
+          <a:bodyPr/>
+          <a:lstStyle/>
+          <a:p>
+            <a:r>
+              <a:rPr lang="en-US" altLang="zh-CN" dirty="0"/>
+              <a:t>Capturing Group</a:t>
+            </a:r>
+            <a:endParaRPr lang="zh-CN" altLang="en-US" dirty="0"/>
+          </a:p>
+        </p:txBody>
+      </p:sp>
+      <p:sp>
+        <p:nvSpPr>
+          <p:cNvPr id="3" name="内容占位符 2">
+            <a:extLst>
+              <a:ext uri="{FF2B5EF4-FFF2-40B4-BE49-F238E27FC236}">
+                <a16:creationId xmlns:a16="http://schemas.microsoft.com/office/drawing/2014/main" id="{3D4D5129-D806-4F9E-8F14-D68255E3A501}"/>
+              </a:ext>
+            </a:extLst>
+          </p:cNvPr>
+          <p:cNvSpPr>
+            <a:spLocks noGrp="1"/>
+          </p:cNvSpPr>
+          <p:nvPr>
+            <p:ph idx="1"/>
+          </p:nvPr>
+        </p:nvSpPr>
+        <p:spPr/>
+        <p:txBody>
+          <a:bodyPr>
+            <a:normAutofit/>
+          </a:bodyPr>
+          <a:lstStyle/>
+          <a:p>
+            <a:r>
+              <a:rPr lang="en-US" altLang="zh-CN" sz="3200" dirty="0"/>
+              <a:t>You can group parts of your regular expression with round brackets, e.g., (). </a:t>
+            </a:r>
+          </a:p>
+          <a:p>
+            <a:r>
+              <a:rPr lang="en-US" altLang="zh-CN" sz="3200" dirty="0"/>
+              <a:t>these groups create a back reference to the part of the regular expression.</a:t>
+            </a:r>
+          </a:p>
+          <a:p>
+            <a:r>
+              <a:rPr lang="en-US" altLang="zh-CN" sz="3200" dirty="0"/>
+              <a:t> A back reference stores the part of the String which matched the group. This allows you to use this part in the replacement.</a:t>
+            </a:r>
+            <a:endParaRPr lang="zh-CN" altLang="en-US" sz="3200" dirty="0"/>
+          </a:p>
+        </p:txBody>
+      </p:sp>
+    </p:spTree>
+    <p:extLst>
+      <p:ext uri="{BB962C8B-B14F-4D97-AF65-F5344CB8AC3E}">
+        <p14:creationId xmlns:p14="http://schemas.microsoft.com/office/powerpoint/2010/main" val="4237862155"/>
+      </p:ext>
+    </p:extLst>
+  </p:cSld>
+  <p:clrMapOvr>
+    <a:masterClrMapping/>
+  </p:clrMapOvr>
+</p:sld>
+</file>
+
+<file path=ppt/slides/slide44.xml><?xml version="1.0" encoding="utf-8"?>
+<p:sld xmlns:a="http://schemas.openxmlformats.org/drawingml/2006/main" xmlns:r="http://schemas.openxmlformats.org/officeDocument/2006/relationships" xmlns:p="http://schemas.openxmlformats.org/presentationml/2006/main">
+  <p:cSld>
+    <p:bg>
+      <p:bgPr>
+        <a:noFill/>
+        <a:effectLst/>
+      </p:bgPr>
+    </p:bg>
+    <p:spTree>
+      <p:nvGrpSpPr>
+        <p:cNvPr id="1" name=""/>
+        <p:cNvGrpSpPr/>
+        <p:nvPr/>
+      </p:nvGrpSpPr>
+      <p:grpSpPr>
+        <a:xfrm>
+          <a:off x="0" y="0"/>
+          <a:ext cx="0" cy="0"/>
+          <a:chOff x="0" y="0"/>
+          <a:chExt cx="0" cy="0"/>
+        </a:xfrm>
+      </p:grpSpPr>
+      <p:sp>
+        <p:nvSpPr>
+          <p:cNvPr id="2" name="标题 1">
+            <a:extLst>
+              <a:ext uri="{FF2B5EF4-FFF2-40B4-BE49-F238E27FC236}">
+                <a16:creationId xmlns:a16="http://schemas.microsoft.com/office/drawing/2014/main" id="{8989EB70-4A31-46FB-85FF-BD836CA75E75}"/>
+              </a:ext>
+            </a:extLst>
+          </p:cNvPr>
+          <p:cNvSpPr>
+            <a:spLocks noGrp="1"/>
+          </p:cNvSpPr>
+          <p:nvPr>
+            <p:ph type="title"/>
+          </p:nvPr>
+        </p:nvSpPr>
+        <p:spPr>
+          <a:xfrm>
+            <a:off x="838200" y="0"/>
+            <a:ext cx="10515600" cy="1325563"/>
+          </a:xfrm>
+        </p:spPr>
+        <p:txBody>
+          <a:bodyPr/>
+          <a:lstStyle/>
+          <a:p>
+            <a:r>
+              <a:rPr lang="en-US" altLang="zh-CN" dirty="0"/>
+              <a:t>regular expressions with String methods</a:t>
+            </a:r>
+            <a:endParaRPr lang="zh-CN" altLang="en-US" dirty="0"/>
+          </a:p>
+        </p:txBody>
+      </p:sp>
+      <p:graphicFrame>
+        <p:nvGraphicFramePr>
+          <p:cNvPr id="4" name="内容占位符 3">
+            <a:extLst>
+              <a:ext uri="{FF2B5EF4-FFF2-40B4-BE49-F238E27FC236}">
+                <a16:creationId xmlns:a16="http://schemas.microsoft.com/office/drawing/2014/main" id="{FF567667-AF1E-4C98-92D2-CDC5ED42FE81}"/>
+              </a:ext>
+            </a:extLst>
+          </p:cNvPr>
+          <p:cNvGraphicFramePr>
+            <a:graphicFrameLocks noGrp="1"/>
+          </p:cNvGraphicFramePr>
+          <p:nvPr>
+            <p:ph idx="1"/>
+            <p:extLst>
+              <p:ext uri="{D42A27DB-BD31-4B8C-83A1-F6EECF244321}">
+                <p14:modId xmlns:p14="http://schemas.microsoft.com/office/powerpoint/2010/main" val="2629441177"/>
+              </p:ext>
+            </p:extLst>
+          </p:nvPr>
+        </p:nvGraphicFramePr>
+        <p:xfrm>
+          <a:off x="838200" y="1325563"/>
+          <a:ext cx="10737996" cy="4724400"/>
+        </p:xfrm>
+        <a:graphic>
+          <a:graphicData uri="http://schemas.openxmlformats.org/drawingml/2006/table">
+            <a:tbl>
+              <a:tblPr>
+                <a:tableStyleId>{5940675A-B579-460E-94D1-54222C63F5DA}</a:tableStyleId>
+              </a:tblPr>
+              <a:tblGrid>
+                <a:gridCol w="3834468">
+                  <a:extLst>
+                    <a:ext uri="{9D8B030D-6E8A-4147-A177-3AD203B41FA5}">
+                      <a16:colId xmlns:a16="http://schemas.microsoft.com/office/drawing/2014/main" val="2560491333"/>
+                    </a:ext>
+                  </a:extLst>
+                </a:gridCol>
+                <a:gridCol w="6903528">
+                  <a:extLst>
+                    <a:ext uri="{9D8B030D-6E8A-4147-A177-3AD203B41FA5}">
+                      <a16:colId xmlns:a16="http://schemas.microsoft.com/office/drawing/2014/main" val="3697898052"/>
+                    </a:ext>
+                  </a:extLst>
+                </a:gridCol>
+              </a:tblGrid>
+              <a:tr h="0">
+                <a:tc>
+                  <a:txBody>
+                    <a:bodyPr/>
+                    <a:lstStyle/>
+                    <a:p>
+                      <a:pPr algn="l" rtl="0" fontAlgn="t"/>
+                      <a:r>
+                        <a:rPr lang="en-US" sz="2800" b="1" dirty="0">
+                          <a:effectLst/>
+                        </a:rPr>
+                        <a:t>Method</a:t>
+                      </a:r>
+                    </a:p>
+                  </a:txBody>
+                  <a:tcPr/>
+                </a:tc>
+                <a:tc>
+                  <a:txBody>
+                    <a:bodyPr/>
+                    <a:lstStyle/>
+                    <a:p>
+                      <a:pPr algn="l" rtl="0" fontAlgn="t"/>
+                      <a:r>
+                        <a:rPr lang="en-US" sz="2800" b="1">
+                          <a:effectLst/>
+                        </a:rPr>
+                        <a:t>Description</a:t>
+                      </a:r>
+                    </a:p>
+                  </a:txBody>
+                  <a:tcPr/>
+                </a:tc>
+                <a:extLst>
+                  <a:ext uri="{0D108BD9-81ED-4DB2-BD59-A6C34878D82A}">
+                    <a16:rowId xmlns:a16="http://schemas.microsoft.com/office/drawing/2014/main" val="1520293287"/>
+                  </a:ext>
+                </a:extLst>
+              </a:tr>
+              <a:tr h="0">
+                <a:tc>
+                  <a:txBody>
+                    <a:bodyPr/>
+                    <a:lstStyle/>
+                    <a:p>
+                      <a:pPr algn="l" rtl="0" fontAlgn="t"/>
+                      <a:r>
+                        <a:rPr lang="en-US" sz="2800" b="0">
+                          <a:effectLst/>
+                        </a:rPr>
+                        <a:t>s.matches("regex")</a:t>
+                      </a:r>
+                      <a:endParaRPr lang="en-US" sz="2800" b="0" i="0">
+                        <a:effectLst/>
+                        <a:latin typeface="inherit"/>
+                      </a:endParaRPr>
+                    </a:p>
+                  </a:txBody>
+                  <a:tcPr/>
+                </a:tc>
+                <a:tc>
+                  <a:txBody>
+                    <a:bodyPr/>
+                    <a:lstStyle/>
+                    <a:p>
+                      <a:pPr algn="l" rtl="0" fontAlgn="t"/>
+                      <a:r>
+                        <a:rPr lang="en-US" sz="2800" b="0" dirty="0">
+                          <a:effectLst/>
+                        </a:rPr>
+                        <a:t>Evaluates if "regex" matches s. Returns only true if the WHOLE string can be matched.</a:t>
+                      </a:r>
+                      <a:endParaRPr lang="en-US" sz="2800" b="0" i="0" dirty="0">
+                        <a:effectLst/>
+                        <a:latin typeface="inherit"/>
+                      </a:endParaRPr>
+                    </a:p>
+                  </a:txBody>
+                  <a:tcPr/>
+                </a:tc>
+                <a:extLst>
+                  <a:ext uri="{0D108BD9-81ED-4DB2-BD59-A6C34878D82A}">
+                    <a16:rowId xmlns:a16="http://schemas.microsoft.com/office/drawing/2014/main" val="3007634856"/>
+                  </a:ext>
+                </a:extLst>
+              </a:tr>
+              <a:tr h="0">
+                <a:tc>
+                  <a:txBody>
+                    <a:bodyPr/>
+                    <a:lstStyle/>
+                    <a:p>
+                      <a:pPr algn="l" rtl="0" fontAlgn="t"/>
+                      <a:r>
+                        <a:rPr lang="en-US" sz="2800" b="0">
+                          <a:effectLst/>
+                        </a:rPr>
+                        <a:t>s.split("regex")</a:t>
+                      </a:r>
+                      <a:endParaRPr lang="en-US" sz="2800" b="0" i="0">
+                        <a:effectLst/>
+                        <a:latin typeface="inherit"/>
+                      </a:endParaRPr>
+                    </a:p>
+                  </a:txBody>
+                  <a:tcPr/>
+                </a:tc>
+                <a:tc>
+                  <a:txBody>
+                    <a:bodyPr/>
+                    <a:lstStyle/>
+                    <a:p>
+                      <a:pPr algn="l" rtl="0" fontAlgn="t"/>
+                      <a:r>
+                        <a:rPr lang="en-US" sz="2800" b="0" dirty="0">
+                          <a:effectLst/>
+                        </a:rPr>
+                        <a:t>Creates an array with substrings of s divided at occurrence of "regex". "regex" is not included in the result.</a:t>
+                      </a:r>
+                      <a:endParaRPr lang="en-US" sz="2800" b="0" i="0" dirty="0">
+                        <a:effectLst/>
+                        <a:latin typeface="inherit"/>
+                      </a:endParaRPr>
+                    </a:p>
+                  </a:txBody>
+                  <a:tcPr/>
+                </a:tc>
+                <a:extLst>
+                  <a:ext uri="{0D108BD9-81ED-4DB2-BD59-A6C34878D82A}">
+                    <a16:rowId xmlns:a16="http://schemas.microsoft.com/office/drawing/2014/main" val="4125958807"/>
+                  </a:ext>
+                </a:extLst>
+              </a:tr>
+              <a:tr h="0">
+                <a:tc>
+                  <a:txBody>
+                    <a:bodyPr/>
+                    <a:lstStyle/>
+                    <a:p>
+                      <a:pPr algn="l" rtl="0" fontAlgn="t"/>
+                      <a:r>
+                        <a:rPr lang="en-US" sz="2800" b="0" dirty="0" err="1">
+                          <a:effectLst/>
+                        </a:rPr>
+                        <a:t>s.replaceFirst</a:t>
+                      </a:r>
+                      <a:r>
+                        <a:rPr lang="en-US" sz="2800" b="0" dirty="0">
+                          <a:effectLst/>
+                        </a:rPr>
+                        <a:t>("regex", "replacement"</a:t>
+                      </a:r>
+                      <a:r>
+                        <a:rPr lang="en-US" altLang="zh-CN" sz="2800" b="0" dirty="0">
+                          <a:effectLst/>
+                        </a:rPr>
+                        <a:t>)</a:t>
+                      </a:r>
+                      <a:endParaRPr lang="en-US" sz="2800" b="0" i="0" dirty="0">
+                        <a:effectLst/>
+                        <a:latin typeface="inherit"/>
+                      </a:endParaRPr>
+                    </a:p>
+                  </a:txBody>
+                  <a:tcPr/>
+                </a:tc>
+                <a:tc>
+                  <a:txBody>
+                    <a:bodyPr/>
+                    <a:lstStyle/>
+                    <a:p>
+                      <a:pPr algn="l" rtl="0" fontAlgn="t"/>
+                      <a:r>
+                        <a:rPr lang="en-US" sz="2800" b="0" dirty="0">
+                          <a:effectLst/>
+                        </a:rPr>
+                        <a:t>Replaces first </a:t>
+                      </a:r>
+                      <a:r>
+                        <a:rPr lang="en-US" sz="2800" b="0" dirty="0" err="1">
+                          <a:effectLst/>
+                        </a:rPr>
+                        <a:t>occurance</a:t>
+                      </a:r>
+                      <a:r>
+                        <a:rPr lang="en-US" sz="2800" b="0" dirty="0">
+                          <a:effectLst/>
+                        </a:rPr>
+                        <a:t> of "regex" with "replacement.</a:t>
+                      </a:r>
+                      <a:endParaRPr lang="en-US" sz="2800" b="0" i="0" dirty="0">
+                        <a:effectLst/>
+                        <a:latin typeface="inherit"/>
+                      </a:endParaRPr>
+                    </a:p>
+                  </a:txBody>
+                  <a:tcPr/>
+                </a:tc>
+                <a:extLst>
+                  <a:ext uri="{0D108BD9-81ED-4DB2-BD59-A6C34878D82A}">
+                    <a16:rowId xmlns:a16="http://schemas.microsoft.com/office/drawing/2014/main" val="4018445348"/>
+                  </a:ext>
+                </a:extLst>
+              </a:tr>
+              <a:tr h="0">
+                <a:tc>
+                  <a:txBody>
+                    <a:bodyPr/>
+                    <a:lstStyle/>
+                    <a:p>
+                      <a:pPr algn="l" rtl="0" fontAlgn="t"/>
+                      <a:r>
+                        <a:rPr lang="en-US" sz="2800" b="0" dirty="0" err="1">
+                          <a:effectLst/>
+                        </a:rPr>
+                        <a:t>s.replaceAll</a:t>
+                      </a:r>
+                      <a:r>
+                        <a:rPr lang="en-US" sz="2800" b="0" dirty="0">
+                          <a:effectLst/>
+                        </a:rPr>
+                        <a:t>("regex", "replacement"</a:t>
+                      </a:r>
+                      <a:r>
+                        <a:rPr lang="en-US" altLang="zh-CN" sz="2800" b="0" dirty="0">
+                          <a:effectLst/>
+                        </a:rPr>
+                        <a:t>)</a:t>
+                      </a:r>
+                      <a:endParaRPr lang="en-US" sz="2800" b="0" i="0" dirty="0">
+                        <a:effectLst/>
+                        <a:latin typeface="inherit"/>
+                      </a:endParaRPr>
+                    </a:p>
+                  </a:txBody>
+                  <a:tcPr/>
+                </a:tc>
+                <a:tc>
+                  <a:txBody>
+                    <a:bodyPr/>
+                    <a:lstStyle/>
+                    <a:p>
+                      <a:pPr algn="l" rtl="0" fontAlgn="t"/>
+                      <a:r>
+                        <a:rPr lang="en-US" sz="2800" b="0" dirty="0">
+                          <a:effectLst/>
+                        </a:rPr>
+                        <a:t>Replaces all </a:t>
+                      </a:r>
+                      <a:r>
+                        <a:rPr lang="en-US" sz="2800" b="0" dirty="0" err="1">
+                          <a:effectLst/>
+                        </a:rPr>
+                        <a:t>occurances</a:t>
+                      </a:r>
+                      <a:r>
+                        <a:rPr lang="en-US" sz="2800" b="0" dirty="0">
+                          <a:effectLst/>
+                        </a:rPr>
+                        <a:t> of "regex" with "replacement.</a:t>
+                      </a:r>
+                      <a:endParaRPr lang="en-US" sz="2800" b="0" i="0" dirty="0">
+                        <a:effectLst/>
+                        <a:latin typeface="inherit"/>
+                      </a:endParaRPr>
+                    </a:p>
+                  </a:txBody>
+                  <a:tcPr/>
+                </a:tc>
+                <a:extLst>
+                  <a:ext uri="{0D108BD9-81ED-4DB2-BD59-A6C34878D82A}">
+                    <a16:rowId xmlns:a16="http://schemas.microsoft.com/office/drawing/2014/main" val="771746510"/>
+                  </a:ext>
+                </a:extLst>
+              </a:tr>
+            </a:tbl>
+          </a:graphicData>
+        </a:graphic>
+      </p:graphicFrame>
+    </p:spTree>
+    <p:extLst>
+      <p:ext uri="{BB962C8B-B14F-4D97-AF65-F5344CB8AC3E}">
+        <p14:creationId xmlns:p14="http://schemas.microsoft.com/office/powerpoint/2010/main" val="2440395246"/>
+      </p:ext>
+    </p:extLst>
+  </p:cSld>
+  <p:clrMapOvr>
+    <a:masterClrMapping/>
+  </p:clrMapOvr>
+</p:sld>
+</file>
+
+<file path=ppt/slides/slide45.xml><?xml version="1.0" encoding="utf-8"?>
+<p:sld xmlns:a="http://schemas.openxmlformats.org/drawingml/2006/main" xmlns:r="http://schemas.openxmlformats.org/officeDocument/2006/relationships" xmlns:p="http://schemas.openxmlformats.org/presentationml/2006/main">
+  <p:cSld>
+    <p:spTree>
+      <p:nvGrpSpPr>
+        <p:cNvPr id="1" name=""/>
+        <p:cNvGrpSpPr/>
+        <p:nvPr/>
+      </p:nvGrpSpPr>
+      <p:grpSpPr>
+        <a:xfrm>
+          <a:off x="0" y="0"/>
+          <a:ext cx="0" cy="0"/>
+          <a:chOff x="0" y="0"/>
+          <a:chExt cx="0" cy="0"/>
+        </a:xfrm>
+      </p:grpSpPr>
+      <p:sp>
+        <p:nvSpPr>
+          <p:cNvPr id="2" name="标题 1">
+            <a:extLst>
+              <a:ext uri="{FF2B5EF4-FFF2-40B4-BE49-F238E27FC236}">
+                <a16:creationId xmlns:a16="http://schemas.microsoft.com/office/drawing/2014/main" id="{5FF52CCF-9D66-41A1-B313-EC5E5771F7CE}"/>
+              </a:ext>
+            </a:extLst>
+          </p:cNvPr>
+          <p:cNvSpPr>
+            <a:spLocks noGrp="1"/>
+          </p:cNvSpPr>
+          <p:nvPr>
+            <p:ph type="title"/>
+          </p:nvPr>
+        </p:nvSpPr>
+        <p:spPr/>
+        <p:txBody>
+          <a:bodyPr/>
+          <a:lstStyle/>
+          <a:p>
+            <a:endParaRPr lang="zh-CN" altLang="en-US"/>
+          </a:p>
+        </p:txBody>
+      </p:sp>
+      <p:sp>
+        <p:nvSpPr>
+          <p:cNvPr id="3" name="内容占位符 2">
+            <a:extLst>
+              <a:ext uri="{FF2B5EF4-FFF2-40B4-BE49-F238E27FC236}">
+                <a16:creationId xmlns:a16="http://schemas.microsoft.com/office/drawing/2014/main" id="{08014AA1-0FBF-48DB-A6E7-EB539CFA3B71}"/>
+              </a:ext>
+            </a:extLst>
+          </p:cNvPr>
+          <p:cNvSpPr>
+            <a:spLocks noGrp="1"/>
+          </p:cNvSpPr>
+          <p:nvPr>
+            <p:ph idx="1"/>
+          </p:nvPr>
+        </p:nvSpPr>
+        <p:spPr/>
+        <p:txBody>
+          <a:bodyPr/>
+          <a:lstStyle/>
+          <a:p>
+            <a:endParaRPr lang="zh-CN" altLang="en-US"/>
+          </a:p>
+        </p:txBody>
+      </p:sp>
+      <p:sp>
+        <p:nvSpPr>
+          <p:cNvPr id="6" name="Rectangle 1">
+            <a:extLst>
+              <a:ext uri="{FF2B5EF4-FFF2-40B4-BE49-F238E27FC236}">
+                <a16:creationId xmlns:a16="http://schemas.microsoft.com/office/drawing/2014/main" id="{0CDAED54-ED97-468D-9394-1A2906B13B8D}"/>
+              </a:ext>
+            </a:extLst>
+          </p:cNvPr>
+          <p:cNvSpPr>
+            <a:spLocks noChangeArrowheads="1"/>
+          </p:cNvSpPr>
+          <p:nvPr/>
+        </p:nvSpPr>
+        <p:spPr bwMode="auto">
+          <a:xfrm>
+            <a:off x="1400960" y="893207"/>
+            <a:ext cx="8380603" cy="4524315"/>
+          </a:xfrm>
+          <a:prstGeom prst="rect">
+            <a:avLst/>
+          </a:prstGeom>
+          <a:solidFill>
+            <a:srgbClr val="FFFFFF"/>
+          </a:solidFill>
+          <a:ln>
+            <a:noFill/>
+          </a:ln>
+          <a:effectLst/>
+          <a:extLst>
+            <a:ext uri="{91240B29-F687-4F45-9708-019B960494DF}">
+              <a14:hiddenLine xmlns:a14="http://schemas.microsoft.com/office/drawing/2010/main" w="9525">
+                <a:solidFill>
+                  <a:schemeClr val="tx1"/>
+                </a:solidFill>
+                <a:miter lim="800000"/>
+                <a:headEnd/>
+                <a:tailEnd/>
+              </a14:hiddenLine>
+            </a:ext>
+            <a:ext uri="{AF507438-7753-43E0-B8FC-AC1667EBCBE1}">
+              <a14:hiddenEffects xmlns:a14="http://schemas.microsoft.com/office/drawing/2010/main">
+                <a:effectLst>
+                  <a:outerShdw dist="35921" dir="2700000" algn="ctr" rotWithShape="0">
+                    <a:schemeClr val="bg2"/>
+                  </a:outerShdw>
+                </a:effectLst>
+              </a14:hiddenEffects>
+            </a:ext>
+          </a:extLst>
+        </p:spPr>
+        <p:txBody>
+          <a:bodyPr vert="horz" wrap="square" lIns="91440" tIns="45720" rIns="91440" bIns="45720" numCol="1" anchor="ctr" anchorCtr="0" compatLnSpc="1">
+            <a:prstTxWarp prst="textNoShape">
+              <a:avLst/>
+            </a:prstTxWarp>
+            <a:spAutoFit/>
+          </a:bodyPr>
+          <a:lstStyle/>
+          <a:p>
+            <a:pPr marL="0" marR="0" lvl="0" indent="0" algn="l" defTabSz="914400" rtl="0" eaLnBrk="0" fontAlgn="base" latinLnBrk="0" hangingPunct="0">
+              <a:lnSpc>
+                <a:spcPct val="100000"/>
+              </a:lnSpc>
+              <a:spcBef>
+                <a:spcPct val="0"/>
+              </a:spcBef>
+              <a:spcAft>
+                <a:spcPct val="0"/>
+              </a:spcAft>
+              <a:buClrTx/>
+              <a:buSzTx/>
+              <a:buFontTx/>
+              <a:buNone/>
+              <a:tabLst/>
+            </a:pPr>
+            <a:r>
+              <a:rPr kumimoji="0" lang="zh-CN" altLang="zh-CN" sz="1800" b="1" i="0" u="none" strike="noStrike" cap="none" normalizeH="0" baseline="0">
+                <a:ln>
+                  <a:noFill/>
+                </a:ln>
+                <a:solidFill>
+                  <a:srgbClr val="000080"/>
+                </a:solidFill>
+                <a:effectLst/>
+                <a:latin typeface="Consolas" panose="020B0609020204030204" pitchFamily="49" charset="0"/>
+              </a:rPr>
+              <a:t>public static final </a:t>
+            </a:r>
+            <a:r>
+              <a:rPr kumimoji="0" lang="zh-CN" altLang="zh-CN" sz="1800" b="0" i="0" u="none" strike="noStrike" cap="none" normalizeH="0" baseline="0">
+                <a:ln>
+                  <a:noFill/>
+                </a:ln>
+                <a:solidFill>
+                  <a:srgbClr val="000000"/>
+                </a:solidFill>
+                <a:effectLst/>
+                <a:latin typeface="Consolas" panose="020B0609020204030204" pitchFamily="49" charset="0"/>
+              </a:rPr>
+              <a:t>String </a:t>
+            </a:r>
+            <a:r>
+              <a:rPr kumimoji="0" lang="zh-CN" altLang="zh-CN" sz="1800" b="1" i="1" u="none" strike="noStrike" cap="none" normalizeH="0" baseline="0">
+                <a:ln>
+                  <a:noFill/>
+                </a:ln>
+                <a:solidFill>
+                  <a:srgbClr val="660E7A"/>
+                </a:solidFill>
+                <a:effectLst/>
+                <a:latin typeface="Consolas" panose="020B0609020204030204" pitchFamily="49" charset="0"/>
+              </a:rPr>
+              <a:t>EXAMPLE_TEST</a:t>
+            </a:r>
+            <a:br>
+              <a:rPr kumimoji="0" lang="zh-CN" altLang="zh-CN" sz="1800" b="1" i="1" u="none" strike="noStrike" cap="none" normalizeH="0" baseline="0">
+                <a:ln>
+                  <a:noFill/>
+                </a:ln>
+                <a:solidFill>
+                  <a:srgbClr val="660E7A"/>
+                </a:solidFill>
+                <a:effectLst/>
+                <a:latin typeface="Consolas" panose="020B0609020204030204" pitchFamily="49" charset="0"/>
+              </a:rPr>
+            </a:br>
+            <a:r>
+              <a:rPr kumimoji="0" lang="zh-CN" altLang="zh-CN" sz="1800" b="1" i="1" u="none" strike="noStrike" cap="none" normalizeH="0" baseline="0">
+                <a:ln>
+                  <a:noFill/>
+                </a:ln>
+                <a:solidFill>
+                  <a:srgbClr val="660E7A"/>
+                </a:solidFill>
+                <a:effectLst/>
+                <a:latin typeface="Consolas" panose="020B0609020204030204" pitchFamily="49" charset="0"/>
+              </a:rPr>
+              <a:t>        </a:t>
+            </a:r>
+            <a:r>
+              <a:rPr kumimoji="0" lang="zh-CN" altLang="zh-CN" sz="1800" b="0" i="0" u="none" strike="noStrike" cap="none" normalizeH="0" baseline="0">
+                <a:ln>
+                  <a:noFill/>
+                </a:ln>
+                <a:solidFill>
+                  <a:srgbClr val="000000"/>
+                </a:solidFill>
+                <a:effectLst/>
+                <a:latin typeface="Consolas" panose="020B0609020204030204" pitchFamily="49" charset="0"/>
+              </a:rPr>
+              <a:t>= </a:t>
+            </a:r>
+            <a:r>
+              <a:rPr kumimoji="0" lang="zh-CN" altLang="zh-CN" sz="1800" b="1" i="0" u="none" strike="noStrike" cap="none" normalizeH="0" baseline="0">
+                <a:ln>
+                  <a:noFill/>
+                </a:ln>
+                <a:solidFill>
+                  <a:srgbClr val="008000"/>
+                </a:solidFill>
+                <a:effectLst/>
+                <a:latin typeface="Consolas" panose="020B0609020204030204" pitchFamily="49" charset="0"/>
+              </a:rPr>
+              <a:t>"This is my small example "</a:t>
+            </a:r>
+            <a:br>
+              <a:rPr kumimoji="0" lang="zh-CN" altLang="zh-CN" sz="1800" b="1" i="0" u="none" strike="noStrike" cap="none" normalizeH="0" baseline="0">
+                <a:ln>
+                  <a:noFill/>
+                </a:ln>
+                <a:solidFill>
+                  <a:srgbClr val="008000"/>
+                </a:solidFill>
+                <a:effectLst/>
+                <a:latin typeface="Consolas" panose="020B0609020204030204" pitchFamily="49" charset="0"/>
+              </a:rPr>
+            </a:br>
+            <a:r>
+              <a:rPr kumimoji="0" lang="zh-CN" altLang="zh-CN" sz="1800" b="1" i="0" u="none" strike="noStrike" cap="none" normalizeH="0" baseline="0">
+                <a:ln>
+                  <a:noFill/>
+                </a:ln>
+                <a:solidFill>
+                  <a:srgbClr val="008000"/>
+                </a:solidFill>
+                <a:effectLst/>
+                <a:latin typeface="Consolas" panose="020B0609020204030204" pitchFamily="49" charset="0"/>
+              </a:rPr>
+              <a:t>          </a:t>
+            </a:r>
+            <a:r>
+              <a:rPr kumimoji="0" lang="zh-CN" altLang="zh-CN" sz="1800" b="0" i="0" u="none" strike="noStrike" cap="none" normalizeH="0" baseline="0">
+                <a:ln>
+                  <a:noFill/>
+                </a:ln>
+                <a:solidFill>
+                  <a:srgbClr val="000000"/>
+                </a:solidFill>
+                <a:effectLst/>
+                <a:latin typeface="Consolas" panose="020B0609020204030204" pitchFamily="49" charset="0"/>
+              </a:rPr>
+              <a:t>+ </a:t>
+            </a:r>
+            <a:r>
+              <a:rPr kumimoji="0" lang="zh-CN" altLang="zh-CN" sz="1800" b="1" i="0" u="none" strike="noStrike" cap="none" normalizeH="0" baseline="0">
+                <a:ln>
+                  <a:noFill/>
+                </a:ln>
+                <a:solidFill>
+                  <a:srgbClr val="008000"/>
+                </a:solidFill>
+                <a:effectLst/>
+                <a:latin typeface="Consolas" panose="020B0609020204030204" pitchFamily="49" charset="0"/>
+              </a:rPr>
+              <a:t>"string which I'm going to "</a:t>
+            </a:r>
+            <a:br>
+              <a:rPr kumimoji="0" lang="zh-CN" altLang="zh-CN" sz="1800" b="1" i="0" u="none" strike="noStrike" cap="none" normalizeH="0" baseline="0">
+                <a:ln>
+                  <a:noFill/>
+                </a:ln>
+                <a:solidFill>
+                  <a:srgbClr val="008000"/>
+                </a:solidFill>
+                <a:effectLst/>
+                <a:latin typeface="Consolas" panose="020B0609020204030204" pitchFamily="49" charset="0"/>
+              </a:rPr>
+            </a:br>
+            <a:r>
+              <a:rPr kumimoji="0" lang="zh-CN" altLang="zh-CN" sz="1800" b="1" i="0" u="none" strike="noStrike" cap="none" normalizeH="0" baseline="0">
+                <a:ln>
+                  <a:noFill/>
+                </a:ln>
+                <a:solidFill>
+                  <a:srgbClr val="008000"/>
+                </a:solidFill>
+                <a:effectLst/>
+                <a:latin typeface="Consolas" panose="020B0609020204030204" pitchFamily="49" charset="0"/>
+              </a:rPr>
+              <a:t>          </a:t>
+            </a:r>
+            <a:r>
+              <a:rPr kumimoji="0" lang="zh-CN" altLang="zh-CN" sz="1800" b="0" i="0" u="none" strike="noStrike" cap="none" normalizeH="0" baseline="0">
+                <a:ln>
+                  <a:noFill/>
+                </a:ln>
+                <a:solidFill>
+                  <a:srgbClr val="000000"/>
+                </a:solidFill>
+                <a:effectLst/>
+                <a:latin typeface="Consolas" panose="020B0609020204030204" pitchFamily="49" charset="0"/>
+              </a:rPr>
+              <a:t>+ </a:t>
+            </a:r>
+            <a:r>
+              <a:rPr kumimoji="0" lang="zh-CN" altLang="zh-CN" sz="1800" b="1" i="0" u="none" strike="noStrike" cap="none" normalizeH="0" baseline="0">
+                <a:ln>
+                  <a:noFill/>
+                </a:ln>
+                <a:solidFill>
+                  <a:srgbClr val="008000"/>
+                </a:solidFill>
+                <a:effectLst/>
+                <a:latin typeface="Consolas" panose="020B0609020204030204" pitchFamily="49" charset="0"/>
+              </a:rPr>
+              <a:t>"use for pattern matching."</a:t>
+            </a:r>
+            <a:r>
+              <a:rPr kumimoji="0" lang="zh-CN" altLang="zh-CN" sz="1800" b="0" i="0" u="none" strike="noStrike" cap="none" normalizeH="0" baseline="0">
+                <a:ln>
+                  <a:noFill/>
+                </a:ln>
+                <a:solidFill>
+                  <a:srgbClr val="000000"/>
+                </a:solidFill>
+                <a:effectLst/>
+                <a:latin typeface="Consolas" panose="020B0609020204030204" pitchFamily="49" charset="0"/>
+              </a:rPr>
+              <a:t>;</a:t>
+            </a:r>
+            <a:br>
+              <a:rPr kumimoji="0" lang="zh-CN" altLang="zh-CN" sz="1800" b="0" i="0" u="none" strike="noStrike" cap="none" normalizeH="0" baseline="0">
+                <a:ln>
+                  <a:noFill/>
+                </a:ln>
+                <a:solidFill>
+                  <a:srgbClr val="000000"/>
+                </a:solidFill>
+                <a:effectLst/>
+                <a:latin typeface="Consolas" panose="020B0609020204030204" pitchFamily="49" charset="0"/>
+              </a:rPr>
+            </a:br>
+            <a:br>
+              <a:rPr kumimoji="0" lang="zh-CN" altLang="zh-CN" sz="1800" b="0" i="0" u="none" strike="noStrike" cap="none" normalizeH="0" baseline="0">
+                <a:ln>
+                  <a:noFill/>
+                </a:ln>
+                <a:solidFill>
+                  <a:srgbClr val="000000"/>
+                </a:solidFill>
+                <a:effectLst/>
+                <a:latin typeface="Consolas" panose="020B0609020204030204" pitchFamily="49" charset="0"/>
+              </a:rPr>
+            </a:br>
+            <a:r>
+              <a:rPr kumimoji="0" lang="zh-CN" altLang="zh-CN" sz="1800" b="1" i="0" u="none" strike="noStrike" cap="none" normalizeH="0" baseline="0">
+                <a:ln>
+                  <a:noFill/>
+                </a:ln>
+                <a:solidFill>
+                  <a:srgbClr val="000080"/>
+                </a:solidFill>
+                <a:effectLst/>
+                <a:latin typeface="Consolas" panose="020B0609020204030204" pitchFamily="49" charset="0"/>
+              </a:rPr>
+              <a:t>public static void </a:t>
+            </a:r>
+            <a:r>
+              <a:rPr kumimoji="0" lang="zh-CN" altLang="zh-CN" sz="1800" b="0" i="0" u="none" strike="noStrike" cap="none" normalizeH="0" baseline="0">
+                <a:ln>
+                  <a:noFill/>
+                </a:ln>
+                <a:solidFill>
+                  <a:srgbClr val="000000"/>
+                </a:solidFill>
+                <a:effectLst/>
+                <a:latin typeface="Consolas" panose="020B0609020204030204" pitchFamily="49" charset="0"/>
+              </a:rPr>
+              <a:t>main(String[] args) {</a:t>
+            </a:r>
+            <a:br>
+              <a:rPr kumimoji="0" lang="zh-CN" altLang="zh-CN" sz="1800" b="0" i="0" u="none" strike="noStrike" cap="none" normalizeH="0" baseline="0">
+                <a:ln>
+                  <a:noFill/>
+                </a:ln>
+                <a:solidFill>
+                  <a:srgbClr val="000000"/>
+                </a:solidFill>
+                <a:effectLst/>
+                <a:latin typeface="Consolas" panose="020B0609020204030204" pitchFamily="49" charset="0"/>
+              </a:rPr>
+            </a:br>
+            <a:r>
+              <a:rPr kumimoji="0" lang="zh-CN" altLang="zh-CN" sz="1800" b="0" i="0" u="none" strike="noStrike" cap="none" normalizeH="0" baseline="0">
+                <a:ln>
+                  <a:noFill/>
+                </a:ln>
+                <a:solidFill>
+                  <a:srgbClr val="000000"/>
+                </a:solidFill>
+                <a:effectLst/>
+                <a:latin typeface="Consolas" panose="020B0609020204030204" pitchFamily="49" charset="0"/>
+              </a:rPr>
+              <a:t>    System.</a:t>
+            </a:r>
+            <a:r>
+              <a:rPr kumimoji="0" lang="zh-CN" altLang="zh-CN" sz="1800" b="1" i="1" u="none" strike="noStrike" cap="none" normalizeH="0" baseline="0">
+                <a:ln>
+                  <a:noFill/>
+                </a:ln>
+                <a:solidFill>
+                  <a:srgbClr val="660E7A"/>
+                </a:solidFill>
+                <a:effectLst/>
+                <a:latin typeface="Consolas" panose="020B0609020204030204" pitchFamily="49" charset="0"/>
+              </a:rPr>
+              <a:t>out</a:t>
+            </a:r>
+            <a:r>
+              <a:rPr kumimoji="0" lang="zh-CN" altLang="zh-CN" sz="1800" b="0" i="0" u="none" strike="noStrike" cap="none" normalizeH="0" baseline="0">
+                <a:ln>
+                  <a:noFill/>
+                </a:ln>
+                <a:solidFill>
+                  <a:srgbClr val="000000"/>
+                </a:solidFill>
+                <a:effectLst/>
+                <a:latin typeface="Consolas" panose="020B0609020204030204" pitchFamily="49" charset="0"/>
+              </a:rPr>
+              <a:t>.println(</a:t>
+            </a:r>
+            <a:r>
+              <a:rPr kumimoji="0" lang="zh-CN" altLang="zh-CN" sz="1800" b="1" i="1" u="none" strike="noStrike" cap="none" normalizeH="0" baseline="0">
+                <a:ln>
+                  <a:noFill/>
+                </a:ln>
+                <a:solidFill>
+                  <a:srgbClr val="660E7A"/>
+                </a:solidFill>
+                <a:effectLst/>
+                <a:latin typeface="Consolas" panose="020B0609020204030204" pitchFamily="49" charset="0"/>
+              </a:rPr>
+              <a:t>EXAMPLE_TEST</a:t>
+            </a:r>
+            <a:r>
+              <a:rPr kumimoji="0" lang="zh-CN" altLang="zh-CN" sz="1800" b="0" i="0" u="none" strike="noStrike" cap="none" normalizeH="0" baseline="0">
+                <a:ln>
+                  <a:noFill/>
+                </a:ln>
+                <a:solidFill>
+                  <a:srgbClr val="000000"/>
+                </a:solidFill>
+                <a:effectLst/>
+                <a:latin typeface="Consolas" panose="020B0609020204030204" pitchFamily="49" charset="0"/>
+              </a:rPr>
+              <a:t>.matches(</a:t>
+            </a:r>
+            <a:r>
+              <a:rPr kumimoji="0" lang="zh-CN" altLang="zh-CN" sz="1800" b="1" i="0" u="none" strike="noStrike" cap="none" normalizeH="0" baseline="0">
+                <a:ln>
+                  <a:noFill/>
+                </a:ln>
+                <a:solidFill>
+                  <a:srgbClr val="008000"/>
+                </a:solidFill>
+                <a:effectLst/>
+                <a:latin typeface="Consolas" panose="020B0609020204030204" pitchFamily="49" charset="0"/>
+              </a:rPr>
+              <a:t>"</a:t>
+            </a:r>
+            <a:r>
+              <a:rPr kumimoji="0" lang="zh-CN" altLang="zh-CN" sz="1800" b="1" i="0" u="none" strike="noStrike" cap="none" normalizeH="0" baseline="0">
+                <a:ln>
+                  <a:noFill/>
+                </a:ln>
+                <a:solidFill>
+                  <a:srgbClr val="000080"/>
+                </a:solidFill>
+                <a:effectLst/>
+                <a:latin typeface="Consolas" panose="020B0609020204030204" pitchFamily="49" charset="0"/>
+              </a:rPr>
+              <a:t>\\</a:t>
+            </a:r>
+            <a:r>
+              <a:rPr kumimoji="0" lang="zh-CN" altLang="zh-CN" sz="1800" b="1" i="0" u="none" strike="noStrike" cap="none" normalizeH="0" baseline="0">
+                <a:ln>
+                  <a:noFill/>
+                </a:ln>
+                <a:solidFill>
+                  <a:srgbClr val="008000"/>
+                </a:solidFill>
+                <a:effectLst/>
+                <a:latin typeface="Consolas" panose="020B0609020204030204" pitchFamily="49" charset="0"/>
+              </a:rPr>
+              <a:t>w.*"</a:t>
+            </a:r>
+            <a:r>
+              <a:rPr kumimoji="0" lang="zh-CN" altLang="zh-CN" sz="1800" b="0" i="0" u="none" strike="noStrike" cap="none" normalizeH="0" baseline="0">
+                <a:ln>
+                  <a:noFill/>
+                </a:ln>
+                <a:solidFill>
+                  <a:srgbClr val="000000"/>
+                </a:solidFill>
+                <a:effectLst/>
+                <a:latin typeface="Consolas" panose="020B0609020204030204" pitchFamily="49" charset="0"/>
+              </a:rPr>
+              <a:t>));</a:t>
+            </a:r>
+            <a:br>
+              <a:rPr kumimoji="0" lang="zh-CN" altLang="zh-CN" sz="1800" b="0" i="0" u="none" strike="noStrike" cap="none" normalizeH="0" baseline="0">
+                <a:ln>
+                  <a:noFill/>
+                </a:ln>
+                <a:solidFill>
+                  <a:srgbClr val="000000"/>
+                </a:solidFill>
+                <a:effectLst/>
+                <a:latin typeface="Consolas" panose="020B0609020204030204" pitchFamily="49" charset="0"/>
+              </a:rPr>
+            </a:br>
+            <a:r>
+              <a:rPr kumimoji="0" lang="zh-CN" altLang="zh-CN" sz="1800" b="0" i="0" u="none" strike="noStrike" cap="none" normalizeH="0" baseline="0">
+                <a:ln>
+                  <a:noFill/>
+                </a:ln>
+                <a:solidFill>
+                  <a:srgbClr val="000000"/>
+                </a:solidFill>
+                <a:effectLst/>
+                <a:latin typeface="Consolas" panose="020B0609020204030204" pitchFamily="49" charset="0"/>
+              </a:rPr>
+              <a:t>    String[] splitString = (</a:t>
+            </a:r>
+            <a:r>
+              <a:rPr kumimoji="0" lang="zh-CN" altLang="zh-CN" sz="1800" b="1" i="1" u="none" strike="noStrike" cap="none" normalizeH="0" baseline="0">
+                <a:ln>
+                  <a:noFill/>
+                </a:ln>
+                <a:solidFill>
+                  <a:srgbClr val="660E7A"/>
+                </a:solidFill>
+                <a:effectLst/>
+                <a:latin typeface="Consolas" panose="020B0609020204030204" pitchFamily="49" charset="0"/>
+              </a:rPr>
+              <a:t>EXAMPLE_TEST</a:t>
+            </a:r>
+            <a:r>
+              <a:rPr kumimoji="0" lang="zh-CN" altLang="zh-CN" sz="1800" b="0" i="0" u="none" strike="noStrike" cap="none" normalizeH="0" baseline="0">
+                <a:ln>
+                  <a:noFill/>
+                </a:ln>
+                <a:solidFill>
+                  <a:srgbClr val="000000"/>
+                </a:solidFill>
+                <a:effectLst/>
+                <a:latin typeface="Consolas" panose="020B0609020204030204" pitchFamily="49" charset="0"/>
+              </a:rPr>
+              <a:t>.split(</a:t>
+            </a:r>
+            <a:r>
+              <a:rPr kumimoji="0" lang="zh-CN" altLang="zh-CN" sz="1800" b="1" i="0" u="none" strike="noStrike" cap="none" normalizeH="0" baseline="0">
+                <a:ln>
+                  <a:noFill/>
+                </a:ln>
+                <a:solidFill>
+                  <a:srgbClr val="008000"/>
+                </a:solidFill>
+                <a:effectLst/>
+                <a:latin typeface="Consolas" panose="020B0609020204030204" pitchFamily="49" charset="0"/>
+              </a:rPr>
+              <a:t>"</a:t>
+            </a:r>
+            <a:r>
+              <a:rPr kumimoji="0" lang="zh-CN" altLang="zh-CN" sz="1800" b="1" i="0" u="none" strike="noStrike" cap="none" normalizeH="0" baseline="0">
+                <a:ln>
+                  <a:noFill/>
+                </a:ln>
+                <a:solidFill>
+                  <a:srgbClr val="000080"/>
+                </a:solidFill>
+                <a:effectLst/>
+                <a:latin typeface="Consolas" panose="020B0609020204030204" pitchFamily="49" charset="0"/>
+              </a:rPr>
+              <a:t>\\</a:t>
+            </a:r>
+            <a:r>
+              <a:rPr kumimoji="0" lang="zh-CN" altLang="zh-CN" sz="1800" b="1" i="0" u="none" strike="noStrike" cap="none" normalizeH="0" baseline="0">
+                <a:ln>
+                  <a:noFill/>
+                </a:ln>
+                <a:solidFill>
+                  <a:srgbClr val="008000"/>
+                </a:solidFill>
+                <a:effectLst/>
+                <a:latin typeface="Consolas" panose="020B0609020204030204" pitchFamily="49" charset="0"/>
+              </a:rPr>
+              <a:t>s+"</a:t>
+            </a:r>
+            <a:r>
+              <a:rPr kumimoji="0" lang="zh-CN" altLang="zh-CN" sz="1800" b="0" i="0" u="none" strike="noStrike" cap="none" normalizeH="0" baseline="0">
+                <a:ln>
+                  <a:noFill/>
+                </a:ln>
+                <a:solidFill>
+                  <a:srgbClr val="000000"/>
+                </a:solidFill>
+                <a:effectLst/>
+                <a:latin typeface="Consolas" panose="020B0609020204030204" pitchFamily="49" charset="0"/>
+              </a:rPr>
+              <a:t>));</a:t>
+            </a:r>
+            <a:br>
+              <a:rPr kumimoji="0" lang="zh-CN" altLang="zh-CN" sz="1800" b="0" i="0" u="none" strike="noStrike" cap="none" normalizeH="0" baseline="0">
+                <a:ln>
+                  <a:noFill/>
+                </a:ln>
+                <a:solidFill>
+                  <a:srgbClr val="000000"/>
+                </a:solidFill>
+                <a:effectLst/>
+                <a:latin typeface="Consolas" panose="020B0609020204030204" pitchFamily="49" charset="0"/>
+              </a:rPr>
+            </a:br>
+            <a:br>
+              <a:rPr kumimoji="0" lang="zh-CN" altLang="zh-CN" sz="1800" b="0" i="0" u="none" strike="noStrike" cap="none" normalizeH="0" baseline="0">
+                <a:ln>
+                  <a:noFill/>
+                </a:ln>
+                <a:solidFill>
+                  <a:srgbClr val="000000"/>
+                </a:solidFill>
+                <a:effectLst/>
+                <a:latin typeface="Consolas" panose="020B0609020204030204" pitchFamily="49" charset="0"/>
+              </a:rPr>
+            </a:br>
+            <a:r>
+              <a:rPr kumimoji="0" lang="zh-CN" altLang="zh-CN" sz="1800" b="0" i="0" u="none" strike="noStrike" cap="none" normalizeH="0" baseline="0">
+                <a:ln>
+                  <a:noFill/>
+                </a:ln>
+                <a:solidFill>
+                  <a:srgbClr val="000000"/>
+                </a:solidFill>
+                <a:effectLst/>
+                <a:latin typeface="Consolas" panose="020B0609020204030204" pitchFamily="49" charset="0"/>
+              </a:rPr>
+              <a:t>    System.</a:t>
+            </a:r>
+            <a:r>
+              <a:rPr kumimoji="0" lang="zh-CN" altLang="zh-CN" sz="1800" b="1" i="1" u="none" strike="noStrike" cap="none" normalizeH="0" baseline="0">
+                <a:ln>
+                  <a:noFill/>
+                </a:ln>
+                <a:solidFill>
+                  <a:srgbClr val="660E7A"/>
+                </a:solidFill>
+                <a:effectLst/>
+                <a:latin typeface="Consolas" panose="020B0609020204030204" pitchFamily="49" charset="0"/>
+              </a:rPr>
+              <a:t>out</a:t>
+            </a:r>
+            <a:r>
+              <a:rPr kumimoji="0" lang="zh-CN" altLang="zh-CN" sz="1800" b="0" i="0" u="none" strike="noStrike" cap="none" normalizeH="0" baseline="0">
+                <a:ln>
+                  <a:noFill/>
+                </a:ln>
+                <a:solidFill>
+                  <a:srgbClr val="000000"/>
+                </a:solidFill>
+                <a:effectLst/>
+                <a:latin typeface="Consolas" panose="020B0609020204030204" pitchFamily="49" charset="0"/>
+              </a:rPr>
+              <a:t>.println(splitString.</a:t>
+            </a:r>
+            <a:r>
+              <a:rPr kumimoji="0" lang="zh-CN" altLang="zh-CN" sz="1800" b="1" i="0" u="none" strike="noStrike" cap="none" normalizeH="0" baseline="0">
+                <a:ln>
+                  <a:noFill/>
+                </a:ln>
+                <a:solidFill>
+                  <a:srgbClr val="660E7A"/>
+                </a:solidFill>
+                <a:effectLst/>
+                <a:latin typeface="Consolas" panose="020B0609020204030204" pitchFamily="49" charset="0"/>
+              </a:rPr>
+              <a:t>length</a:t>
+            </a:r>
+            <a:r>
+              <a:rPr kumimoji="0" lang="zh-CN" altLang="zh-CN" sz="1800" b="0" i="0" u="none" strike="noStrike" cap="none" normalizeH="0" baseline="0">
+                <a:ln>
+                  <a:noFill/>
+                </a:ln>
+                <a:solidFill>
+                  <a:srgbClr val="000000"/>
+                </a:solidFill>
+                <a:effectLst/>
+                <a:latin typeface="Consolas" panose="020B0609020204030204" pitchFamily="49" charset="0"/>
+              </a:rPr>
+              <a:t>);</a:t>
+            </a:r>
+            <a:r>
+              <a:rPr kumimoji="0" lang="zh-CN" altLang="zh-CN" sz="1800" b="0" i="1" u="none" strike="noStrike" cap="none" normalizeH="0" baseline="0">
+                <a:ln>
+                  <a:noFill/>
+                </a:ln>
+                <a:solidFill>
+                  <a:srgbClr val="808080"/>
+                </a:solidFill>
+                <a:effectLst/>
+                <a:latin typeface="Consolas" panose="020B0609020204030204" pitchFamily="49" charset="0"/>
+              </a:rPr>
+              <a:t>// should be 14</a:t>
+            </a:r>
+            <a:br>
+              <a:rPr kumimoji="0" lang="zh-CN" altLang="zh-CN" sz="1800" b="0" i="1" u="none" strike="noStrike" cap="none" normalizeH="0" baseline="0">
+                <a:ln>
+                  <a:noFill/>
+                </a:ln>
+                <a:solidFill>
+                  <a:srgbClr val="808080"/>
+                </a:solidFill>
+                <a:effectLst/>
+                <a:latin typeface="Consolas" panose="020B0609020204030204" pitchFamily="49" charset="0"/>
+              </a:rPr>
+            </a:br>
+            <a:r>
+              <a:rPr kumimoji="0" lang="zh-CN" altLang="zh-CN" sz="1800" b="0" i="1" u="none" strike="noStrike" cap="none" normalizeH="0" baseline="0">
+                <a:ln>
+                  <a:noFill/>
+                </a:ln>
+                <a:solidFill>
+                  <a:srgbClr val="808080"/>
+                </a:solidFill>
+                <a:effectLst/>
+                <a:latin typeface="Consolas" panose="020B0609020204030204" pitchFamily="49" charset="0"/>
+              </a:rPr>
+              <a:t>    </a:t>
+            </a:r>
+            <a:r>
+              <a:rPr kumimoji="0" lang="zh-CN" altLang="zh-CN" sz="1800" b="1" i="0" u="none" strike="noStrike" cap="none" normalizeH="0" baseline="0">
+                <a:ln>
+                  <a:noFill/>
+                </a:ln>
+                <a:solidFill>
+                  <a:srgbClr val="000080"/>
+                </a:solidFill>
+                <a:effectLst/>
+                <a:latin typeface="Consolas" panose="020B0609020204030204" pitchFamily="49" charset="0"/>
+              </a:rPr>
+              <a:t>for </a:t>
+            </a:r>
+            <a:r>
+              <a:rPr kumimoji="0" lang="zh-CN" altLang="zh-CN" sz="1800" b="0" i="0" u="none" strike="noStrike" cap="none" normalizeH="0" baseline="0">
+                <a:ln>
+                  <a:noFill/>
+                </a:ln>
+                <a:solidFill>
+                  <a:srgbClr val="000000"/>
+                </a:solidFill>
+                <a:effectLst/>
+                <a:latin typeface="Consolas" panose="020B0609020204030204" pitchFamily="49" charset="0"/>
+              </a:rPr>
+              <a:t>(String string : splitString) {</a:t>
+            </a:r>
+            <a:br>
+              <a:rPr kumimoji="0" lang="zh-CN" altLang="zh-CN" sz="1800" b="0" i="0" u="none" strike="noStrike" cap="none" normalizeH="0" baseline="0">
+                <a:ln>
+                  <a:noFill/>
+                </a:ln>
+                <a:solidFill>
+                  <a:srgbClr val="000000"/>
+                </a:solidFill>
+                <a:effectLst/>
+                <a:latin typeface="Consolas" panose="020B0609020204030204" pitchFamily="49" charset="0"/>
+              </a:rPr>
+            </a:br>
+            <a:r>
+              <a:rPr kumimoji="0" lang="zh-CN" altLang="zh-CN" sz="1800" b="0" i="0" u="none" strike="noStrike" cap="none" normalizeH="0" baseline="0">
+                <a:ln>
+                  <a:noFill/>
+                </a:ln>
+                <a:solidFill>
+                  <a:srgbClr val="000000"/>
+                </a:solidFill>
+                <a:effectLst/>
+                <a:latin typeface="Consolas" panose="020B0609020204030204" pitchFamily="49" charset="0"/>
+              </a:rPr>
+              <a:t>        System.</a:t>
+            </a:r>
+            <a:r>
+              <a:rPr kumimoji="0" lang="zh-CN" altLang="zh-CN" sz="1800" b="1" i="1" u="none" strike="noStrike" cap="none" normalizeH="0" baseline="0">
+                <a:ln>
+                  <a:noFill/>
+                </a:ln>
+                <a:solidFill>
+                  <a:srgbClr val="660E7A"/>
+                </a:solidFill>
+                <a:effectLst/>
+                <a:latin typeface="Consolas" panose="020B0609020204030204" pitchFamily="49" charset="0"/>
+              </a:rPr>
+              <a:t>out</a:t>
+            </a:r>
+            <a:r>
+              <a:rPr kumimoji="0" lang="zh-CN" altLang="zh-CN" sz="1800" b="0" i="0" u="none" strike="noStrike" cap="none" normalizeH="0" baseline="0">
+                <a:ln>
+                  <a:noFill/>
+                </a:ln>
+                <a:solidFill>
+                  <a:srgbClr val="000000"/>
+                </a:solidFill>
+                <a:effectLst/>
+                <a:latin typeface="Consolas" panose="020B0609020204030204" pitchFamily="49" charset="0"/>
+              </a:rPr>
+              <a:t>.println(string);</a:t>
+            </a:r>
+            <a:br>
+              <a:rPr kumimoji="0" lang="zh-CN" altLang="zh-CN" sz="1800" b="0" i="0" u="none" strike="noStrike" cap="none" normalizeH="0" baseline="0">
+                <a:ln>
+                  <a:noFill/>
+                </a:ln>
+                <a:solidFill>
+                  <a:srgbClr val="000000"/>
+                </a:solidFill>
+                <a:effectLst/>
+                <a:latin typeface="Consolas" panose="020B0609020204030204" pitchFamily="49" charset="0"/>
+              </a:rPr>
+            </a:br>
+            <a:r>
+              <a:rPr kumimoji="0" lang="zh-CN" altLang="zh-CN" sz="1800" b="0" i="0" u="none" strike="noStrike" cap="none" normalizeH="0" baseline="0">
+                <a:ln>
+                  <a:noFill/>
+                </a:ln>
+                <a:solidFill>
+                  <a:srgbClr val="000000"/>
+                </a:solidFill>
+                <a:effectLst/>
+                <a:latin typeface="Consolas" panose="020B0609020204030204" pitchFamily="49" charset="0"/>
+              </a:rPr>
+              <a:t>    }</a:t>
+            </a:r>
+            <a:br>
+              <a:rPr kumimoji="0" lang="zh-CN" altLang="zh-CN" sz="1800" b="0" i="0" u="none" strike="noStrike" cap="none" normalizeH="0" baseline="0">
+                <a:ln>
+                  <a:noFill/>
+                </a:ln>
+                <a:solidFill>
+                  <a:srgbClr val="000000"/>
+                </a:solidFill>
+                <a:effectLst/>
+                <a:latin typeface="Consolas" panose="020B0609020204030204" pitchFamily="49" charset="0"/>
+              </a:rPr>
+            </a:br>
+            <a:r>
+              <a:rPr kumimoji="0" lang="zh-CN" altLang="zh-CN" sz="1800" b="0" i="0" u="none" strike="noStrike" cap="none" normalizeH="0" baseline="0">
+                <a:ln>
+                  <a:noFill/>
+                </a:ln>
+                <a:solidFill>
+                  <a:srgbClr val="000000"/>
+                </a:solidFill>
+                <a:effectLst/>
+                <a:latin typeface="Consolas" panose="020B0609020204030204" pitchFamily="49" charset="0"/>
+              </a:rPr>
+              <a:t>    </a:t>
+            </a:r>
+            <a:r>
+              <a:rPr kumimoji="0" lang="zh-CN" altLang="zh-CN" sz="1800" b="0" i="1" u="none" strike="noStrike" cap="none" normalizeH="0" baseline="0">
+                <a:ln>
+                  <a:noFill/>
+                </a:ln>
+                <a:solidFill>
+                  <a:srgbClr val="808080"/>
+                </a:solidFill>
+                <a:effectLst/>
+                <a:latin typeface="Consolas" panose="020B0609020204030204" pitchFamily="49" charset="0"/>
+              </a:rPr>
+              <a:t>// replace all whitespace with tabs</a:t>
+            </a:r>
+            <a:br>
+              <a:rPr kumimoji="0" lang="zh-CN" altLang="zh-CN" sz="1800" b="0" i="1" u="none" strike="noStrike" cap="none" normalizeH="0" baseline="0">
+                <a:ln>
+                  <a:noFill/>
+                </a:ln>
+                <a:solidFill>
+                  <a:srgbClr val="808080"/>
+                </a:solidFill>
+                <a:effectLst/>
+                <a:latin typeface="Consolas" panose="020B0609020204030204" pitchFamily="49" charset="0"/>
+              </a:rPr>
+            </a:br>
+            <a:r>
+              <a:rPr kumimoji="0" lang="zh-CN" altLang="zh-CN" sz="1800" b="0" i="1" u="none" strike="noStrike" cap="none" normalizeH="0" baseline="0">
+                <a:ln>
+                  <a:noFill/>
+                </a:ln>
+                <a:solidFill>
+                  <a:srgbClr val="808080"/>
+                </a:solidFill>
+                <a:effectLst/>
+                <a:latin typeface="Consolas" panose="020B0609020204030204" pitchFamily="49" charset="0"/>
+              </a:rPr>
+              <a:t>    </a:t>
+            </a:r>
+            <a:r>
+              <a:rPr kumimoji="0" lang="zh-CN" altLang="zh-CN" sz="1800" b="0" i="0" u="none" strike="noStrike" cap="none" normalizeH="0" baseline="0">
+                <a:ln>
+                  <a:noFill/>
+                </a:ln>
+                <a:solidFill>
+                  <a:srgbClr val="000000"/>
+                </a:solidFill>
+                <a:effectLst/>
+                <a:latin typeface="Consolas" panose="020B0609020204030204" pitchFamily="49" charset="0"/>
+              </a:rPr>
+              <a:t>System.</a:t>
+            </a:r>
+            <a:r>
+              <a:rPr kumimoji="0" lang="zh-CN" altLang="zh-CN" sz="1800" b="1" i="1" u="none" strike="noStrike" cap="none" normalizeH="0" baseline="0">
+                <a:ln>
+                  <a:noFill/>
+                </a:ln>
+                <a:solidFill>
+                  <a:srgbClr val="660E7A"/>
+                </a:solidFill>
+                <a:effectLst/>
+                <a:latin typeface="Consolas" panose="020B0609020204030204" pitchFamily="49" charset="0"/>
+              </a:rPr>
+              <a:t>out</a:t>
+            </a:r>
+            <a:r>
+              <a:rPr kumimoji="0" lang="zh-CN" altLang="zh-CN" sz="1800" b="0" i="0" u="none" strike="noStrike" cap="none" normalizeH="0" baseline="0">
+                <a:ln>
+                  <a:noFill/>
+                </a:ln>
+                <a:solidFill>
+                  <a:srgbClr val="000000"/>
+                </a:solidFill>
+                <a:effectLst/>
+                <a:latin typeface="Consolas" panose="020B0609020204030204" pitchFamily="49" charset="0"/>
+              </a:rPr>
+              <a:t>.println(</a:t>
+            </a:r>
+            <a:r>
+              <a:rPr kumimoji="0" lang="zh-CN" altLang="zh-CN" sz="1800" b="1" i="1" u="none" strike="noStrike" cap="none" normalizeH="0" baseline="0">
+                <a:ln>
+                  <a:noFill/>
+                </a:ln>
+                <a:solidFill>
+                  <a:srgbClr val="660E7A"/>
+                </a:solidFill>
+                <a:effectLst/>
+                <a:latin typeface="Consolas" panose="020B0609020204030204" pitchFamily="49" charset="0"/>
+              </a:rPr>
+              <a:t>EXAMPLE_TEST</a:t>
+            </a:r>
+            <a:r>
+              <a:rPr kumimoji="0" lang="zh-CN" altLang="zh-CN" sz="1800" b="0" i="0" u="none" strike="noStrike" cap="none" normalizeH="0" baseline="0">
+                <a:ln>
+                  <a:noFill/>
+                </a:ln>
+                <a:solidFill>
+                  <a:srgbClr val="000000"/>
+                </a:solidFill>
+                <a:effectLst/>
+                <a:latin typeface="Consolas" panose="020B0609020204030204" pitchFamily="49" charset="0"/>
+              </a:rPr>
+              <a:t>.replaceAll(</a:t>
+            </a:r>
+            <a:r>
+              <a:rPr kumimoji="0" lang="zh-CN" altLang="zh-CN" sz="1800" b="1" i="0" u="none" strike="noStrike" cap="none" normalizeH="0" baseline="0">
+                <a:ln>
+                  <a:noFill/>
+                </a:ln>
+                <a:solidFill>
+                  <a:srgbClr val="008000"/>
+                </a:solidFill>
+                <a:effectLst/>
+                <a:latin typeface="Consolas" panose="020B0609020204030204" pitchFamily="49" charset="0"/>
+              </a:rPr>
+              <a:t>"</a:t>
+            </a:r>
+            <a:r>
+              <a:rPr kumimoji="0" lang="zh-CN" altLang="zh-CN" sz="1800" b="1" i="0" u="none" strike="noStrike" cap="none" normalizeH="0" baseline="0">
+                <a:ln>
+                  <a:noFill/>
+                </a:ln>
+                <a:solidFill>
+                  <a:srgbClr val="000080"/>
+                </a:solidFill>
+                <a:effectLst/>
+                <a:latin typeface="Consolas" panose="020B0609020204030204" pitchFamily="49" charset="0"/>
+              </a:rPr>
+              <a:t>\\</a:t>
+            </a:r>
+            <a:r>
+              <a:rPr kumimoji="0" lang="zh-CN" altLang="zh-CN" sz="1800" b="1" i="0" u="none" strike="noStrike" cap="none" normalizeH="0" baseline="0">
+                <a:ln>
+                  <a:noFill/>
+                </a:ln>
+                <a:solidFill>
+                  <a:srgbClr val="008000"/>
+                </a:solidFill>
+                <a:effectLst/>
+                <a:latin typeface="Consolas" panose="020B0609020204030204" pitchFamily="49" charset="0"/>
+              </a:rPr>
+              <a:t>s+"</a:t>
+            </a:r>
+            <a:r>
+              <a:rPr kumimoji="0" lang="zh-CN" altLang="zh-CN" sz="1800" b="0" i="0" u="none" strike="noStrike" cap="none" normalizeH="0" baseline="0">
+                <a:ln>
+                  <a:noFill/>
+                </a:ln>
+                <a:solidFill>
+                  <a:srgbClr val="000000"/>
+                </a:solidFill>
+                <a:effectLst/>
+                <a:latin typeface="Consolas" panose="020B0609020204030204" pitchFamily="49" charset="0"/>
+              </a:rPr>
+              <a:t>, </a:t>
+            </a:r>
+            <a:r>
+              <a:rPr kumimoji="0" lang="zh-CN" altLang="zh-CN" sz="1800" b="1" i="0" u="none" strike="noStrike" cap="none" normalizeH="0" baseline="0">
+                <a:ln>
+                  <a:noFill/>
+                </a:ln>
+                <a:solidFill>
+                  <a:srgbClr val="008000"/>
+                </a:solidFill>
+                <a:effectLst/>
+                <a:latin typeface="Consolas" panose="020B0609020204030204" pitchFamily="49" charset="0"/>
+              </a:rPr>
+              <a:t>"</a:t>
+            </a:r>
+            <a:r>
+              <a:rPr kumimoji="0" lang="zh-CN" altLang="zh-CN" sz="1800" b="1" i="0" u="none" strike="noStrike" cap="none" normalizeH="0" baseline="0">
+                <a:ln>
+                  <a:noFill/>
+                </a:ln>
+                <a:solidFill>
+                  <a:srgbClr val="000080"/>
+                </a:solidFill>
+                <a:effectLst/>
+                <a:latin typeface="Consolas" panose="020B0609020204030204" pitchFamily="49" charset="0"/>
+              </a:rPr>
+              <a:t>\t</a:t>
+            </a:r>
+            <a:r>
+              <a:rPr kumimoji="0" lang="zh-CN" altLang="zh-CN" sz="1800" b="1" i="0" u="none" strike="noStrike" cap="none" normalizeH="0" baseline="0">
+                <a:ln>
+                  <a:noFill/>
+                </a:ln>
+                <a:solidFill>
+                  <a:srgbClr val="008000"/>
+                </a:solidFill>
+                <a:effectLst/>
+                <a:latin typeface="Consolas" panose="020B0609020204030204" pitchFamily="49" charset="0"/>
+              </a:rPr>
+              <a:t>"</a:t>
+            </a:r>
+            <a:r>
+              <a:rPr kumimoji="0" lang="zh-CN" altLang="zh-CN" sz="1800" b="0" i="0" u="none" strike="noStrike" cap="none" normalizeH="0" baseline="0">
+                <a:ln>
+                  <a:noFill/>
+                </a:ln>
+                <a:solidFill>
+                  <a:srgbClr val="000000"/>
+                </a:solidFill>
+                <a:effectLst/>
+                <a:latin typeface="Consolas" panose="020B0609020204030204" pitchFamily="49" charset="0"/>
+              </a:rPr>
+              <a:t>));</a:t>
+            </a:r>
+            <a:br>
+              <a:rPr kumimoji="0" lang="zh-CN" altLang="zh-CN" sz="1800" b="0" i="0" u="none" strike="noStrike" cap="none" normalizeH="0" baseline="0">
+                <a:ln>
+                  <a:noFill/>
+                </a:ln>
+                <a:solidFill>
+                  <a:srgbClr val="000000"/>
+                </a:solidFill>
+                <a:effectLst/>
+                <a:latin typeface="Consolas" panose="020B0609020204030204" pitchFamily="49" charset="0"/>
+              </a:rPr>
+            </a:br>
+            <a:r>
+              <a:rPr kumimoji="0" lang="zh-CN" altLang="zh-CN" sz="1800" b="0" i="0" u="none" strike="noStrike" cap="none" normalizeH="0" baseline="0">
+                <a:ln>
+                  <a:noFill/>
+                </a:ln>
+                <a:solidFill>
+                  <a:srgbClr val="000000"/>
+                </a:solidFill>
+                <a:effectLst/>
+                <a:latin typeface="Consolas" panose="020B0609020204030204" pitchFamily="49" charset="0"/>
+              </a:rPr>
+              <a:t>}</a:t>
+            </a:r>
+            <a:endParaRPr kumimoji="0" lang="zh-CN" altLang="zh-CN" sz="1800" b="0" i="0" u="none" strike="noStrike" cap="none" normalizeH="0" baseline="0">
+              <a:ln>
+                <a:noFill/>
+              </a:ln>
+              <a:solidFill>
+                <a:schemeClr val="tx1"/>
+              </a:solidFill>
+              <a:effectLst/>
+              <a:latin typeface="Arial" panose="020B0604020202020204" pitchFamily="34" charset="0"/>
+            </a:endParaRPr>
+          </a:p>
+        </p:txBody>
+      </p:sp>
+    </p:spTree>
+    <p:extLst>
+      <p:ext uri="{BB962C8B-B14F-4D97-AF65-F5344CB8AC3E}">
+        <p14:creationId xmlns:p14="http://schemas.microsoft.com/office/powerpoint/2010/main" val="3266910277"/>
+      </p:ext>
+    </p:extLst>
+  </p:cSld>
+  <p:clrMapOvr>
+    <a:masterClrMapping/>
+  </p:clrMapOvr>
+</p:sld>
+</file>
+
+<file path=ppt/slides/slide46.xml><?xml version="1.0" encoding="utf-8"?>
+<p:sld xmlns:a="http://schemas.openxmlformats.org/drawingml/2006/main" xmlns:r="http://schemas.openxmlformats.org/officeDocument/2006/relationships" xmlns:p="http://schemas.openxmlformats.org/presentationml/2006/main">
+  <p:cSld>
+    <p:spTree>
+      <p:nvGrpSpPr>
+        <p:cNvPr id="1" name=""/>
+        <p:cNvGrpSpPr/>
+        <p:nvPr/>
+      </p:nvGrpSpPr>
+      <p:grpSpPr>
+        <a:xfrm>
+          <a:off x="0" y="0"/>
+          <a:ext cx="0" cy="0"/>
+          <a:chOff x="0" y="0"/>
+          <a:chExt cx="0" cy="0"/>
+        </a:xfrm>
+      </p:grpSpPr>
+      <p:sp>
+        <p:nvSpPr>
+          <p:cNvPr id="2" name="标题 1">
+            <a:extLst>
+              <a:ext uri="{FF2B5EF4-FFF2-40B4-BE49-F238E27FC236}">
+                <a16:creationId xmlns:a16="http://schemas.microsoft.com/office/drawing/2014/main" id="{ABABFFE9-A722-4922-81A2-D192FFFF2A6E}"/>
+              </a:ext>
+            </a:extLst>
+          </p:cNvPr>
+          <p:cNvSpPr>
+            <a:spLocks noGrp="1"/>
+          </p:cNvSpPr>
+          <p:nvPr>
+            <p:ph type="title"/>
+          </p:nvPr>
+        </p:nvSpPr>
+        <p:spPr/>
+        <p:txBody>
+          <a:bodyPr/>
+          <a:lstStyle/>
+          <a:p>
+            <a:r>
+              <a:rPr lang="en-US" altLang="zh-CN" dirty="0"/>
+              <a:t>Pattern and Matcher</a:t>
+            </a:r>
+            <a:endParaRPr lang="zh-CN" altLang="en-US" dirty="0"/>
+          </a:p>
+        </p:txBody>
+      </p:sp>
+      <p:sp>
+        <p:nvSpPr>
+          <p:cNvPr id="3" name="内容占位符 2">
+            <a:extLst>
+              <a:ext uri="{FF2B5EF4-FFF2-40B4-BE49-F238E27FC236}">
+                <a16:creationId xmlns:a16="http://schemas.microsoft.com/office/drawing/2014/main" id="{831C0BE4-A777-4C37-9F51-FB345125BCF1}"/>
+              </a:ext>
+            </a:extLst>
+          </p:cNvPr>
+          <p:cNvSpPr>
+            <a:spLocks noGrp="1"/>
+          </p:cNvSpPr>
+          <p:nvPr>
+            <p:ph idx="1"/>
+          </p:nvPr>
+        </p:nvSpPr>
+        <p:spPr/>
+        <p:txBody>
+          <a:bodyPr>
+            <a:normAutofit/>
+          </a:bodyPr>
+          <a:lstStyle/>
+          <a:p>
+            <a:r>
+              <a:rPr lang="en-US" altLang="zh-CN" sz="3200" dirty="0"/>
+              <a:t>For advanced regular expressions the </a:t>
+            </a:r>
+            <a:r>
+              <a:rPr lang="en-US" altLang="zh-CN" sz="3200" dirty="0" err="1"/>
+              <a:t>java.util.regex.Pattern</a:t>
+            </a:r>
+            <a:r>
+              <a:rPr lang="en-US" altLang="zh-CN" sz="3200" dirty="0"/>
+              <a:t> and </a:t>
+            </a:r>
+            <a:r>
+              <a:rPr lang="en-US" altLang="zh-CN" sz="3200" dirty="0" err="1"/>
+              <a:t>java.util.regex.Matcher</a:t>
+            </a:r>
+            <a:r>
+              <a:rPr lang="en-US" altLang="zh-CN" sz="3200" dirty="0"/>
+              <a:t> classes are used.</a:t>
+            </a:r>
+          </a:p>
+          <a:p>
+            <a:pPr marL="914400" lvl="1" indent="-457200">
+              <a:buFont typeface="+mj-lt"/>
+              <a:buAutoNum type="arabicPeriod"/>
+            </a:pPr>
+            <a:r>
+              <a:rPr lang="en-US" altLang="zh-CN" sz="2800" dirty="0"/>
+              <a:t>First create a </a:t>
+            </a:r>
+            <a:r>
+              <a:rPr lang="en-US" altLang="zh-CN" sz="2800" dirty="0">
+                <a:solidFill>
+                  <a:schemeClr val="accent2">
+                    <a:lumMod val="75000"/>
+                  </a:schemeClr>
+                </a:solidFill>
+              </a:rPr>
+              <a:t>Pattern object </a:t>
+            </a:r>
+            <a:r>
+              <a:rPr lang="en-US" altLang="zh-CN" sz="2800" dirty="0"/>
+              <a:t>which defines the regular expression. </a:t>
+            </a:r>
+          </a:p>
+          <a:p>
+            <a:pPr marL="914400" lvl="1" indent="-457200">
+              <a:buFont typeface="+mj-lt"/>
+              <a:buAutoNum type="arabicPeriod"/>
+            </a:pPr>
+            <a:r>
+              <a:rPr lang="en-US" altLang="zh-CN" sz="2800" dirty="0"/>
+              <a:t>This </a:t>
+            </a:r>
+            <a:r>
+              <a:rPr lang="en-US" altLang="zh-CN" sz="2800" dirty="0">
+                <a:solidFill>
+                  <a:schemeClr val="accent2">
+                    <a:lumMod val="75000"/>
+                  </a:schemeClr>
+                </a:solidFill>
+              </a:rPr>
+              <a:t>Pattern object </a:t>
+            </a:r>
+            <a:r>
+              <a:rPr lang="en-US" altLang="zh-CN" sz="2800" dirty="0"/>
+              <a:t>allows you to create a </a:t>
+            </a:r>
+            <a:r>
+              <a:rPr lang="en-US" altLang="zh-CN" sz="2800" dirty="0">
+                <a:solidFill>
+                  <a:schemeClr val="accent2">
+                    <a:lumMod val="75000"/>
+                  </a:schemeClr>
+                </a:solidFill>
+              </a:rPr>
+              <a:t>Matcher object </a:t>
+            </a:r>
+            <a:r>
+              <a:rPr lang="en-US" altLang="zh-CN" sz="2800" dirty="0"/>
+              <a:t>for a given string. </a:t>
+            </a:r>
+          </a:p>
+          <a:p>
+            <a:pPr marL="914400" lvl="1" indent="-457200">
+              <a:buFont typeface="+mj-lt"/>
+              <a:buAutoNum type="arabicPeriod"/>
+            </a:pPr>
+            <a:r>
+              <a:rPr lang="en-US" altLang="zh-CN" sz="2800" dirty="0"/>
+              <a:t>This </a:t>
+            </a:r>
+            <a:r>
+              <a:rPr lang="en-US" altLang="zh-CN" sz="2800" dirty="0">
+                <a:solidFill>
+                  <a:schemeClr val="accent2">
+                    <a:lumMod val="75000"/>
+                  </a:schemeClr>
+                </a:solidFill>
+              </a:rPr>
+              <a:t>Matcher object </a:t>
+            </a:r>
+            <a:r>
+              <a:rPr lang="en-US" altLang="zh-CN" sz="2800" dirty="0"/>
+              <a:t>then allows you to </a:t>
+            </a:r>
+            <a:r>
+              <a:rPr lang="en-US" altLang="zh-CN" sz="2800" dirty="0">
+                <a:solidFill>
+                  <a:schemeClr val="accent2">
+                    <a:lumMod val="75000"/>
+                  </a:schemeClr>
+                </a:solidFill>
+              </a:rPr>
+              <a:t>do regex operations </a:t>
+            </a:r>
+            <a:r>
+              <a:rPr lang="en-US" altLang="zh-CN" sz="2800" dirty="0"/>
+              <a:t>on a String.</a:t>
+            </a:r>
+            <a:endParaRPr lang="zh-CN" altLang="en-US" sz="2800" dirty="0"/>
+          </a:p>
+        </p:txBody>
+      </p:sp>
+    </p:spTree>
+    <p:extLst>
+      <p:ext uri="{BB962C8B-B14F-4D97-AF65-F5344CB8AC3E}">
+        <p14:creationId xmlns:p14="http://schemas.microsoft.com/office/powerpoint/2010/main" val="2426934290"/>
+      </p:ext>
+    </p:extLst>
+  </p:cSld>
+  <p:clrMapOvr>
+    <a:masterClrMapping/>
+  </p:clrMapOvr>
+</p:sld>
+</file>
+
+<file path=ppt/slides/slide47.xml><?xml version="1.0" encoding="utf-8"?>
+<p:sld xmlns:a="http://schemas.openxmlformats.org/drawingml/2006/main" xmlns:r="http://schemas.openxmlformats.org/officeDocument/2006/relationships" xmlns:p="http://schemas.openxmlformats.org/presentationml/2006/main">
+  <p:cSld>
+    <p:spTree>
+      <p:nvGrpSpPr>
+        <p:cNvPr id="1" name=""/>
+        <p:cNvGrpSpPr/>
+        <p:nvPr/>
+      </p:nvGrpSpPr>
+      <p:grpSpPr>
+        <a:xfrm>
+          <a:off x="0" y="0"/>
+          <a:ext cx="0" cy="0"/>
+          <a:chOff x="0" y="0"/>
+          <a:chExt cx="0" cy="0"/>
+        </a:xfrm>
+      </p:grpSpPr>
+      <p:sp>
+        <p:nvSpPr>
+          <p:cNvPr id="2" name="标题 1">
+            <a:extLst>
+              <a:ext uri="{FF2B5EF4-FFF2-40B4-BE49-F238E27FC236}">
+                <a16:creationId xmlns:a16="http://schemas.microsoft.com/office/drawing/2014/main" id="{6540D0F1-5CC5-48E7-A3FE-0E33BA5CB49B}"/>
+              </a:ext>
+            </a:extLst>
+          </p:cNvPr>
+          <p:cNvSpPr>
+            <a:spLocks noGrp="1"/>
+          </p:cNvSpPr>
+          <p:nvPr>
+            <p:ph type="title"/>
+          </p:nvPr>
+        </p:nvSpPr>
+        <p:spPr/>
+        <p:txBody>
+          <a:bodyPr/>
+          <a:lstStyle/>
+          <a:p>
+            <a:endParaRPr lang="zh-CN" altLang="en-US"/>
+          </a:p>
+        </p:txBody>
+      </p:sp>
+      <p:sp>
+        <p:nvSpPr>
+          <p:cNvPr id="3" name="内容占位符 2">
+            <a:extLst>
+              <a:ext uri="{FF2B5EF4-FFF2-40B4-BE49-F238E27FC236}">
+                <a16:creationId xmlns:a16="http://schemas.microsoft.com/office/drawing/2014/main" id="{16BFE22D-03BE-4D37-BDDF-68791ACE0450}"/>
+              </a:ext>
+            </a:extLst>
+          </p:cNvPr>
+          <p:cNvSpPr>
+            <a:spLocks noGrp="1"/>
+          </p:cNvSpPr>
+          <p:nvPr>
+            <p:ph idx="1"/>
+          </p:nvPr>
+        </p:nvSpPr>
+        <p:spPr/>
+        <p:txBody>
+          <a:bodyPr/>
+          <a:lstStyle/>
+          <a:p>
+            <a:endParaRPr lang="zh-CN" altLang="en-US"/>
+          </a:p>
+        </p:txBody>
+      </p:sp>
+      <p:sp>
+        <p:nvSpPr>
+          <p:cNvPr id="4" name="Rectangle 1">
+            <a:extLst>
+              <a:ext uri="{FF2B5EF4-FFF2-40B4-BE49-F238E27FC236}">
+                <a16:creationId xmlns:a16="http://schemas.microsoft.com/office/drawing/2014/main" id="{913ECE80-9C99-4374-8D83-D40DCB6ECBE8}"/>
+              </a:ext>
+            </a:extLst>
+          </p:cNvPr>
+          <p:cNvSpPr>
+            <a:spLocks noChangeArrowheads="1"/>
+          </p:cNvSpPr>
+          <p:nvPr/>
+        </p:nvSpPr>
+        <p:spPr bwMode="auto">
+          <a:xfrm>
+            <a:off x="721453" y="583565"/>
+            <a:ext cx="10083567" cy="5909310"/>
+          </a:xfrm>
+          <a:prstGeom prst="rect">
+            <a:avLst/>
+          </a:prstGeom>
+          <a:solidFill>
+            <a:srgbClr val="FFFFFF"/>
+          </a:solidFill>
+          <a:ln>
+            <a:noFill/>
+          </a:ln>
+          <a:effectLst/>
+          <a:extLst>
+            <a:ext uri="{91240B29-F687-4F45-9708-019B960494DF}">
+              <a14:hiddenLine xmlns:a14="http://schemas.microsoft.com/office/drawing/2010/main" w="9525">
+                <a:solidFill>
+                  <a:schemeClr val="tx1"/>
+                </a:solidFill>
+                <a:miter lim="800000"/>
+                <a:headEnd/>
+                <a:tailEnd/>
+              </a14:hiddenLine>
+            </a:ext>
+            <a:ext uri="{AF507438-7753-43E0-B8FC-AC1667EBCBE1}">
+              <a14:hiddenEffects xmlns:a14="http://schemas.microsoft.com/office/drawing/2010/main">
+                <a:effectLst>
+                  <a:outerShdw dist="35921" dir="2700000" algn="ctr" rotWithShape="0">
+                    <a:schemeClr val="bg2"/>
+                  </a:outerShdw>
+                </a:effectLst>
+              </a14:hiddenEffects>
+            </a:ext>
+          </a:extLst>
+        </p:spPr>
+        <p:txBody>
+          <a:bodyPr vert="horz" wrap="square" lIns="91440" tIns="45720" rIns="91440" bIns="45720" numCol="1" anchor="ctr" anchorCtr="0" compatLnSpc="1">
+            <a:prstTxWarp prst="textNoShape">
+              <a:avLst/>
+            </a:prstTxWarp>
+            <a:spAutoFit/>
+          </a:bodyPr>
+          <a:lstStyle/>
+          <a:p>
+            <a:pPr marL="0" marR="0" lvl="0" indent="0" algn="l" defTabSz="914400" rtl="0" eaLnBrk="0" fontAlgn="base" latinLnBrk="0" hangingPunct="0">
+              <a:lnSpc>
+                <a:spcPct val="100000"/>
+              </a:lnSpc>
+              <a:spcBef>
+                <a:spcPct val="0"/>
+              </a:spcBef>
+              <a:spcAft>
+                <a:spcPct val="0"/>
+              </a:spcAft>
+              <a:buClrTx/>
+              <a:buSzTx/>
+              <a:buFontTx/>
+              <a:buNone/>
+              <a:tabLst/>
+            </a:pPr>
+            <a:r>
+              <a:rPr kumimoji="0" lang="zh-CN" altLang="zh-CN" sz="1800" b="1" i="0" u="none" strike="noStrike" cap="none" normalizeH="0" baseline="0" dirty="0">
+                <a:ln>
+                  <a:noFill/>
+                </a:ln>
+                <a:solidFill>
+                  <a:srgbClr val="000080"/>
+                </a:solidFill>
+                <a:effectLst/>
+                <a:latin typeface="Consolas" panose="020B0609020204030204" pitchFamily="49" charset="0"/>
+              </a:rPr>
+              <a:t>public static final </a:t>
+            </a:r>
+            <a:r>
+              <a:rPr kumimoji="0" lang="zh-CN" altLang="zh-CN" sz="1800" b="0" i="0" u="none" strike="noStrike" cap="none" normalizeH="0" baseline="0" dirty="0">
+                <a:ln>
+                  <a:noFill/>
+                </a:ln>
+                <a:solidFill>
+                  <a:srgbClr val="000000"/>
+                </a:solidFill>
+                <a:effectLst/>
+                <a:latin typeface="Consolas" panose="020B0609020204030204" pitchFamily="49" charset="0"/>
+              </a:rPr>
+              <a:t>String </a:t>
+            </a:r>
+            <a:r>
+              <a:rPr kumimoji="0" lang="zh-CN" altLang="zh-CN" sz="1800" b="1" i="1" u="none" strike="noStrike" cap="none" normalizeH="0" baseline="0" dirty="0">
+                <a:ln>
+                  <a:noFill/>
+                </a:ln>
+                <a:solidFill>
+                  <a:srgbClr val="660E7A"/>
+                </a:solidFill>
+                <a:effectLst/>
+                <a:latin typeface="Consolas" panose="020B0609020204030204" pitchFamily="49" charset="0"/>
+              </a:rPr>
+              <a:t>EXAMPLE_TEST </a:t>
+            </a:r>
+            <a:r>
+              <a:rPr kumimoji="0" lang="zh-CN" altLang="zh-CN" sz="1800" b="0" i="0" u="none" strike="noStrike" cap="none" normalizeH="0" baseline="0" dirty="0">
+                <a:ln>
+                  <a:noFill/>
+                </a:ln>
+                <a:solidFill>
+                  <a:srgbClr val="000000"/>
+                </a:solidFill>
+                <a:effectLst/>
+                <a:latin typeface="Consolas" panose="020B0609020204030204" pitchFamily="49" charset="0"/>
+              </a:rPr>
+              <a:t>= </a:t>
+            </a:r>
+            <a:br>
+              <a:rPr kumimoji="0" lang="zh-CN" altLang="zh-CN" sz="1800" b="0" i="0" u="none" strike="noStrike" cap="none" normalizeH="0" baseline="0" dirty="0">
+                <a:ln>
+                  <a:noFill/>
+                </a:ln>
+                <a:solidFill>
+                  <a:srgbClr val="000000"/>
+                </a:solidFill>
+                <a:effectLst/>
+                <a:latin typeface="Consolas" panose="020B0609020204030204" pitchFamily="49" charset="0"/>
+              </a:rPr>
+            </a:br>
+            <a:r>
+              <a:rPr kumimoji="0" lang="zh-CN" altLang="zh-CN" sz="1800" b="0" i="0" u="none" strike="noStrike" cap="none" normalizeH="0" baseline="0" dirty="0">
+                <a:ln>
+                  <a:noFill/>
+                </a:ln>
+                <a:solidFill>
+                  <a:srgbClr val="000000"/>
+                </a:solidFill>
+                <a:effectLst/>
+                <a:latin typeface="Consolas" panose="020B0609020204030204" pitchFamily="49" charset="0"/>
+              </a:rPr>
+              <a:t>        </a:t>
+            </a:r>
+            <a:r>
+              <a:rPr kumimoji="0" lang="zh-CN" altLang="zh-CN" sz="1800" b="1" i="0" u="none" strike="noStrike" cap="none" normalizeH="0" baseline="0" dirty="0">
+                <a:ln>
+                  <a:noFill/>
+                </a:ln>
+                <a:solidFill>
+                  <a:srgbClr val="008000"/>
+                </a:solidFill>
+                <a:effectLst/>
+                <a:latin typeface="Consolas" panose="020B0609020204030204" pitchFamily="49" charset="0"/>
+              </a:rPr>
+              <a:t>"This is my small example string which I'm going to use for pattern matching."</a:t>
+            </a:r>
+            <a:r>
+              <a:rPr kumimoji="0" lang="zh-CN" altLang="zh-CN" sz="1800" b="0" i="0" u="none" strike="noStrike" cap="none" normalizeH="0" baseline="0" dirty="0">
+                <a:ln>
+                  <a:noFill/>
+                </a:ln>
+                <a:solidFill>
+                  <a:srgbClr val="000000"/>
+                </a:solidFill>
+                <a:effectLst/>
+                <a:latin typeface="Consolas" panose="020B0609020204030204" pitchFamily="49" charset="0"/>
+              </a:rPr>
+              <a:t>;</a:t>
+            </a:r>
+            <a:br>
+              <a:rPr kumimoji="0" lang="zh-CN" altLang="zh-CN" sz="1800" b="0" i="0" u="none" strike="noStrike" cap="none" normalizeH="0" baseline="0" dirty="0">
+                <a:ln>
+                  <a:noFill/>
+                </a:ln>
+                <a:solidFill>
+                  <a:srgbClr val="000000"/>
+                </a:solidFill>
+                <a:effectLst/>
+                <a:latin typeface="Consolas" panose="020B0609020204030204" pitchFamily="49" charset="0"/>
+              </a:rPr>
+            </a:br>
+            <a:br>
+              <a:rPr kumimoji="0" lang="zh-CN" altLang="zh-CN" sz="1800" b="0" i="0" u="none" strike="noStrike" cap="none" normalizeH="0" baseline="0" dirty="0">
+                <a:ln>
+                  <a:noFill/>
+                </a:ln>
+                <a:solidFill>
+                  <a:srgbClr val="000000"/>
+                </a:solidFill>
+                <a:effectLst/>
+                <a:latin typeface="Consolas" panose="020B0609020204030204" pitchFamily="49" charset="0"/>
+              </a:rPr>
+            </a:br>
+            <a:r>
+              <a:rPr kumimoji="0" lang="zh-CN" altLang="zh-CN" sz="1800" b="1" i="0" u="none" strike="noStrike" cap="none" normalizeH="0" baseline="0" dirty="0">
+                <a:ln>
+                  <a:noFill/>
+                </a:ln>
+                <a:solidFill>
+                  <a:srgbClr val="000080"/>
+                </a:solidFill>
+                <a:effectLst/>
+                <a:latin typeface="Consolas" panose="020B0609020204030204" pitchFamily="49" charset="0"/>
+              </a:rPr>
+              <a:t>public static void </a:t>
+            </a:r>
+            <a:r>
+              <a:rPr kumimoji="0" lang="zh-CN" altLang="zh-CN" sz="1800" b="0" i="0" u="none" strike="noStrike" cap="none" normalizeH="0" baseline="0" dirty="0">
+                <a:ln>
+                  <a:noFill/>
+                </a:ln>
+                <a:solidFill>
+                  <a:srgbClr val="000000"/>
+                </a:solidFill>
+                <a:effectLst/>
+                <a:latin typeface="Consolas" panose="020B0609020204030204" pitchFamily="49" charset="0"/>
+              </a:rPr>
+              <a:t>main(String[] args) {</a:t>
+            </a:r>
+            <a:br>
+              <a:rPr kumimoji="0" lang="zh-CN" altLang="zh-CN" sz="1800" b="0" i="0" u="none" strike="noStrike" cap="none" normalizeH="0" baseline="0" dirty="0">
+                <a:ln>
+                  <a:noFill/>
+                </a:ln>
+                <a:solidFill>
+                  <a:srgbClr val="000000"/>
+                </a:solidFill>
+                <a:effectLst/>
+                <a:latin typeface="Consolas" panose="020B0609020204030204" pitchFamily="49" charset="0"/>
+              </a:rPr>
+            </a:br>
+            <a:r>
+              <a:rPr kumimoji="0" lang="zh-CN" altLang="zh-CN" sz="1800" b="0" i="0" u="none" strike="noStrike" cap="none" normalizeH="0" baseline="0" dirty="0">
+                <a:ln>
+                  <a:noFill/>
+                </a:ln>
+                <a:solidFill>
+                  <a:srgbClr val="000000"/>
+                </a:solidFill>
+                <a:effectLst/>
+                <a:latin typeface="Consolas" panose="020B0609020204030204" pitchFamily="49" charset="0"/>
+              </a:rPr>
+              <a:t>    Pattern pattern = Pattern.</a:t>
+            </a:r>
+            <a:r>
+              <a:rPr kumimoji="0" lang="zh-CN" altLang="zh-CN" sz="1800" b="0" i="1" u="none" strike="noStrike" cap="none" normalizeH="0" baseline="0" dirty="0">
+                <a:ln>
+                  <a:noFill/>
+                </a:ln>
+                <a:solidFill>
+                  <a:srgbClr val="000000"/>
+                </a:solidFill>
+                <a:effectLst/>
+                <a:latin typeface="Consolas" panose="020B0609020204030204" pitchFamily="49" charset="0"/>
+              </a:rPr>
+              <a:t>compile</a:t>
+            </a:r>
+            <a:r>
+              <a:rPr kumimoji="0" lang="zh-CN" altLang="zh-CN" sz="1800" b="0" i="0" u="none" strike="noStrike" cap="none" normalizeH="0" baseline="0" dirty="0">
+                <a:ln>
+                  <a:noFill/>
+                </a:ln>
+                <a:solidFill>
+                  <a:srgbClr val="000000"/>
+                </a:solidFill>
+                <a:effectLst/>
+                <a:latin typeface="Consolas" panose="020B0609020204030204" pitchFamily="49" charset="0"/>
+              </a:rPr>
+              <a:t>(</a:t>
+            </a:r>
+            <a:r>
+              <a:rPr kumimoji="0" lang="zh-CN" altLang="zh-CN" sz="1800" b="1" i="0" u="none" strike="noStrike" cap="none" normalizeH="0" baseline="0" dirty="0">
+                <a:ln>
+                  <a:noFill/>
+                </a:ln>
+                <a:solidFill>
+                  <a:srgbClr val="008000"/>
+                </a:solidFill>
+                <a:effectLst/>
+                <a:latin typeface="Consolas" panose="020B0609020204030204" pitchFamily="49" charset="0"/>
+              </a:rPr>
+              <a:t>"</a:t>
+            </a:r>
+            <a:r>
+              <a:rPr kumimoji="0" lang="zh-CN" altLang="zh-CN" sz="1800" b="1" i="0" u="none" strike="noStrike" cap="none" normalizeH="0" baseline="0" dirty="0">
+                <a:ln>
+                  <a:noFill/>
+                </a:ln>
+                <a:solidFill>
+                  <a:srgbClr val="000080"/>
+                </a:solidFill>
+                <a:effectLst/>
+                <a:latin typeface="Consolas" panose="020B0609020204030204" pitchFamily="49" charset="0"/>
+              </a:rPr>
+              <a:t>\\</a:t>
+            </a:r>
+            <a:r>
+              <a:rPr kumimoji="0" lang="zh-CN" altLang="zh-CN" sz="1800" b="1" i="0" u="none" strike="noStrike" cap="none" normalizeH="0" baseline="0" dirty="0">
+                <a:ln>
+                  <a:noFill/>
+                </a:ln>
+                <a:solidFill>
+                  <a:srgbClr val="008000"/>
+                </a:solidFill>
+                <a:effectLst/>
+                <a:latin typeface="Consolas" panose="020B0609020204030204" pitchFamily="49" charset="0"/>
+              </a:rPr>
+              <a:t>w+"</a:t>
+            </a:r>
+            <a:r>
+              <a:rPr kumimoji="0" lang="zh-CN" altLang="zh-CN" sz="1800" b="0" i="0" u="none" strike="noStrike" cap="none" normalizeH="0" baseline="0" dirty="0">
+                <a:ln>
+                  <a:noFill/>
+                </a:ln>
+                <a:solidFill>
+                  <a:srgbClr val="000000"/>
+                </a:solidFill>
+                <a:effectLst/>
+                <a:latin typeface="Consolas" panose="020B0609020204030204" pitchFamily="49" charset="0"/>
+              </a:rPr>
+              <a:t>);</a:t>
+            </a:r>
+            <a:br>
+              <a:rPr kumimoji="0" lang="zh-CN" altLang="zh-CN" sz="1800" b="0" i="0" u="none" strike="noStrike" cap="none" normalizeH="0" baseline="0" dirty="0">
+                <a:ln>
+                  <a:noFill/>
+                </a:ln>
+                <a:solidFill>
+                  <a:srgbClr val="000000"/>
+                </a:solidFill>
+                <a:effectLst/>
+                <a:latin typeface="Consolas" panose="020B0609020204030204" pitchFamily="49" charset="0"/>
+              </a:rPr>
+            </a:br>
+            <a:r>
+              <a:rPr kumimoji="0" lang="zh-CN" altLang="zh-CN" sz="1800" b="0" i="0" u="none" strike="noStrike" cap="none" normalizeH="0" baseline="0" dirty="0">
+                <a:ln>
+                  <a:noFill/>
+                </a:ln>
+                <a:solidFill>
+                  <a:srgbClr val="000000"/>
+                </a:solidFill>
+                <a:effectLst/>
+                <a:latin typeface="Consolas" panose="020B0609020204030204" pitchFamily="49" charset="0"/>
+              </a:rPr>
+              <a:t>    </a:t>
+            </a:r>
+            <a:r>
+              <a:rPr kumimoji="0" lang="zh-CN" altLang="zh-CN" sz="1800" b="0" i="1" u="none" strike="noStrike" cap="none" normalizeH="0" baseline="0" dirty="0">
+                <a:ln>
+                  <a:noFill/>
+                </a:ln>
+                <a:solidFill>
+                  <a:srgbClr val="808080"/>
+                </a:solidFill>
+                <a:effectLst/>
+                <a:latin typeface="Consolas" panose="020B0609020204030204" pitchFamily="49" charset="0"/>
+              </a:rPr>
+              <a:t>// in case you would like to ignore case sensitivity,</a:t>
+            </a:r>
+            <a:br>
+              <a:rPr kumimoji="0" lang="zh-CN" altLang="zh-CN" sz="1800" b="0" i="1" u="none" strike="noStrike" cap="none" normalizeH="0" baseline="0" dirty="0">
+                <a:ln>
+                  <a:noFill/>
+                </a:ln>
+                <a:solidFill>
+                  <a:srgbClr val="808080"/>
+                </a:solidFill>
+                <a:effectLst/>
+                <a:latin typeface="Consolas" panose="020B0609020204030204" pitchFamily="49" charset="0"/>
+              </a:rPr>
+            </a:br>
+            <a:r>
+              <a:rPr kumimoji="0" lang="zh-CN" altLang="zh-CN" sz="1800" b="0" i="1" u="none" strike="noStrike" cap="none" normalizeH="0" baseline="0" dirty="0">
+                <a:ln>
+                  <a:noFill/>
+                </a:ln>
+                <a:solidFill>
+                  <a:srgbClr val="808080"/>
+                </a:solidFill>
+                <a:effectLst/>
+                <a:latin typeface="Consolas" panose="020B0609020204030204" pitchFamily="49" charset="0"/>
+              </a:rPr>
+              <a:t>    // you could use this statement:</a:t>
+            </a:r>
+            <a:br>
+              <a:rPr kumimoji="0" lang="zh-CN" altLang="zh-CN" sz="1800" b="0" i="1" u="none" strike="noStrike" cap="none" normalizeH="0" baseline="0" dirty="0">
+                <a:ln>
+                  <a:noFill/>
+                </a:ln>
+                <a:solidFill>
+                  <a:srgbClr val="808080"/>
+                </a:solidFill>
+                <a:effectLst/>
+                <a:latin typeface="Consolas" panose="020B0609020204030204" pitchFamily="49" charset="0"/>
+              </a:rPr>
+            </a:br>
+            <a:r>
+              <a:rPr kumimoji="0" lang="zh-CN" altLang="zh-CN" sz="1800" b="0" i="1" u="none" strike="noStrike" cap="none" normalizeH="0" baseline="0" dirty="0">
+                <a:ln>
+                  <a:noFill/>
+                </a:ln>
+                <a:solidFill>
+                  <a:srgbClr val="808080"/>
+                </a:solidFill>
+                <a:effectLst/>
+                <a:latin typeface="Consolas" panose="020B0609020204030204" pitchFamily="49" charset="0"/>
+              </a:rPr>
+              <a:t>    // Pattern pattern = Pattern.compile("\\s+", Pattern.CASE_INSENSITIVE);</a:t>
+            </a:r>
+            <a:br>
+              <a:rPr kumimoji="0" lang="zh-CN" altLang="zh-CN" sz="1800" b="0" i="1" u="none" strike="noStrike" cap="none" normalizeH="0" baseline="0" dirty="0">
+                <a:ln>
+                  <a:noFill/>
+                </a:ln>
+                <a:solidFill>
+                  <a:srgbClr val="808080"/>
+                </a:solidFill>
+                <a:effectLst/>
+                <a:latin typeface="Consolas" panose="020B0609020204030204" pitchFamily="49" charset="0"/>
+              </a:rPr>
+            </a:br>
+            <a:r>
+              <a:rPr kumimoji="0" lang="zh-CN" altLang="zh-CN" sz="1800" b="0" i="1" u="none" strike="noStrike" cap="none" normalizeH="0" baseline="0" dirty="0">
+                <a:ln>
+                  <a:noFill/>
+                </a:ln>
+                <a:solidFill>
+                  <a:srgbClr val="808080"/>
+                </a:solidFill>
+                <a:effectLst/>
+                <a:latin typeface="Consolas" panose="020B0609020204030204" pitchFamily="49" charset="0"/>
+              </a:rPr>
+              <a:t>    </a:t>
+            </a:r>
+            <a:r>
+              <a:rPr kumimoji="0" lang="zh-CN" altLang="zh-CN" sz="1800" b="0" i="0" u="none" strike="noStrike" cap="none" normalizeH="0" baseline="0" dirty="0">
+                <a:ln>
+                  <a:noFill/>
+                </a:ln>
+                <a:solidFill>
+                  <a:srgbClr val="000000"/>
+                </a:solidFill>
+                <a:effectLst/>
+                <a:latin typeface="Consolas" panose="020B0609020204030204" pitchFamily="49" charset="0"/>
+              </a:rPr>
+              <a:t>Matcher matcher = pattern.matcher(</a:t>
+            </a:r>
+            <a:r>
+              <a:rPr kumimoji="0" lang="zh-CN" altLang="zh-CN" sz="1800" b="1" i="1" u="none" strike="noStrike" cap="none" normalizeH="0" baseline="0" dirty="0">
+                <a:ln>
+                  <a:noFill/>
+                </a:ln>
+                <a:solidFill>
+                  <a:srgbClr val="660E7A"/>
+                </a:solidFill>
+                <a:effectLst/>
+                <a:latin typeface="Consolas" panose="020B0609020204030204" pitchFamily="49" charset="0"/>
+              </a:rPr>
+              <a:t>EXAMPLE_TEST</a:t>
+            </a:r>
+            <a:r>
+              <a:rPr kumimoji="0" lang="zh-CN" altLang="zh-CN" sz="1800" b="0" i="0" u="none" strike="noStrike" cap="none" normalizeH="0" baseline="0" dirty="0">
+                <a:ln>
+                  <a:noFill/>
+                </a:ln>
+                <a:solidFill>
+                  <a:srgbClr val="000000"/>
+                </a:solidFill>
+                <a:effectLst/>
+                <a:latin typeface="Consolas" panose="020B0609020204030204" pitchFamily="49" charset="0"/>
+              </a:rPr>
+              <a:t>);</a:t>
+            </a:r>
+            <a:br>
+              <a:rPr kumimoji="0" lang="zh-CN" altLang="zh-CN" sz="1800" b="0" i="0" u="none" strike="noStrike" cap="none" normalizeH="0" baseline="0" dirty="0">
+                <a:ln>
+                  <a:noFill/>
+                </a:ln>
+                <a:solidFill>
+                  <a:srgbClr val="000000"/>
+                </a:solidFill>
+                <a:effectLst/>
+                <a:latin typeface="Consolas" panose="020B0609020204030204" pitchFamily="49" charset="0"/>
+              </a:rPr>
+            </a:br>
+            <a:r>
+              <a:rPr kumimoji="0" lang="zh-CN" altLang="zh-CN" sz="1800" b="0" i="0" u="none" strike="noStrike" cap="none" normalizeH="0" baseline="0" dirty="0">
+                <a:ln>
+                  <a:noFill/>
+                </a:ln>
+                <a:solidFill>
+                  <a:srgbClr val="000000"/>
+                </a:solidFill>
+                <a:effectLst/>
+                <a:latin typeface="Consolas" panose="020B0609020204030204" pitchFamily="49" charset="0"/>
+              </a:rPr>
+              <a:t>    </a:t>
+            </a:r>
+            <a:r>
+              <a:rPr kumimoji="0" lang="zh-CN" altLang="zh-CN" sz="1800" b="0" i="1" u="none" strike="noStrike" cap="none" normalizeH="0" baseline="0" dirty="0">
+                <a:ln>
+                  <a:noFill/>
+                </a:ln>
+                <a:solidFill>
+                  <a:srgbClr val="808080"/>
+                </a:solidFill>
+                <a:effectLst/>
+                <a:latin typeface="Consolas" panose="020B0609020204030204" pitchFamily="49" charset="0"/>
+              </a:rPr>
+              <a:t>// check all occurance</a:t>
+            </a:r>
+            <a:br>
+              <a:rPr kumimoji="0" lang="zh-CN" altLang="zh-CN" sz="1800" b="0" i="1" u="none" strike="noStrike" cap="none" normalizeH="0" baseline="0" dirty="0">
+                <a:ln>
+                  <a:noFill/>
+                </a:ln>
+                <a:solidFill>
+                  <a:srgbClr val="808080"/>
+                </a:solidFill>
+                <a:effectLst/>
+                <a:latin typeface="Consolas" panose="020B0609020204030204" pitchFamily="49" charset="0"/>
+              </a:rPr>
+            </a:br>
+            <a:r>
+              <a:rPr kumimoji="0" lang="zh-CN" altLang="zh-CN" sz="1800" b="0" i="1" u="none" strike="noStrike" cap="none" normalizeH="0" baseline="0" dirty="0">
+                <a:ln>
+                  <a:noFill/>
+                </a:ln>
+                <a:solidFill>
+                  <a:srgbClr val="808080"/>
+                </a:solidFill>
+                <a:effectLst/>
+                <a:latin typeface="Consolas" panose="020B0609020204030204" pitchFamily="49" charset="0"/>
+              </a:rPr>
+              <a:t>    </a:t>
+            </a:r>
+            <a:r>
+              <a:rPr kumimoji="0" lang="zh-CN" altLang="zh-CN" sz="1800" b="1" i="0" u="none" strike="noStrike" cap="none" normalizeH="0" baseline="0" dirty="0">
+                <a:ln>
+                  <a:noFill/>
+                </a:ln>
+                <a:solidFill>
+                  <a:srgbClr val="000080"/>
+                </a:solidFill>
+                <a:effectLst/>
+                <a:latin typeface="Consolas" panose="020B0609020204030204" pitchFamily="49" charset="0"/>
+              </a:rPr>
+              <a:t>while </a:t>
+            </a:r>
+            <a:r>
+              <a:rPr kumimoji="0" lang="zh-CN" altLang="zh-CN" sz="1800" b="0" i="0" u="none" strike="noStrike" cap="none" normalizeH="0" baseline="0" dirty="0">
+                <a:ln>
+                  <a:noFill/>
+                </a:ln>
+                <a:solidFill>
+                  <a:srgbClr val="000000"/>
+                </a:solidFill>
+                <a:effectLst/>
+                <a:latin typeface="Consolas" panose="020B0609020204030204" pitchFamily="49" charset="0"/>
+              </a:rPr>
+              <a:t>(matcher.find()) {</a:t>
+            </a:r>
+            <a:br>
+              <a:rPr kumimoji="0" lang="zh-CN" altLang="zh-CN" sz="1800" b="0" i="0" u="none" strike="noStrike" cap="none" normalizeH="0" baseline="0" dirty="0">
+                <a:ln>
+                  <a:noFill/>
+                </a:ln>
+                <a:solidFill>
+                  <a:srgbClr val="000000"/>
+                </a:solidFill>
+                <a:effectLst/>
+                <a:latin typeface="Consolas" panose="020B0609020204030204" pitchFamily="49" charset="0"/>
+              </a:rPr>
+            </a:br>
+            <a:r>
+              <a:rPr kumimoji="0" lang="zh-CN" altLang="zh-CN" sz="1800" b="0" i="0" u="none" strike="noStrike" cap="none" normalizeH="0" baseline="0" dirty="0">
+                <a:ln>
+                  <a:noFill/>
+                </a:ln>
+                <a:solidFill>
+                  <a:srgbClr val="000000"/>
+                </a:solidFill>
+                <a:effectLst/>
+                <a:latin typeface="Consolas" panose="020B0609020204030204" pitchFamily="49" charset="0"/>
+              </a:rPr>
+              <a:t>        System.</a:t>
+            </a:r>
+            <a:r>
+              <a:rPr kumimoji="0" lang="zh-CN" altLang="zh-CN" sz="1800" b="1" i="1" u="none" strike="noStrike" cap="none" normalizeH="0" baseline="0" dirty="0">
+                <a:ln>
+                  <a:noFill/>
+                </a:ln>
+                <a:solidFill>
+                  <a:srgbClr val="660E7A"/>
+                </a:solidFill>
+                <a:effectLst/>
+                <a:latin typeface="Consolas" panose="020B0609020204030204" pitchFamily="49" charset="0"/>
+              </a:rPr>
+              <a:t>out</a:t>
+            </a:r>
+            <a:r>
+              <a:rPr kumimoji="0" lang="zh-CN" altLang="zh-CN" sz="1800" b="0" i="0" u="none" strike="noStrike" cap="none" normalizeH="0" baseline="0" dirty="0">
+                <a:ln>
+                  <a:noFill/>
+                </a:ln>
+                <a:solidFill>
+                  <a:srgbClr val="000000"/>
+                </a:solidFill>
+                <a:effectLst/>
+                <a:latin typeface="Consolas" panose="020B0609020204030204" pitchFamily="49" charset="0"/>
+              </a:rPr>
+              <a:t>.print(</a:t>
+            </a:r>
+            <a:r>
+              <a:rPr kumimoji="0" lang="zh-CN" altLang="zh-CN" sz="1800" b="1" i="0" u="none" strike="noStrike" cap="none" normalizeH="0" baseline="0" dirty="0">
+                <a:ln>
+                  <a:noFill/>
+                </a:ln>
+                <a:solidFill>
+                  <a:srgbClr val="008000"/>
+                </a:solidFill>
+                <a:effectLst/>
+                <a:latin typeface="Consolas" panose="020B0609020204030204" pitchFamily="49" charset="0"/>
+              </a:rPr>
+              <a:t>"Start index: " </a:t>
+            </a:r>
+            <a:r>
+              <a:rPr kumimoji="0" lang="zh-CN" altLang="zh-CN" sz="1800" b="0" i="0" u="none" strike="noStrike" cap="none" normalizeH="0" baseline="0" dirty="0">
+                <a:ln>
+                  <a:noFill/>
+                </a:ln>
+                <a:solidFill>
+                  <a:srgbClr val="000000"/>
+                </a:solidFill>
+                <a:effectLst/>
+                <a:latin typeface="Consolas" panose="020B0609020204030204" pitchFamily="49" charset="0"/>
+              </a:rPr>
+              <a:t>+ matcher.start());</a:t>
+            </a:r>
+            <a:br>
+              <a:rPr kumimoji="0" lang="zh-CN" altLang="zh-CN" sz="1800" b="0" i="0" u="none" strike="noStrike" cap="none" normalizeH="0" baseline="0" dirty="0">
+                <a:ln>
+                  <a:noFill/>
+                </a:ln>
+                <a:solidFill>
+                  <a:srgbClr val="000000"/>
+                </a:solidFill>
+                <a:effectLst/>
+                <a:latin typeface="Consolas" panose="020B0609020204030204" pitchFamily="49" charset="0"/>
+              </a:rPr>
+            </a:br>
+            <a:r>
+              <a:rPr kumimoji="0" lang="zh-CN" altLang="zh-CN" sz="1800" b="0" i="0" u="none" strike="noStrike" cap="none" normalizeH="0" baseline="0" dirty="0">
+                <a:ln>
+                  <a:noFill/>
+                </a:ln>
+                <a:solidFill>
+                  <a:srgbClr val="000000"/>
+                </a:solidFill>
+                <a:effectLst/>
+                <a:latin typeface="Consolas" panose="020B0609020204030204" pitchFamily="49" charset="0"/>
+              </a:rPr>
+              <a:t>        System.</a:t>
+            </a:r>
+            <a:r>
+              <a:rPr kumimoji="0" lang="zh-CN" altLang="zh-CN" sz="1800" b="1" i="1" u="none" strike="noStrike" cap="none" normalizeH="0" baseline="0" dirty="0">
+                <a:ln>
+                  <a:noFill/>
+                </a:ln>
+                <a:solidFill>
+                  <a:srgbClr val="660E7A"/>
+                </a:solidFill>
+                <a:effectLst/>
+                <a:latin typeface="Consolas" panose="020B0609020204030204" pitchFamily="49" charset="0"/>
+              </a:rPr>
+              <a:t>out</a:t>
+            </a:r>
+            <a:r>
+              <a:rPr kumimoji="0" lang="zh-CN" altLang="zh-CN" sz="1800" b="0" i="0" u="none" strike="noStrike" cap="none" normalizeH="0" baseline="0" dirty="0">
+                <a:ln>
+                  <a:noFill/>
+                </a:ln>
+                <a:solidFill>
+                  <a:srgbClr val="000000"/>
+                </a:solidFill>
+                <a:effectLst/>
+                <a:latin typeface="Consolas" panose="020B0609020204030204" pitchFamily="49" charset="0"/>
+              </a:rPr>
+              <a:t>.print(</a:t>
+            </a:r>
+            <a:r>
+              <a:rPr kumimoji="0" lang="zh-CN" altLang="zh-CN" sz="1800" b="1" i="0" u="none" strike="noStrike" cap="none" normalizeH="0" baseline="0" dirty="0">
+                <a:ln>
+                  <a:noFill/>
+                </a:ln>
+                <a:solidFill>
+                  <a:srgbClr val="008000"/>
+                </a:solidFill>
+                <a:effectLst/>
+                <a:latin typeface="Consolas" panose="020B0609020204030204" pitchFamily="49" charset="0"/>
+              </a:rPr>
+              <a:t>" End index: " </a:t>
+            </a:r>
+            <a:r>
+              <a:rPr kumimoji="0" lang="zh-CN" altLang="zh-CN" sz="1800" b="0" i="0" u="none" strike="noStrike" cap="none" normalizeH="0" baseline="0" dirty="0">
+                <a:ln>
+                  <a:noFill/>
+                </a:ln>
+                <a:solidFill>
+                  <a:srgbClr val="000000"/>
+                </a:solidFill>
+                <a:effectLst/>
+                <a:latin typeface="Consolas" panose="020B0609020204030204" pitchFamily="49" charset="0"/>
+              </a:rPr>
+              <a:t>+ matcher.end() + </a:t>
+            </a:r>
+            <a:r>
+              <a:rPr kumimoji="0" lang="zh-CN" altLang="zh-CN" sz="1800" b="1" i="0" u="none" strike="noStrike" cap="none" normalizeH="0" baseline="0" dirty="0">
+                <a:ln>
+                  <a:noFill/>
+                </a:ln>
+                <a:solidFill>
+                  <a:srgbClr val="008000"/>
+                </a:solidFill>
+                <a:effectLst/>
+                <a:latin typeface="Consolas" panose="020B0609020204030204" pitchFamily="49" charset="0"/>
+              </a:rPr>
+              <a:t>" "</a:t>
+            </a:r>
+            <a:r>
+              <a:rPr kumimoji="0" lang="zh-CN" altLang="zh-CN" sz="1800" b="0" i="0" u="none" strike="noStrike" cap="none" normalizeH="0" baseline="0" dirty="0">
+                <a:ln>
+                  <a:noFill/>
+                </a:ln>
+                <a:solidFill>
+                  <a:srgbClr val="000000"/>
+                </a:solidFill>
+                <a:effectLst/>
+                <a:latin typeface="Consolas" panose="020B0609020204030204" pitchFamily="49" charset="0"/>
+              </a:rPr>
+              <a:t>);</a:t>
+            </a:r>
+            <a:br>
+              <a:rPr kumimoji="0" lang="zh-CN" altLang="zh-CN" sz="1800" b="0" i="0" u="none" strike="noStrike" cap="none" normalizeH="0" baseline="0" dirty="0">
+                <a:ln>
+                  <a:noFill/>
+                </a:ln>
+                <a:solidFill>
+                  <a:srgbClr val="000000"/>
+                </a:solidFill>
+                <a:effectLst/>
+                <a:latin typeface="Consolas" panose="020B0609020204030204" pitchFamily="49" charset="0"/>
+              </a:rPr>
+            </a:br>
+            <a:r>
+              <a:rPr kumimoji="0" lang="zh-CN" altLang="zh-CN" sz="1800" b="0" i="0" u="none" strike="noStrike" cap="none" normalizeH="0" baseline="0" dirty="0">
+                <a:ln>
+                  <a:noFill/>
+                </a:ln>
+                <a:solidFill>
+                  <a:srgbClr val="000000"/>
+                </a:solidFill>
+                <a:effectLst/>
+                <a:latin typeface="Consolas" panose="020B0609020204030204" pitchFamily="49" charset="0"/>
+              </a:rPr>
+              <a:t>        System.</a:t>
+            </a:r>
+            <a:r>
+              <a:rPr kumimoji="0" lang="zh-CN" altLang="zh-CN" sz="1800" b="1" i="1" u="none" strike="noStrike" cap="none" normalizeH="0" baseline="0" dirty="0">
+                <a:ln>
+                  <a:noFill/>
+                </a:ln>
+                <a:solidFill>
+                  <a:srgbClr val="660E7A"/>
+                </a:solidFill>
+                <a:effectLst/>
+                <a:latin typeface="Consolas" panose="020B0609020204030204" pitchFamily="49" charset="0"/>
+              </a:rPr>
+              <a:t>out</a:t>
+            </a:r>
+            <a:r>
+              <a:rPr kumimoji="0" lang="zh-CN" altLang="zh-CN" sz="1800" b="0" i="0" u="none" strike="noStrike" cap="none" normalizeH="0" baseline="0" dirty="0">
+                <a:ln>
+                  <a:noFill/>
+                </a:ln>
+                <a:solidFill>
+                  <a:srgbClr val="000000"/>
+                </a:solidFill>
+                <a:effectLst/>
+                <a:latin typeface="Consolas" panose="020B0609020204030204" pitchFamily="49" charset="0"/>
+              </a:rPr>
+              <a:t>.println(matcher.group());</a:t>
+            </a:r>
+            <a:br>
+              <a:rPr kumimoji="0" lang="zh-CN" altLang="zh-CN" sz="1800" b="0" i="0" u="none" strike="noStrike" cap="none" normalizeH="0" baseline="0" dirty="0">
+                <a:ln>
+                  <a:noFill/>
+                </a:ln>
+                <a:solidFill>
+                  <a:srgbClr val="000000"/>
+                </a:solidFill>
+                <a:effectLst/>
+                <a:latin typeface="Consolas" panose="020B0609020204030204" pitchFamily="49" charset="0"/>
+              </a:rPr>
+            </a:br>
+            <a:r>
+              <a:rPr kumimoji="0" lang="zh-CN" altLang="zh-CN" sz="1800" b="0" i="0" u="none" strike="noStrike" cap="none" normalizeH="0" baseline="0" dirty="0">
+                <a:ln>
+                  <a:noFill/>
+                </a:ln>
+                <a:solidFill>
+                  <a:srgbClr val="000000"/>
+                </a:solidFill>
+                <a:effectLst/>
+                <a:latin typeface="Consolas" panose="020B0609020204030204" pitchFamily="49" charset="0"/>
+              </a:rPr>
+              <a:t>    }</a:t>
+            </a:r>
+            <a:br>
+              <a:rPr kumimoji="0" lang="zh-CN" altLang="zh-CN" sz="1800" b="0" i="0" u="none" strike="noStrike" cap="none" normalizeH="0" baseline="0" dirty="0">
+                <a:ln>
+                  <a:noFill/>
+                </a:ln>
+                <a:solidFill>
+                  <a:srgbClr val="000000"/>
+                </a:solidFill>
+                <a:effectLst/>
+                <a:latin typeface="Consolas" panose="020B0609020204030204" pitchFamily="49" charset="0"/>
+              </a:rPr>
+            </a:br>
+            <a:r>
+              <a:rPr kumimoji="0" lang="zh-CN" altLang="zh-CN" sz="1800" b="0" i="0" u="none" strike="noStrike" cap="none" normalizeH="0" baseline="0" dirty="0">
+                <a:ln>
+                  <a:noFill/>
+                </a:ln>
+                <a:solidFill>
+                  <a:srgbClr val="000000"/>
+                </a:solidFill>
+                <a:effectLst/>
+                <a:latin typeface="Consolas" panose="020B0609020204030204" pitchFamily="49" charset="0"/>
+              </a:rPr>
+              <a:t>    </a:t>
+            </a:r>
+            <a:r>
+              <a:rPr kumimoji="0" lang="zh-CN" altLang="zh-CN" sz="1800" b="0" i="1" u="none" strike="noStrike" cap="none" normalizeH="0" baseline="0" dirty="0">
+                <a:ln>
+                  <a:noFill/>
+                </a:ln>
+                <a:solidFill>
+                  <a:srgbClr val="808080"/>
+                </a:solidFill>
+                <a:effectLst/>
+                <a:latin typeface="Consolas" panose="020B0609020204030204" pitchFamily="49" charset="0"/>
+              </a:rPr>
+              <a:t>// now create a new pattern and matcher to replace whitespace with tabs</a:t>
+            </a:r>
+            <a:br>
+              <a:rPr kumimoji="0" lang="zh-CN" altLang="zh-CN" sz="1800" b="0" i="1" u="none" strike="noStrike" cap="none" normalizeH="0" baseline="0" dirty="0">
+                <a:ln>
+                  <a:noFill/>
+                </a:ln>
+                <a:solidFill>
+                  <a:srgbClr val="808080"/>
+                </a:solidFill>
+                <a:effectLst/>
+                <a:latin typeface="Consolas" panose="020B0609020204030204" pitchFamily="49" charset="0"/>
+              </a:rPr>
+            </a:br>
+            <a:r>
+              <a:rPr kumimoji="0" lang="zh-CN" altLang="zh-CN" sz="1800" b="0" i="1" u="none" strike="noStrike" cap="none" normalizeH="0" baseline="0" dirty="0">
+                <a:ln>
+                  <a:noFill/>
+                </a:ln>
+                <a:solidFill>
+                  <a:srgbClr val="808080"/>
+                </a:solidFill>
+                <a:effectLst/>
+                <a:latin typeface="Consolas" panose="020B0609020204030204" pitchFamily="49" charset="0"/>
+              </a:rPr>
+              <a:t>    </a:t>
+            </a:r>
+            <a:r>
+              <a:rPr kumimoji="0" lang="zh-CN" altLang="zh-CN" sz="1800" b="0" i="0" u="none" strike="noStrike" cap="none" normalizeH="0" baseline="0" dirty="0">
+                <a:ln>
+                  <a:noFill/>
+                </a:ln>
+                <a:solidFill>
+                  <a:srgbClr val="000000"/>
+                </a:solidFill>
+                <a:effectLst/>
+                <a:latin typeface="Consolas" panose="020B0609020204030204" pitchFamily="49" charset="0"/>
+              </a:rPr>
+              <a:t>Pattern replace = Pattern.</a:t>
+            </a:r>
+            <a:r>
+              <a:rPr kumimoji="0" lang="zh-CN" altLang="zh-CN" sz="1800" b="0" i="1" u="none" strike="noStrike" cap="none" normalizeH="0" baseline="0" dirty="0">
+                <a:ln>
+                  <a:noFill/>
+                </a:ln>
+                <a:solidFill>
+                  <a:srgbClr val="000000"/>
+                </a:solidFill>
+                <a:effectLst/>
+                <a:latin typeface="Consolas" panose="020B0609020204030204" pitchFamily="49" charset="0"/>
+              </a:rPr>
+              <a:t>compile</a:t>
+            </a:r>
+            <a:r>
+              <a:rPr kumimoji="0" lang="zh-CN" altLang="zh-CN" sz="1800" b="0" i="0" u="none" strike="noStrike" cap="none" normalizeH="0" baseline="0" dirty="0">
+                <a:ln>
+                  <a:noFill/>
+                </a:ln>
+                <a:solidFill>
+                  <a:srgbClr val="000000"/>
+                </a:solidFill>
+                <a:effectLst/>
+                <a:latin typeface="Consolas" panose="020B0609020204030204" pitchFamily="49" charset="0"/>
+              </a:rPr>
+              <a:t>(</a:t>
+            </a:r>
+            <a:r>
+              <a:rPr kumimoji="0" lang="zh-CN" altLang="zh-CN" sz="1800" b="1" i="0" u="none" strike="noStrike" cap="none" normalizeH="0" baseline="0" dirty="0">
+                <a:ln>
+                  <a:noFill/>
+                </a:ln>
+                <a:solidFill>
+                  <a:srgbClr val="008000"/>
+                </a:solidFill>
+                <a:effectLst/>
+                <a:latin typeface="Consolas" panose="020B0609020204030204" pitchFamily="49" charset="0"/>
+              </a:rPr>
+              <a:t>"</a:t>
+            </a:r>
+            <a:r>
+              <a:rPr kumimoji="0" lang="zh-CN" altLang="zh-CN" sz="1800" b="1" i="0" u="none" strike="noStrike" cap="none" normalizeH="0" baseline="0" dirty="0">
+                <a:ln>
+                  <a:noFill/>
+                </a:ln>
+                <a:solidFill>
+                  <a:srgbClr val="000080"/>
+                </a:solidFill>
+                <a:effectLst/>
+                <a:latin typeface="Consolas" panose="020B0609020204030204" pitchFamily="49" charset="0"/>
+              </a:rPr>
+              <a:t>\\</a:t>
+            </a:r>
+            <a:r>
+              <a:rPr kumimoji="0" lang="zh-CN" altLang="zh-CN" sz="1800" b="1" i="0" u="none" strike="noStrike" cap="none" normalizeH="0" baseline="0" dirty="0">
+                <a:ln>
+                  <a:noFill/>
+                </a:ln>
+                <a:solidFill>
+                  <a:srgbClr val="008000"/>
+                </a:solidFill>
+                <a:effectLst/>
+                <a:latin typeface="Consolas" panose="020B0609020204030204" pitchFamily="49" charset="0"/>
+              </a:rPr>
+              <a:t>s+"</a:t>
+            </a:r>
+            <a:r>
+              <a:rPr kumimoji="0" lang="zh-CN" altLang="zh-CN" sz="1800" b="0" i="0" u="none" strike="noStrike" cap="none" normalizeH="0" baseline="0" dirty="0">
+                <a:ln>
+                  <a:noFill/>
+                </a:ln>
+                <a:solidFill>
+                  <a:srgbClr val="000000"/>
+                </a:solidFill>
+                <a:effectLst/>
+                <a:latin typeface="Consolas" panose="020B0609020204030204" pitchFamily="49" charset="0"/>
+              </a:rPr>
+              <a:t>);</a:t>
+            </a:r>
+            <a:br>
+              <a:rPr kumimoji="0" lang="zh-CN" altLang="zh-CN" sz="1800" b="0" i="0" u="none" strike="noStrike" cap="none" normalizeH="0" baseline="0" dirty="0">
+                <a:ln>
+                  <a:noFill/>
+                </a:ln>
+                <a:solidFill>
+                  <a:srgbClr val="000000"/>
+                </a:solidFill>
+                <a:effectLst/>
+                <a:latin typeface="Consolas" panose="020B0609020204030204" pitchFamily="49" charset="0"/>
+              </a:rPr>
+            </a:br>
+            <a:r>
+              <a:rPr kumimoji="0" lang="zh-CN" altLang="zh-CN" sz="1800" b="0" i="0" u="none" strike="noStrike" cap="none" normalizeH="0" baseline="0" dirty="0">
+                <a:ln>
+                  <a:noFill/>
+                </a:ln>
+                <a:solidFill>
+                  <a:srgbClr val="000000"/>
+                </a:solidFill>
+                <a:effectLst/>
+                <a:latin typeface="Consolas" panose="020B0609020204030204" pitchFamily="49" charset="0"/>
+              </a:rPr>
+              <a:t>    Matcher matcher2 = replace.matcher(</a:t>
+            </a:r>
+            <a:r>
+              <a:rPr kumimoji="0" lang="zh-CN" altLang="zh-CN" sz="1800" b="1" i="1" u="none" strike="noStrike" cap="none" normalizeH="0" baseline="0" dirty="0">
+                <a:ln>
+                  <a:noFill/>
+                </a:ln>
+                <a:solidFill>
+                  <a:srgbClr val="660E7A"/>
+                </a:solidFill>
+                <a:effectLst/>
+                <a:latin typeface="Consolas" panose="020B0609020204030204" pitchFamily="49" charset="0"/>
+              </a:rPr>
+              <a:t>EXAMPLE_TEST</a:t>
+            </a:r>
+            <a:r>
+              <a:rPr kumimoji="0" lang="zh-CN" altLang="zh-CN" sz="1800" b="0" i="0" u="none" strike="noStrike" cap="none" normalizeH="0" baseline="0" dirty="0">
+                <a:ln>
+                  <a:noFill/>
+                </a:ln>
+                <a:solidFill>
+                  <a:srgbClr val="000000"/>
+                </a:solidFill>
+                <a:effectLst/>
+                <a:latin typeface="Consolas" panose="020B0609020204030204" pitchFamily="49" charset="0"/>
+              </a:rPr>
+              <a:t>);</a:t>
+            </a:r>
+            <a:br>
+              <a:rPr kumimoji="0" lang="zh-CN" altLang="zh-CN" sz="1800" b="0" i="0" u="none" strike="noStrike" cap="none" normalizeH="0" baseline="0" dirty="0">
+                <a:ln>
+                  <a:noFill/>
+                </a:ln>
+                <a:solidFill>
+                  <a:srgbClr val="000000"/>
+                </a:solidFill>
+                <a:effectLst/>
+                <a:latin typeface="Consolas" panose="020B0609020204030204" pitchFamily="49" charset="0"/>
+              </a:rPr>
+            </a:br>
+            <a:r>
+              <a:rPr kumimoji="0" lang="zh-CN" altLang="zh-CN" sz="1800" b="0" i="0" u="none" strike="noStrike" cap="none" normalizeH="0" baseline="0" dirty="0">
+                <a:ln>
+                  <a:noFill/>
+                </a:ln>
+                <a:solidFill>
+                  <a:srgbClr val="000000"/>
+                </a:solidFill>
+                <a:effectLst/>
+                <a:latin typeface="Consolas" panose="020B0609020204030204" pitchFamily="49" charset="0"/>
+              </a:rPr>
+              <a:t>    System.</a:t>
+            </a:r>
+            <a:r>
+              <a:rPr kumimoji="0" lang="zh-CN" altLang="zh-CN" sz="1800" b="1" i="1" u="none" strike="noStrike" cap="none" normalizeH="0" baseline="0" dirty="0">
+                <a:ln>
+                  <a:noFill/>
+                </a:ln>
+                <a:solidFill>
+                  <a:srgbClr val="660E7A"/>
+                </a:solidFill>
+                <a:effectLst/>
+                <a:latin typeface="Consolas" panose="020B0609020204030204" pitchFamily="49" charset="0"/>
+              </a:rPr>
+              <a:t>out</a:t>
+            </a:r>
+            <a:r>
+              <a:rPr kumimoji="0" lang="zh-CN" altLang="zh-CN" sz="1800" b="0" i="0" u="none" strike="noStrike" cap="none" normalizeH="0" baseline="0" dirty="0">
+                <a:ln>
+                  <a:noFill/>
+                </a:ln>
+                <a:solidFill>
+                  <a:srgbClr val="000000"/>
+                </a:solidFill>
+                <a:effectLst/>
+                <a:latin typeface="Consolas" panose="020B0609020204030204" pitchFamily="49" charset="0"/>
+              </a:rPr>
+              <a:t>.println(matcher2.replaceAll(</a:t>
+            </a:r>
+            <a:r>
+              <a:rPr kumimoji="0" lang="zh-CN" altLang="zh-CN" sz="1800" b="1" i="0" u="none" strike="noStrike" cap="none" normalizeH="0" baseline="0" dirty="0">
+                <a:ln>
+                  <a:noFill/>
+                </a:ln>
+                <a:solidFill>
+                  <a:srgbClr val="008000"/>
+                </a:solidFill>
+                <a:effectLst/>
+                <a:latin typeface="Consolas" panose="020B0609020204030204" pitchFamily="49" charset="0"/>
+              </a:rPr>
+              <a:t>"</a:t>
+            </a:r>
+            <a:r>
+              <a:rPr kumimoji="0" lang="zh-CN" altLang="zh-CN" sz="1800" b="1" i="0" u="none" strike="noStrike" cap="none" normalizeH="0" baseline="0" dirty="0">
+                <a:ln>
+                  <a:noFill/>
+                </a:ln>
+                <a:solidFill>
+                  <a:srgbClr val="000080"/>
+                </a:solidFill>
+                <a:effectLst/>
+                <a:latin typeface="Consolas" panose="020B0609020204030204" pitchFamily="49" charset="0"/>
+              </a:rPr>
+              <a:t>\t</a:t>
+            </a:r>
+            <a:r>
+              <a:rPr kumimoji="0" lang="zh-CN" altLang="zh-CN" sz="1800" b="1" i="0" u="none" strike="noStrike" cap="none" normalizeH="0" baseline="0" dirty="0">
+                <a:ln>
+                  <a:noFill/>
+                </a:ln>
+                <a:solidFill>
+                  <a:srgbClr val="008000"/>
+                </a:solidFill>
+                <a:effectLst/>
+                <a:latin typeface="Consolas" panose="020B0609020204030204" pitchFamily="49" charset="0"/>
+              </a:rPr>
+              <a:t>"</a:t>
+            </a:r>
+            <a:r>
+              <a:rPr kumimoji="0" lang="zh-CN" altLang="zh-CN" sz="1800" b="0" i="0" u="none" strike="noStrike" cap="none" normalizeH="0" baseline="0" dirty="0">
+                <a:ln>
+                  <a:noFill/>
+                </a:ln>
+                <a:solidFill>
+                  <a:srgbClr val="000000"/>
+                </a:solidFill>
+                <a:effectLst/>
+                <a:latin typeface="Consolas" panose="020B0609020204030204" pitchFamily="49" charset="0"/>
+              </a:rPr>
+              <a:t>));</a:t>
+            </a:r>
+            <a:br>
+              <a:rPr kumimoji="0" lang="zh-CN" altLang="zh-CN" sz="1800" b="0" i="0" u="none" strike="noStrike" cap="none" normalizeH="0" baseline="0" dirty="0">
+                <a:ln>
+                  <a:noFill/>
+                </a:ln>
+                <a:solidFill>
+                  <a:srgbClr val="000000"/>
+                </a:solidFill>
+                <a:effectLst/>
+                <a:latin typeface="Consolas" panose="020B0609020204030204" pitchFamily="49" charset="0"/>
+              </a:rPr>
+            </a:br>
+            <a:r>
+              <a:rPr kumimoji="0" lang="zh-CN" altLang="zh-CN" sz="1800" b="0" i="0" u="none" strike="noStrike" cap="none" normalizeH="0" baseline="0" dirty="0">
+                <a:ln>
+                  <a:noFill/>
+                </a:ln>
+                <a:solidFill>
+                  <a:srgbClr val="000000"/>
+                </a:solidFill>
+                <a:effectLst/>
+                <a:latin typeface="Consolas" panose="020B0609020204030204" pitchFamily="49" charset="0"/>
+              </a:rPr>
+              <a:t>}</a:t>
+            </a:r>
+            <a:endParaRPr kumimoji="0" lang="zh-CN" altLang="zh-CN" sz="1800" b="0" i="0" u="none" strike="noStrike" cap="none" normalizeH="0" baseline="0" dirty="0">
+              <a:ln>
+                <a:noFill/>
+              </a:ln>
+              <a:solidFill>
+                <a:schemeClr val="tx1"/>
+              </a:solidFill>
+              <a:effectLst/>
+              <a:latin typeface="Arial" panose="020B0604020202020204" pitchFamily="34" charset="0"/>
+            </a:endParaRPr>
+          </a:p>
+        </p:txBody>
+      </p:sp>
+    </p:spTree>
+    <p:extLst>
+      <p:ext uri="{BB962C8B-B14F-4D97-AF65-F5344CB8AC3E}">
+        <p14:creationId xmlns:p14="http://schemas.microsoft.com/office/powerpoint/2010/main" val="635110374"/>
+      </p:ext>
+    </p:extLst>
+  </p:cSld>
+  <p:clrMapOvr>
+    <a:masterClrMapping/>
+  </p:clrMapOvr>
+</p:sld>
+</file>
+
+<file path=ppt/slides/slide48.xml><?xml version="1.0" encoding="utf-8"?>
+<p:sld xmlns:a="http://schemas.openxmlformats.org/drawingml/2006/main" xmlns:r="http://schemas.openxmlformats.org/officeDocument/2006/relationships" xmlns:p="http://schemas.openxmlformats.org/presentationml/2006/main">
+  <p:cSld>
+    <p:spTree>
+      <p:nvGrpSpPr>
+        <p:cNvPr id="1" name=""/>
+        <p:cNvGrpSpPr/>
+        <p:nvPr/>
+      </p:nvGrpSpPr>
+      <p:grpSpPr>
+        <a:xfrm>
+          <a:off x="0" y="0"/>
+          <a:ext cx="0" cy="0"/>
+          <a:chOff x="0" y="0"/>
+          <a:chExt cx="0" cy="0"/>
+        </a:xfrm>
+      </p:grpSpPr>
+      <p:sp>
+        <p:nvSpPr>
+          <p:cNvPr id="2" name="标题 1">
+            <a:extLst>
+              <a:ext uri="{FF2B5EF4-FFF2-40B4-BE49-F238E27FC236}">
+                <a16:creationId xmlns:a16="http://schemas.microsoft.com/office/drawing/2014/main" id="{B4870656-BBA2-4EB7-A920-E75379C5F455}"/>
+              </a:ext>
+            </a:extLst>
+          </p:cNvPr>
+          <p:cNvSpPr>
+            <a:spLocks noGrp="1"/>
+          </p:cNvSpPr>
+          <p:nvPr>
+            <p:ph type="title"/>
+          </p:nvPr>
+        </p:nvSpPr>
+        <p:spPr/>
+        <p:txBody>
+          <a:bodyPr/>
+          <a:lstStyle/>
+          <a:p>
+            <a:r>
+              <a:rPr lang="en-US" altLang="zh-CN" dirty="0"/>
+              <a:t>More examples</a:t>
+            </a:r>
+            <a:endParaRPr lang="zh-CN" altLang="en-US" dirty="0"/>
+          </a:p>
+        </p:txBody>
+      </p:sp>
+      <p:sp>
+        <p:nvSpPr>
+          <p:cNvPr id="3" name="内容占位符 2">
+            <a:extLst>
+              <a:ext uri="{FF2B5EF4-FFF2-40B4-BE49-F238E27FC236}">
+                <a16:creationId xmlns:a16="http://schemas.microsoft.com/office/drawing/2014/main" id="{6295A302-FF3E-4157-94D9-845E30B4439B}"/>
+              </a:ext>
+            </a:extLst>
+          </p:cNvPr>
+          <p:cNvSpPr>
+            <a:spLocks noGrp="1"/>
+          </p:cNvSpPr>
+          <p:nvPr>
+            <p:ph idx="1"/>
+          </p:nvPr>
+        </p:nvSpPr>
+        <p:spPr/>
+        <p:txBody>
+          <a:bodyPr>
+            <a:normAutofit fontScale="92500" lnSpcReduction="20000"/>
+          </a:bodyPr>
+          <a:lstStyle/>
+          <a:p>
+            <a:r>
+              <a:rPr lang="en-US" altLang="zh-CN" dirty="0"/>
+              <a:t>Finding duplicated words</a:t>
+            </a:r>
+          </a:p>
+          <a:p>
+            <a:pPr lvl="1"/>
+            <a:r>
+              <a:rPr lang="en-US" altLang="zh-CN" dirty="0"/>
+              <a:t>One text and  two text </a:t>
+            </a:r>
+          </a:p>
+          <a:p>
+            <a:pPr lvl="1"/>
+            <a:r>
+              <a:rPr lang="pl-PL" altLang="zh-CN" dirty="0"/>
+              <a:t>\b(\w+)\s+\1\b</a:t>
+            </a:r>
+            <a:endParaRPr lang="en-US" altLang="zh-CN" dirty="0"/>
+          </a:p>
+          <a:p>
+            <a:pPr lvl="1"/>
+            <a:endParaRPr lang="en-US" altLang="zh-CN" dirty="0"/>
+          </a:p>
+          <a:p>
+            <a:r>
+              <a:rPr lang="en-US" altLang="zh-CN" dirty="0"/>
+              <a:t>Phone number validation</a:t>
+            </a:r>
+          </a:p>
+          <a:p>
+            <a:pPr lvl="1"/>
+            <a:r>
+              <a:rPr lang="en-US" altLang="zh-CN" dirty="0"/>
+              <a:t>1234567890 </a:t>
+            </a:r>
+          </a:p>
+          <a:p>
+            <a:pPr lvl="1"/>
+            <a:r>
+              <a:rPr lang="en-US" altLang="zh-CN" dirty="0"/>
+              <a:t>123-456-7890 </a:t>
+            </a:r>
+          </a:p>
+          <a:p>
+            <a:pPr lvl="1"/>
+            <a:r>
+              <a:rPr lang="en-US" altLang="zh-CN" dirty="0"/>
+              <a:t>123-456-7890</a:t>
+            </a:r>
+          </a:p>
+          <a:p>
+            <a:pPr lvl="1"/>
+            <a:r>
+              <a:rPr lang="en-US" altLang="zh-CN" dirty="0"/>
+              <a:t>123-456-7890</a:t>
+            </a:r>
+          </a:p>
+          <a:p>
+            <a:pPr lvl="1"/>
+            <a:r>
+              <a:rPr lang="en-US" altLang="zh-CN" dirty="0"/>
+              <a:t>(123)-456-7890 </a:t>
+            </a:r>
+          </a:p>
+          <a:p>
+            <a:pPr lvl="1"/>
+            <a:r>
+              <a:rPr lang="en-US" altLang="zh-CN" dirty="0"/>
+              <a:t>123.456.7890 </a:t>
+            </a:r>
+          </a:p>
+          <a:p>
+            <a:pPr lvl="1"/>
+            <a:r>
+              <a:rPr lang="en-US" altLang="zh-CN" dirty="0"/>
+              <a:t>123,456,7890 </a:t>
+            </a:r>
+          </a:p>
+          <a:p>
+            <a:pPr lvl="1"/>
+            <a:r>
+              <a:rPr lang="en-US" altLang="zh-CN" dirty="0"/>
+              <a:t>123 456 7890</a:t>
+            </a:r>
+            <a:endParaRPr lang="zh-CN" altLang="en-US" dirty="0"/>
+          </a:p>
+        </p:txBody>
+      </p:sp>
+    </p:spTree>
+    <p:extLst>
+      <p:ext uri="{BB962C8B-B14F-4D97-AF65-F5344CB8AC3E}">
+        <p14:creationId xmlns:p14="http://schemas.microsoft.com/office/powerpoint/2010/main" val="2112453843"/>
       </p:ext>
     </p:extLst>
   </p:cSld>
@@ -7981,4 +14184,299 @@
     </a:ext>
   </a:extLst>
 </a:theme>
+</file>
+
+<file path=ppt/theme/theme2.xml><?xml version="1.0" encoding="utf-8"?>
+<a:theme xmlns:a="http://schemas.openxmlformats.org/drawingml/2006/main" name="Office 主题​​">
+  <a:themeElements>
+    <a:clrScheme name="Office">
+      <a:dk1>
+        <a:sysClr val="windowText" lastClr="000000"/>
+      </a:dk1>
+      <a:lt1>
+        <a:sysClr val="window" lastClr="FFFFFF"/>
+      </a:lt1>
+      <a:dk2>
+        <a:srgbClr val="44546A"/>
+      </a:dk2>
+      <a:lt2>
+        <a:srgbClr val="E7E6E6"/>
+      </a:lt2>
+      <a:accent1>
+        <a:srgbClr val="4472C4"/>
+      </a:accent1>
+      <a:accent2>
+        <a:srgbClr val="ED7D31"/>
+      </a:accent2>
+      <a:accent3>
+        <a:srgbClr val="A5A5A5"/>
+      </a:accent3>
+      <a:accent4>
+        <a:srgbClr val="FFC000"/>
+      </a:accent4>
+      <a:accent5>
+        <a:srgbClr val="5B9BD5"/>
+      </a:accent5>
+      <a:accent6>
+        <a:srgbClr val="70AD47"/>
+      </a:accent6>
+      <a:hlink>
+        <a:srgbClr val="0563C1"/>
+      </a:hlink>
+      <a:folHlink>
+        <a:srgbClr val="954F72"/>
+      </a:folHlink>
+    </a:clrScheme>
+    <a:fontScheme name="Office">
+      <a:majorFont>
+        <a:latin typeface="等线 Light" panose="020F0302020204030204"/>
+        <a:ea typeface=""/>
+        <a:cs typeface=""/>
+        <a:font script="Jpan" typeface="游ゴシック Light"/>
+        <a:font script="Hang" typeface="맑은 고딕"/>
+        <a:font script="Hans" typeface="等线 Light"/>
+        <a:font script="Hant" typeface="新細明體"/>
+        <a:font script="Arab" typeface="Times New Roman"/>
+        <a:font script="Hebr" typeface="Times New Roman"/>
+        <a:font script="Thai" typeface="Angsana New"/>
+        <a:font script="Ethi" typeface="Nyala"/>
+        <a:font script="Beng" typeface="Vrinda"/>
+        <a:font script="Gujr" typeface="Shruti"/>
+        <a:font script="Khmr" typeface="MoolBoran"/>
+        <a:font script="Knda" typeface="Tunga"/>
+        <a:font script="Guru" typeface="Raavi"/>
+        <a:font script="Cans" typeface="Euphemia"/>
+        <a:font script="Cher" typeface="Plantagenet Cherokee"/>
+        <a:font script="Yiii" typeface="Microsoft Yi Baiti"/>
+        <a:font script="Tibt" typeface="Microsoft Himalaya"/>
+        <a:font script="Thaa" typeface="MV Boli"/>
+        <a:font script="Deva" typeface="Mangal"/>
+        <a:font script="Telu" typeface="Gautami"/>
+        <a:font script="Taml" typeface="Latha"/>
+        <a:font script="Syrc" typeface="Estrangelo Edessa"/>
+        <a:font script="Orya" typeface="Kalinga"/>
+        <a:font script="Mlym" typeface="Kartika"/>
+        <a:font script="Laoo" typeface="DokChampa"/>
+        <a:font script="Sinh" typeface="Iskoola Pota"/>
+        <a:font script="Mong" typeface="Mongolian Baiti"/>
+        <a:font script="Viet" typeface="Times New Roman"/>
+        <a:font script="Uigh" typeface="Microsoft Uighur"/>
+        <a:font script="Geor" typeface="Sylfaen"/>
+        <a:font script="Armn" typeface="Arial"/>
+        <a:font script="Bugi" typeface="Leelawadee UI"/>
+        <a:font script="Bopo" typeface="Microsoft JhengHei"/>
+        <a:font script="Java" typeface="Javanese Text"/>
+        <a:font script="Lisu" typeface="Segoe UI"/>
+        <a:font script="Mymr" typeface="Myanmar Text"/>
+        <a:font script="Nkoo" typeface="Ebrima"/>
+        <a:font script="Olck" typeface="Nirmala UI"/>
+        <a:font script="Osma" typeface="Ebrima"/>
+        <a:font script="Phag" typeface="Phagspa"/>
+        <a:font script="Syrn" typeface="Estrangelo Edessa"/>
+        <a:font script="Syrj" typeface="Estrangelo Edessa"/>
+        <a:font script="Syre" typeface="Estrangelo Edessa"/>
+        <a:font script="Sora" typeface="Nirmala UI"/>
+        <a:font script="Tale" typeface="Microsoft Tai Le"/>
+        <a:font script="Talu" typeface="Microsoft New Tai Lue"/>
+        <a:font script="Tfng" typeface="Ebrima"/>
+      </a:majorFont>
+      <a:minorFont>
+        <a:latin typeface="等线" panose="020F0502020204030204"/>
+        <a:ea typeface=""/>
+        <a:cs typeface=""/>
+        <a:font script="Jpan" typeface="游ゴシック"/>
+        <a:font script="Hang" typeface="맑은 고딕"/>
+        <a:font script="Hans" typeface="等线"/>
+        <a:font script="Hant" typeface="新細明體"/>
+        <a:font script="Arab" typeface="Arial"/>
+        <a:font script="Hebr" typeface="Arial"/>
+        <a:font script="Thai" typeface="Cordia New"/>
+        <a:font script="Ethi" typeface="Nyala"/>
+        <a:font script="Beng" typeface="Vrinda"/>
+        <a:font script="Gujr" typeface="Shruti"/>
+        <a:font script="Khmr" typeface="DaunPenh"/>
+        <a:font script="Knda" typeface="Tunga"/>
+        <a:font script="Guru" typeface="Raavi"/>
+        <a:font script="Cans" typeface="Euphemia"/>
+        <a:font script="Cher" typeface="Plantagenet Cherokee"/>
+        <a:font script="Yiii" typeface="Microsoft Yi Baiti"/>
+        <a:font script="Tibt" typeface="Microsoft Himalaya"/>
+        <a:font script="Thaa" typeface="MV Boli"/>
+        <a:font script="Deva" typeface="Mangal"/>
+        <a:font script="Telu" typeface="Gautami"/>
+        <a:font script="Taml" typeface="Latha"/>
+        <a:font script="Syrc" typeface="Estrangelo Edessa"/>
+        <a:font script="Orya" typeface="Kalinga"/>
+        <a:font script="Mlym" typeface="Kartika"/>
+        <a:font script="Laoo" typeface="DokChampa"/>
+        <a:font script="Sinh" typeface="Iskoola Pota"/>
+        <a:font script="Mong" typeface="Mongolian Baiti"/>
+        <a:font script="Viet" typeface="Arial"/>
+        <a:font script="Uigh" typeface="Microsoft Uighur"/>
+        <a:font script="Geor" typeface="Sylfaen"/>
+        <a:font script="Armn" typeface="Arial"/>
+        <a:font script="Bugi" typeface="Leelawadee UI"/>
+        <a:font script="Bopo" typeface="Microsoft JhengHei"/>
+        <a:font script="Java" typeface="Javanese Text"/>
+        <a:font script="Lisu" typeface="Segoe UI"/>
+        <a:font script="Mymr" typeface="Myanmar Text"/>
+        <a:font script="Nkoo" typeface="Ebrima"/>
+        <a:font script="Olck" typeface="Nirmala UI"/>
+        <a:font script="Osma" typeface="Ebrima"/>
+        <a:font script="Phag" typeface="Phagspa"/>
+        <a:font script="Syrn" typeface="Estrangelo Edessa"/>
+        <a:font script="Syrj" typeface="Estrangelo Edessa"/>
+        <a:font script="Syre" typeface="Estrangelo Edessa"/>
+        <a:font script="Sora" typeface="Nirmala UI"/>
+        <a:font script="Tale" typeface="Microsoft Tai Le"/>
+        <a:font script="Talu" typeface="Microsoft New Tai Lue"/>
+        <a:font script="Tfng" typeface="Ebrima"/>
+      </a:minorFont>
+    </a:fontScheme>
+    <a:fmtScheme name="Office">
+      <a:fillStyleLst>
+        <a:solidFill>
+          <a:schemeClr val="phClr"/>
+        </a:solidFill>
+        <a:gradFill rotWithShape="1">
+          <a:gsLst>
+            <a:gs pos="0">
+              <a:schemeClr val="phClr">
+                <a:lumMod val="110000"/>
+                <a:satMod val="105000"/>
+                <a:tint val="67000"/>
+              </a:schemeClr>
+            </a:gs>
+            <a:gs pos="50000">
+              <a:schemeClr val="phClr">
+                <a:lumMod val="105000"/>
+                <a:satMod val="103000"/>
+                <a:tint val="73000"/>
+              </a:schemeClr>
+            </a:gs>
+            <a:gs pos="100000">
+              <a:schemeClr val="phClr">
+                <a:lumMod val="105000"/>
+                <a:satMod val="109000"/>
+                <a:tint val="81000"/>
+              </a:schemeClr>
+            </a:gs>
+          </a:gsLst>
+          <a:lin ang="5400000" scaled="0"/>
+        </a:gradFill>
+        <a:gradFill rotWithShape="1">
+          <a:gsLst>
+            <a:gs pos="0">
+              <a:schemeClr val="phClr">
+                <a:satMod val="103000"/>
+                <a:lumMod val="102000"/>
+                <a:tint val="94000"/>
+              </a:schemeClr>
+            </a:gs>
+            <a:gs pos="50000">
+              <a:schemeClr val="phClr">
+                <a:satMod val="110000"/>
+                <a:lumMod val="100000"/>
+                <a:shade val="100000"/>
+              </a:schemeClr>
+            </a:gs>
+            <a:gs pos="100000">
+              <a:schemeClr val="phClr">
+                <a:lumMod val="99000"/>
+                <a:satMod val="120000"/>
+                <a:shade val="78000"/>
+              </a:schemeClr>
+            </a:gs>
+          </a:gsLst>
+          <a:lin ang="5400000" scaled="0"/>
+        </a:gradFill>
+      </a:fillStyleLst>
+      <a:lnStyleLst>
+        <a:ln w="6350" cap="flat" cmpd="sng" algn="ctr">
+          <a:solidFill>
+            <a:schemeClr val="phClr"/>
+          </a:solidFill>
+          <a:prstDash val="solid"/>
+          <a:miter lim="800000"/>
+        </a:ln>
+        <a:ln w="12700" cap="flat" cmpd="sng" algn="ctr">
+          <a:solidFill>
+            <a:schemeClr val="phClr"/>
+          </a:solidFill>
+          <a:prstDash val="solid"/>
+          <a:miter lim="800000"/>
+        </a:ln>
+        <a:ln w="19050" cap="flat" cmpd="sng" algn="ctr">
+          <a:solidFill>
+            <a:schemeClr val="phClr"/>
+          </a:solidFill>
+          <a:prstDash val="solid"/>
+          <a:miter lim="800000"/>
+        </a:ln>
+      </a:lnStyleLst>
+      <a:effectStyleLst>
+        <a:effectStyle>
+          <a:effectLst/>
+        </a:effectStyle>
+        <a:effectStyle>
+          <a:effectLst/>
+        </a:effectStyle>
+        <a:effectStyle>
+          <a:effectLst>
+            <a:outerShdw blurRad="57150" dist="19050" dir="5400000" algn="ctr" rotWithShape="0">
+              <a:srgbClr val="000000">
+                <a:alpha val="63000"/>
+              </a:srgbClr>
+            </a:outerShdw>
+          </a:effectLst>
+        </a:effectStyle>
+      </a:effectStyleLst>
+      <a:bgFillStyleLst>
+        <a:solidFill>
+          <a:schemeClr val="phClr"/>
+        </a:solidFill>
+        <a:solidFill>
+          <a:schemeClr val="phClr">
+            <a:tint val="95000"/>
+            <a:satMod val="170000"/>
+          </a:schemeClr>
+        </a:solidFill>
+        <a:gradFill rotWithShape="1">
+          <a:gsLst>
+            <a:gs pos="0">
+              <a:schemeClr val="phClr">
+                <a:tint val="93000"/>
+                <a:satMod val="150000"/>
+                <a:shade val="98000"/>
+                <a:lumMod val="102000"/>
+              </a:schemeClr>
+            </a:gs>
+            <a:gs pos="50000">
+              <a:schemeClr val="phClr">
+                <a:tint val="98000"/>
+                <a:satMod val="130000"/>
+                <a:shade val="90000"/>
+                <a:lumMod val="103000"/>
+              </a:schemeClr>
+            </a:gs>
+            <a:gs pos="100000">
+              <a:schemeClr val="phClr">
+                <a:shade val="63000"/>
+                <a:satMod val="120000"/>
+              </a:schemeClr>
+            </a:gs>
+          </a:gsLst>
+          <a:lin ang="5400000" scaled="0"/>
+        </a:gradFill>
+      </a:bgFillStyleLst>
+    </a:fmtScheme>
+  </a:themeElements>
+  <a:objectDefaults/>
+  <a:extraClrSchemeLst/>
+  <a:extLst>
+    <a:ext uri="{05A4C25C-085E-4340-85A3-A5531E510DB2}">
+      <thm15:themeFamily xmlns:thm15="http://schemas.microsoft.com/office/thememl/2012/main" name="Office Theme" id="{62F939B6-93AF-4DB8-9C6B-D6C7DFDC589F}" vid="{4A3C46E8-61CC-4603-A589-7422A47A8E4A}"/>
+    </a:ext>
+  </a:extLst>
+</a:theme>
 </file>
--- a/android activity and intent.pptx
+++ b/android activity and intent.pptx
@@ -158,6 +158,9 @@
     <p:ext uri="{EFAFB233-063F-42B5-8137-9DF3F51BA10A}">
       <p15:sldGuideLst xmlns:p15="http://schemas.microsoft.com/office/powerpoint/2012/main"/>
     </p:ext>
+    <p:ext uri="{2D200454-40CA-4A62-9FC3-DE9A4176ACB9}">
+      <p15:notesGuideLst xmlns:p15="http://schemas.microsoft.com/office/powerpoint/2012/main"/>
+    </p:ext>
   </p:extLst>
 </p:presentation>
 </file>
@@ -256,7 +259,7 @@
           <a:p>
             <a:fld id="{58F53F60-5BF1-4034-802E-BCB93BDD6206}" type="datetimeFigureOut">
               <a:rPr lang="zh-CN" altLang="en-US" smtClean="0"/>
-              <a:t>2020/11/15</a:t>
+              <a:t>2020/11/17</a:t>
             </a:fld>
             <a:endParaRPr lang="zh-CN" altLang="en-US"/>
           </a:p>
@@ -652,7 +655,7 @@
           <a:p>
             <a:fld id="{D997B5FA-0921-464F-AAE1-844C04324D75}" type="datetimeFigureOut">
               <a:rPr lang="zh-CN" altLang="en-US" smtClean="0"/>
-              <a:t>2020/11/15</a:t>
+              <a:t>2020/11/17</a:t>
             </a:fld>
             <a:endParaRPr lang="zh-CN" altLang="en-US"/>
           </a:p>
@@ -820,7 +823,7 @@
           <a:p>
             <a:fld id="{D997B5FA-0921-464F-AAE1-844C04324D75}" type="datetimeFigureOut">
               <a:rPr lang="zh-CN" altLang="en-US" smtClean="0"/>
-              <a:t>2020/11/15</a:t>
+              <a:t>2020/11/17</a:t>
             </a:fld>
             <a:endParaRPr lang="zh-CN" altLang="en-US"/>
           </a:p>
@@ -998,7 +1001,7 @@
           <a:p>
             <a:fld id="{D997B5FA-0921-464F-AAE1-844C04324D75}" type="datetimeFigureOut">
               <a:rPr lang="zh-CN" altLang="en-US" smtClean="0"/>
-              <a:t>2020/11/15</a:t>
+              <a:t>2020/11/17</a:t>
             </a:fld>
             <a:endParaRPr lang="zh-CN" altLang="en-US"/>
           </a:p>
@@ -1166,7 +1169,7 @@
           <a:p>
             <a:fld id="{D997B5FA-0921-464F-AAE1-844C04324D75}" type="datetimeFigureOut">
               <a:rPr lang="zh-CN" altLang="en-US" smtClean="0"/>
-              <a:t>2020/11/15</a:t>
+              <a:t>2020/11/17</a:t>
             </a:fld>
             <a:endParaRPr lang="zh-CN" altLang="en-US"/>
           </a:p>
@@ -1411,7 +1414,7 @@
           <a:p>
             <a:fld id="{D997B5FA-0921-464F-AAE1-844C04324D75}" type="datetimeFigureOut">
               <a:rPr lang="zh-CN" altLang="en-US" smtClean="0"/>
-              <a:t>2020/11/15</a:t>
+              <a:t>2020/11/17</a:t>
             </a:fld>
             <a:endParaRPr lang="zh-CN" altLang="en-US"/>
           </a:p>
@@ -1640,7 +1643,7 @@
           <a:p>
             <a:fld id="{D997B5FA-0921-464F-AAE1-844C04324D75}" type="datetimeFigureOut">
               <a:rPr lang="zh-CN" altLang="en-US" smtClean="0"/>
-              <a:t>2020/11/15</a:t>
+              <a:t>2020/11/17</a:t>
             </a:fld>
             <a:endParaRPr lang="zh-CN" altLang="en-US"/>
           </a:p>
@@ -2004,7 +2007,7 @@
           <a:p>
             <a:fld id="{D997B5FA-0921-464F-AAE1-844C04324D75}" type="datetimeFigureOut">
               <a:rPr lang="zh-CN" altLang="en-US" smtClean="0"/>
-              <a:t>2020/11/15</a:t>
+              <a:t>2020/11/17</a:t>
             </a:fld>
             <a:endParaRPr lang="zh-CN" altLang="en-US"/>
           </a:p>
@@ -2121,7 +2124,7 @@
           <a:p>
             <a:fld id="{D997B5FA-0921-464F-AAE1-844C04324D75}" type="datetimeFigureOut">
               <a:rPr lang="zh-CN" altLang="en-US" smtClean="0"/>
-              <a:t>2020/11/15</a:t>
+              <a:t>2020/11/17</a:t>
             </a:fld>
             <a:endParaRPr lang="zh-CN" altLang="en-US"/>
           </a:p>
@@ -2216,7 +2219,7 @@
           <a:p>
             <a:fld id="{D997B5FA-0921-464F-AAE1-844C04324D75}" type="datetimeFigureOut">
               <a:rPr lang="zh-CN" altLang="en-US" smtClean="0"/>
-              <a:t>2020/11/15</a:t>
+              <a:t>2020/11/17</a:t>
             </a:fld>
             <a:endParaRPr lang="zh-CN" altLang="en-US"/>
           </a:p>
@@ -2491,7 +2494,7 @@
           <a:p>
             <a:fld id="{D997B5FA-0921-464F-AAE1-844C04324D75}" type="datetimeFigureOut">
               <a:rPr lang="zh-CN" altLang="en-US" smtClean="0"/>
-              <a:t>2020/11/15</a:t>
+              <a:t>2020/11/17</a:t>
             </a:fld>
             <a:endParaRPr lang="zh-CN" altLang="en-US"/>
           </a:p>
@@ -2743,7 +2746,7 @@
           <a:p>
             <a:fld id="{D997B5FA-0921-464F-AAE1-844C04324D75}" type="datetimeFigureOut">
               <a:rPr lang="zh-CN" altLang="en-US" smtClean="0"/>
-              <a:t>2020/11/15</a:t>
+              <a:t>2020/11/17</a:t>
             </a:fld>
             <a:endParaRPr lang="zh-CN" altLang="en-US"/>
           </a:p>
@@ -2954,7 +2957,7 @@
           <a:p>
             <a:fld id="{D997B5FA-0921-464F-AAE1-844C04324D75}" type="datetimeFigureOut">
               <a:rPr lang="zh-CN" altLang="en-US" smtClean="0"/>
-              <a:t>2020/11/15</a:t>
+              <a:t>2020/11/17</a:t>
             </a:fld>
             <a:endParaRPr lang="zh-CN" altLang="en-US"/>
           </a:p>
@@ -7019,7 +7022,7 @@
           <a:p>
             <a:r>
               <a:rPr lang="en-US" altLang="zh-CN" dirty="0"/>
-              <a:t>Lifecycle callbacks</a:t>
+              <a:t>Lifecycle callbacks </a:t>
             </a:r>
           </a:p>
           <a:p>
@@ -7330,9 +7333,12 @@
           <a:p>
             <a:r>
               <a:rPr lang="en-US" altLang="zh-CN" dirty="0"/>
-              <a:t>Java Regex/Regular Expression</a:t>
-            </a:r>
-            <a:endParaRPr lang="zh-CN" altLang="en-US" dirty="0"/>
+              <a:t>Java Regex/Regular Expression/</a:t>
+            </a:r>
+            <a:r>
+              <a:rPr lang="zh-CN" altLang="en-US" dirty="0"/>
+              <a:t>正则表达式</a:t>
+            </a:r>
           </a:p>
         </p:txBody>
       </p:sp>
@@ -9720,21 +9726,22 @@
           <a:p>
             <a:r>
               <a:rPr lang="en-US" altLang="zh-CN" sz="3600" dirty="0"/>
-              <a:t>Negative look ahead provides the possibility to exclude a pattern. </a:t>
-            </a:r>
+              <a:t>Negative look ahead are defined via (?!pattern).</a:t>
+            </a:r>
+            <a:endParaRPr lang="zh-CN" altLang="en-US" sz="3600" dirty="0"/>
           </a:p>
           <a:p>
             <a:r>
               <a:rPr lang="en-US" altLang="zh-CN" sz="3600" dirty="0"/>
+              <a:t>provides the possibility to exclude a pattern. </a:t>
+            </a:r>
+          </a:p>
+          <a:p>
+            <a:pPr lvl="1"/>
+            <a:r>
+              <a:rPr lang="en-US" altLang="zh-CN" sz="3200" dirty="0"/>
               <a:t>With this you can say that a string should not be followed by another string.</a:t>
             </a:r>
-          </a:p>
-          <a:p>
-            <a:r>
-              <a:rPr lang="en-US" altLang="zh-CN" sz="3600" dirty="0"/>
-              <a:t>Negative look ahead are defined via (?!pattern).</a:t>
-            </a:r>
-            <a:endParaRPr lang="zh-CN" altLang="en-US" sz="3600" dirty="0"/>
           </a:p>
         </p:txBody>
       </p:sp>
@@ -10038,7 +10045,7 @@
           <a:p>
             <a:r>
               <a:rPr lang="en-US" altLang="zh-CN" dirty="0"/>
-              <a:t>regular expressions with String methods</a:t>
+              <a:t>Java: Regex with String methods</a:t>
             </a:r>
             <a:endParaRPr lang="zh-CN" altLang="en-US" dirty="0"/>
           </a:p>
@@ -10060,7 +10067,7 @@
             <p:ph idx="1"/>
             <p:extLst>
               <p:ext uri="{D42A27DB-BD31-4B8C-83A1-F6EECF244321}">
-                <p14:modId xmlns:p14="http://schemas.microsoft.com/office/powerpoint/2010/main" val="2629441177"/>
+                <p14:modId xmlns:p14="http://schemas.microsoft.com/office/powerpoint/2010/main" val="2619774978"/>
               </p:ext>
             </p:extLst>
           </p:nvPr>
@@ -10076,14 +10083,14 @@
                 <a:tableStyleId>{5940675A-B579-460E-94D1-54222C63F5DA}</a:tableStyleId>
               </a:tblPr>
               <a:tblGrid>
-                <a:gridCol w="3834468">
+                <a:gridCol w="3507297">
                   <a:extLst>
                     <a:ext uri="{9D8B030D-6E8A-4147-A177-3AD203B41FA5}">
                       <a16:colId xmlns:a16="http://schemas.microsoft.com/office/drawing/2014/main" val="2560491333"/>
                     </a:ext>
                   </a:extLst>
                 </a:gridCol>
-                <a:gridCol w="6903528">
+                <a:gridCol w="7230699">
                   <a:extLst>
                     <a:ext uri="{9D8B030D-6E8A-4147-A177-3AD203B41FA5}">
                       <a16:colId xmlns:a16="http://schemas.microsoft.com/office/drawing/2014/main" val="3697898052"/>
@@ -10466,7 +10473,7 @@
         </p:nvSpPr>
         <p:spPr bwMode="auto">
           <a:xfrm>
-            <a:off x="1400960" y="893207"/>
+            <a:off x="838200" y="456980"/>
             <a:ext cx="8380603" cy="4524315"/>
           </a:xfrm>
           <a:prstGeom prst="rect">
@@ -10527,7 +10534,7 @@
               <a:tabLst/>
             </a:pPr>
             <a:r>
-              <a:rPr kumimoji="0" lang="zh-CN" altLang="zh-CN" sz="1800" b="1" i="0" u="none" strike="noStrike" cap="none" normalizeH="0" baseline="0">
+              <a:rPr kumimoji="0" lang="zh-CN" altLang="zh-CN" sz="1800" b="1" i="0" u="none" strike="noStrike" cap="none" normalizeH="0" baseline="0" dirty="0">
                 <a:ln>
                   <a:noFill/>
                 </a:ln>
@@ -10540,7 +10547,7 @@
               <a:t>public static final </a:t>
             </a:r>
             <a:r>
-              <a:rPr kumimoji="0" lang="zh-CN" altLang="zh-CN" sz="1800" b="0" i="0" u="none" strike="noStrike" cap="none" normalizeH="0" baseline="0">
+              <a:rPr kumimoji="0" lang="zh-CN" altLang="zh-CN" sz="1800" b="0" i="0" u="none" strike="noStrike" cap="none" normalizeH="0" baseline="0" dirty="0">
                 <a:ln>
                   <a:noFill/>
                 </a:ln>
@@ -10553,7 +10560,7 @@
               <a:t>String </a:t>
             </a:r>
             <a:r>
-              <a:rPr kumimoji="0" lang="zh-CN" altLang="zh-CN" sz="1800" b="1" i="1" u="none" strike="noStrike" cap="none" normalizeH="0" baseline="0">
+              <a:rPr kumimoji="0" lang="zh-CN" altLang="zh-CN" sz="1800" b="1" i="1" u="none" strike="noStrike" cap="none" normalizeH="0" baseline="0" dirty="0">
                 <a:ln>
                   <a:noFill/>
                 </a:ln>
@@ -10566,7 +10573,7 @@
               <a:t>EXAMPLE_TEST</a:t>
             </a:r>
             <a:br>
-              <a:rPr kumimoji="0" lang="zh-CN" altLang="zh-CN" sz="1800" b="1" i="1" u="none" strike="noStrike" cap="none" normalizeH="0" baseline="0">
+              <a:rPr kumimoji="0" lang="zh-CN" altLang="zh-CN" sz="1800" b="1" i="1" u="none" strike="noStrike" cap="none" normalizeH="0" baseline="0" dirty="0">
                 <a:ln>
                   <a:noFill/>
                 </a:ln>
@@ -10578,7 +10585,7 @@
               </a:rPr>
             </a:br>
             <a:r>
-              <a:rPr kumimoji="0" lang="zh-CN" altLang="zh-CN" sz="1800" b="1" i="1" u="none" strike="noStrike" cap="none" normalizeH="0" baseline="0">
+              <a:rPr kumimoji="0" lang="zh-CN" altLang="zh-CN" sz="1800" b="1" i="1" u="none" strike="noStrike" cap="none" normalizeH="0" baseline="0" dirty="0">
                 <a:ln>
                   <a:noFill/>
                 </a:ln>
@@ -10591,7 +10598,7 @@
               <a:t>        </a:t>
             </a:r>
             <a:r>
-              <a:rPr kumimoji="0" lang="zh-CN" altLang="zh-CN" sz="1800" b="0" i="0" u="none" strike="noStrike" cap="none" normalizeH="0" baseline="0">
+              <a:rPr kumimoji="0" lang="zh-CN" altLang="zh-CN" sz="1800" b="0" i="0" u="none" strike="noStrike" cap="none" normalizeH="0" baseline="0" dirty="0">
                 <a:ln>
                   <a:noFill/>
                 </a:ln>
@@ -10604,7 +10611,7 @@
               <a:t>= </a:t>
             </a:r>
             <a:r>
-              <a:rPr kumimoji="0" lang="zh-CN" altLang="zh-CN" sz="1800" b="1" i="0" u="none" strike="noStrike" cap="none" normalizeH="0" baseline="0">
+              <a:rPr kumimoji="0" lang="zh-CN" altLang="zh-CN" sz="1800" b="1" i="0" u="none" strike="noStrike" cap="none" normalizeH="0" baseline="0" dirty="0">
                 <a:ln>
                   <a:noFill/>
                 </a:ln>
@@ -10617,7 +10624,7 @@
               <a:t>"This is my small example "</a:t>
             </a:r>
             <a:br>
-              <a:rPr kumimoji="0" lang="zh-CN" altLang="zh-CN" sz="1800" b="1" i="0" u="none" strike="noStrike" cap="none" normalizeH="0" baseline="0">
+              <a:rPr kumimoji="0" lang="zh-CN" altLang="zh-CN" sz="1800" b="1" i="0" u="none" strike="noStrike" cap="none" normalizeH="0" baseline="0" dirty="0">
                 <a:ln>
                   <a:noFill/>
                 </a:ln>
@@ -10629,7 +10636,7 @@
               </a:rPr>
             </a:br>
             <a:r>
-              <a:rPr kumimoji="0" lang="zh-CN" altLang="zh-CN" sz="1800" b="1" i="0" u="none" strike="noStrike" cap="none" normalizeH="0" baseline="0">
+              <a:rPr kumimoji="0" lang="zh-CN" altLang="zh-CN" sz="1800" b="1" i="0" u="none" strike="noStrike" cap="none" normalizeH="0" baseline="0" dirty="0">
                 <a:ln>
                   <a:noFill/>
                 </a:ln>
@@ -10642,7 +10649,7 @@
               <a:t>          </a:t>
             </a:r>
             <a:r>
-              <a:rPr kumimoji="0" lang="zh-CN" altLang="zh-CN" sz="1800" b="0" i="0" u="none" strike="noStrike" cap="none" normalizeH="0" baseline="0">
+              <a:rPr kumimoji="0" lang="zh-CN" altLang="zh-CN" sz="1800" b="0" i="0" u="none" strike="noStrike" cap="none" normalizeH="0" baseline="0" dirty="0">
                 <a:ln>
                   <a:noFill/>
                 </a:ln>
@@ -10655,7 +10662,7 @@
               <a:t>+ </a:t>
             </a:r>
             <a:r>
-              <a:rPr kumimoji="0" lang="zh-CN" altLang="zh-CN" sz="1800" b="1" i="0" u="none" strike="noStrike" cap="none" normalizeH="0" baseline="0">
+              <a:rPr kumimoji="0" lang="zh-CN" altLang="zh-CN" sz="1800" b="1" i="0" u="none" strike="noStrike" cap="none" normalizeH="0" baseline="0" dirty="0">
                 <a:ln>
                   <a:noFill/>
                 </a:ln>
@@ -10668,7 +10675,7 @@
               <a:t>"string which I'm going to "</a:t>
             </a:r>
             <a:br>
-              <a:rPr kumimoji="0" lang="zh-CN" altLang="zh-CN" sz="1800" b="1" i="0" u="none" strike="noStrike" cap="none" normalizeH="0" baseline="0">
+              <a:rPr kumimoji="0" lang="zh-CN" altLang="zh-CN" sz="1800" b="1" i="0" u="none" strike="noStrike" cap="none" normalizeH="0" baseline="0" dirty="0">
                 <a:ln>
                   <a:noFill/>
                 </a:ln>
@@ -10680,7 +10687,7 @@
               </a:rPr>
             </a:br>
             <a:r>
-              <a:rPr kumimoji="0" lang="zh-CN" altLang="zh-CN" sz="1800" b="1" i="0" u="none" strike="noStrike" cap="none" normalizeH="0" baseline="0">
+              <a:rPr kumimoji="0" lang="zh-CN" altLang="zh-CN" sz="1800" b="1" i="0" u="none" strike="noStrike" cap="none" normalizeH="0" baseline="0" dirty="0">
                 <a:ln>
                   <a:noFill/>
                 </a:ln>
@@ -10693,7 +10700,7 @@
               <a:t>          </a:t>
             </a:r>
             <a:r>
-              <a:rPr kumimoji="0" lang="zh-CN" altLang="zh-CN" sz="1800" b="0" i="0" u="none" strike="noStrike" cap="none" normalizeH="0" baseline="0">
+              <a:rPr kumimoji="0" lang="zh-CN" altLang="zh-CN" sz="1800" b="0" i="0" u="none" strike="noStrike" cap="none" normalizeH="0" baseline="0" dirty="0">
                 <a:ln>
                   <a:noFill/>
                 </a:ln>
@@ -10706,7 +10713,7 @@
               <a:t>+ </a:t>
             </a:r>
             <a:r>
-              <a:rPr kumimoji="0" lang="zh-CN" altLang="zh-CN" sz="1800" b="1" i="0" u="none" strike="noStrike" cap="none" normalizeH="0" baseline="0">
+              <a:rPr kumimoji="0" lang="zh-CN" altLang="zh-CN" sz="1800" b="1" i="0" u="none" strike="noStrike" cap="none" normalizeH="0" baseline="0" dirty="0">
                 <a:ln>
                   <a:noFill/>
                 </a:ln>
@@ -10719,7 +10726,7 @@
               <a:t>"use for pattern matching."</a:t>
             </a:r>
             <a:r>
-              <a:rPr kumimoji="0" lang="zh-CN" altLang="zh-CN" sz="1800" b="0" i="0" u="none" strike="noStrike" cap="none" normalizeH="0" baseline="0">
+              <a:rPr kumimoji="0" lang="zh-CN" altLang="zh-CN" sz="1800" b="0" i="0" u="none" strike="noStrike" cap="none" normalizeH="0" baseline="0" dirty="0">
                 <a:ln>
                   <a:noFill/>
                 </a:ln>
@@ -10732,7 +10739,7 @@
               <a:t>;</a:t>
             </a:r>
             <a:br>
-              <a:rPr kumimoji="0" lang="zh-CN" altLang="zh-CN" sz="1800" b="0" i="0" u="none" strike="noStrike" cap="none" normalizeH="0" baseline="0">
+              <a:rPr kumimoji="0" lang="zh-CN" altLang="zh-CN" sz="1800" b="0" i="0" u="none" strike="noStrike" cap="none" normalizeH="0" baseline="0" dirty="0">
                 <a:ln>
                   <a:noFill/>
                 </a:ln>
@@ -10744,7 +10751,7 @@
               </a:rPr>
             </a:br>
             <a:br>
-              <a:rPr kumimoji="0" lang="zh-CN" altLang="zh-CN" sz="1800" b="0" i="0" u="none" strike="noStrike" cap="none" normalizeH="0" baseline="0">
+              <a:rPr kumimoji="0" lang="zh-CN" altLang="zh-CN" sz="1800" b="0" i="0" u="none" strike="noStrike" cap="none" normalizeH="0" baseline="0" dirty="0">
                 <a:ln>
                   <a:noFill/>
                 </a:ln>
@@ -10756,7 +10763,7 @@
               </a:rPr>
             </a:br>
             <a:r>
-              <a:rPr kumimoji="0" lang="zh-CN" altLang="zh-CN" sz="1800" b="1" i="0" u="none" strike="noStrike" cap="none" normalizeH="0" baseline="0">
+              <a:rPr kumimoji="0" lang="zh-CN" altLang="zh-CN" sz="1800" b="1" i="0" u="none" strike="noStrike" cap="none" normalizeH="0" baseline="0" dirty="0">
                 <a:ln>
                   <a:noFill/>
                 </a:ln>
@@ -10769,7 +10776,7 @@
               <a:t>public static void </a:t>
             </a:r>
             <a:r>
-              <a:rPr kumimoji="0" lang="zh-CN" altLang="zh-CN" sz="1800" b="0" i="0" u="none" strike="noStrike" cap="none" normalizeH="0" baseline="0">
+              <a:rPr kumimoji="0" lang="zh-CN" altLang="zh-CN" sz="1800" b="0" i="0" u="none" strike="noStrike" cap="none" normalizeH="0" baseline="0" dirty="0">
                 <a:ln>
                   <a:noFill/>
                 </a:ln>
@@ -10782,7 +10789,7 @@
               <a:t>main(String[] args) {</a:t>
             </a:r>
             <a:br>
-              <a:rPr kumimoji="0" lang="zh-CN" altLang="zh-CN" sz="1800" b="0" i="0" u="none" strike="noStrike" cap="none" normalizeH="0" baseline="0">
+              <a:rPr kumimoji="0" lang="zh-CN" altLang="zh-CN" sz="1800" b="0" i="0" u="none" strike="noStrike" cap="none" normalizeH="0" baseline="0" dirty="0">
                 <a:ln>
                   <a:noFill/>
                 </a:ln>
@@ -10794,7 +10801,7 @@
               </a:rPr>
             </a:br>
             <a:r>
-              <a:rPr kumimoji="0" lang="zh-CN" altLang="zh-CN" sz="1800" b="0" i="0" u="none" strike="noStrike" cap="none" normalizeH="0" baseline="0">
+              <a:rPr kumimoji="0" lang="zh-CN" altLang="zh-CN" sz="1800" b="0" i="0" u="none" strike="noStrike" cap="none" normalizeH="0" baseline="0" dirty="0">
                 <a:ln>
                   <a:noFill/>
                 </a:ln>
@@ -10807,7 +10814,7 @@
               <a:t>    System.</a:t>
             </a:r>
             <a:r>
-              <a:rPr kumimoji="0" lang="zh-CN" altLang="zh-CN" sz="1800" b="1" i="1" u="none" strike="noStrike" cap="none" normalizeH="0" baseline="0">
+              <a:rPr kumimoji="0" lang="zh-CN" altLang="zh-CN" sz="1800" b="1" i="1" u="none" strike="noStrike" cap="none" normalizeH="0" baseline="0" dirty="0">
                 <a:ln>
                   <a:noFill/>
                 </a:ln>
@@ -10820,7 +10827,7 @@
               <a:t>out</a:t>
             </a:r>
             <a:r>
-              <a:rPr kumimoji="0" lang="zh-CN" altLang="zh-CN" sz="1800" b="0" i="0" u="none" strike="noStrike" cap="none" normalizeH="0" baseline="0">
+              <a:rPr kumimoji="0" lang="zh-CN" altLang="zh-CN" sz="1800" b="0" i="0" u="none" strike="noStrike" cap="none" normalizeH="0" baseline="0" dirty="0">
                 <a:ln>
                   <a:noFill/>
                 </a:ln>
@@ -10833,7 +10840,7 @@
               <a:t>.println(</a:t>
             </a:r>
             <a:r>
-              <a:rPr kumimoji="0" lang="zh-CN" altLang="zh-CN" sz="1800" b="1" i="1" u="none" strike="noStrike" cap="none" normalizeH="0" baseline="0">
+              <a:rPr kumimoji="0" lang="zh-CN" altLang="zh-CN" sz="1800" b="1" i="1" u="none" strike="noStrike" cap="none" normalizeH="0" baseline="0" dirty="0">
                 <a:ln>
                   <a:noFill/>
                 </a:ln>
@@ -10846,7 +10853,7 @@
               <a:t>EXAMPLE_TEST</a:t>
             </a:r>
             <a:r>
-              <a:rPr kumimoji="0" lang="zh-CN" altLang="zh-CN" sz="1800" b="0" i="0" u="none" strike="noStrike" cap="none" normalizeH="0" baseline="0">
+              <a:rPr kumimoji="0" lang="zh-CN" altLang="zh-CN" sz="1800" b="0" i="0" u="none" strike="noStrike" cap="none" normalizeH="0" baseline="0" dirty="0">
                 <a:ln>
                   <a:noFill/>
                 </a:ln>
@@ -10859,7 +10866,7 @@
               <a:t>.matches(</a:t>
             </a:r>
             <a:r>
-              <a:rPr kumimoji="0" lang="zh-CN" altLang="zh-CN" sz="1800" b="1" i="0" u="none" strike="noStrike" cap="none" normalizeH="0" baseline="0">
+              <a:rPr kumimoji="0" lang="zh-CN" altLang="zh-CN" sz="1800" b="1" i="0" u="none" strike="noStrike" cap="none" normalizeH="0" baseline="0" dirty="0">
                 <a:ln>
                   <a:noFill/>
                 </a:ln>
@@ -10872,7 +10879,7 @@
               <a:t>"</a:t>
             </a:r>
             <a:r>
-              <a:rPr kumimoji="0" lang="zh-CN" altLang="zh-CN" sz="1800" b="1" i="0" u="none" strike="noStrike" cap="none" normalizeH="0" baseline="0">
+              <a:rPr kumimoji="0" lang="zh-CN" altLang="zh-CN" sz="1800" b="1" i="0" u="none" strike="noStrike" cap="none" normalizeH="0" baseline="0" dirty="0">
                 <a:ln>
                   <a:noFill/>
                 </a:ln>
@@ -10885,7 +10892,7 @@
               <a:t>\\</a:t>
             </a:r>
             <a:r>
-              <a:rPr kumimoji="0" lang="zh-CN" altLang="zh-CN" sz="1800" b="1" i="0" u="none" strike="noStrike" cap="none" normalizeH="0" baseline="0">
+              <a:rPr kumimoji="0" lang="zh-CN" altLang="zh-CN" sz="1800" b="1" i="0" u="none" strike="noStrike" cap="none" normalizeH="0" baseline="0" dirty="0">
                 <a:ln>
                   <a:noFill/>
                 </a:ln>
@@ -10898,7 +10905,7 @@
               <a:t>w.*"</a:t>
             </a:r>
             <a:r>
-              <a:rPr kumimoji="0" lang="zh-CN" altLang="zh-CN" sz="1800" b="0" i="0" u="none" strike="noStrike" cap="none" normalizeH="0" baseline="0">
+              <a:rPr kumimoji="0" lang="zh-CN" altLang="zh-CN" sz="1800" b="0" i="0" u="none" strike="noStrike" cap="none" normalizeH="0" baseline="0" dirty="0">
                 <a:ln>
                   <a:noFill/>
                 </a:ln>
@@ -10911,7 +10918,7 @@
               <a:t>));</a:t>
             </a:r>
             <a:br>
-              <a:rPr kumimoji="0" lang="zh-CN" altLang="zh-CN" sz="1800" b="0" i="0" u="none" strike="noStrike" cap="none" normalizeH="0" baseline="0">
+              <a:rPr kumimoji="0" lang="zh-CN" altLang="zh-CN" sz="1800" b="0" i="0" u="none" strike="noStrike" cap="none" normalizeH="0" baseline="0" dirty="0">
                 <a:ln>
                   <a:noFill/>
                 </a:ln>
@@ -10923,7 +10930,7 @@
               </a:rPr>
             </a:br>
             <a:r>
-              <a:rPr kumimoji="0" lang="zh-CN" altLang="zh-CN" sz="1800" b="0" i="0" u="none" strike="noStrike" cap="none" normalizeH="0" baseline="0">
+              <a:rPr kumimoji="0" lang="zh-CN" altLang="zh-CN" sz="1800" b="0" i="0" u="none" strike="noStrike" cap="none" normalizeH="0" baseline="0" dirty="0">
                 <a:ln>
                   <a:noFill/>
                 </a:ln>
@@ -10936,7 +10943,7 @@
               <a:t>    String[] splitString = (</a:t>
             </a:r>
             <a:r>
-              <a:rPr kumimoji="0" lang="zh-CN" altLang="zh-CN" sz="1800" b="1" i="1" u="none" strike="noStrike" cap="none" normalizeH="0" baseline="0">
+              <a:rPr kumimoji="0" lang="zh-CN" altLang="zh-CN" sz="1800" b="1" i="1" u="none" strike="noStrike" cap="none" normalizeH="0" baseline="0" dirty="0">
                 <a:ln>
                   <a:noFill/>
                 </a:ln>
@@ -10949,7 +10956,7 @@
               <a:t>EXAMPLE_TEST</a:t>
             </a:r>
             <a:r>
-              <a:rPr kumimoji="0" lang="zh-CN" altLang="zh-CN" sz="1800" b="0" i="0" u="none" strike="noStrike" cap="none" normalizeH="0" baseline="0">
+              <a:rPr kumimoji="0" lang="zh-CN" altLang="zh-CN" sz="1800" b="0" i="0" u="none" strike="noStrike" cap="none" normalizeH="0" baseline="0" dirty="0">
                 <a:ln>
                   <a:noFill/>
                 </a:ln>
@@ -10962,7 +10969,7 @@
               <a:t>.split(</a:t>
             </a:r>
             <a:r>
-              <a:rPr kumimoji="0" lang="zh-CN" altLang="zh-CN" sz="1800" b="1" i="0" u="none" strike="noStrike" cap="none" normalizeH="0" baseline="0">
+              <a:rPr kumimoji="0" lang="zh-CN" altLang="zh-CN" sz="1800" b="1" i="0" u="none" strike="noStrike" cap="none" normalizeH="0" baseline="0" dirty="0">
                 <a:ln>
                   <a:noFill/>
                 </a:ln>
@@ -10975,7 +10982,7 @@
               <a:t>"</a:t>
             </a:r>
             <a:r>
-              <a:rPr kumimoji="0" lang="zh-CN" altLang="zh-CN" sz="1800" b="1" i="0" u="none" strike="noStrike" cap="none" normalizeH="0" baseline="0">
+              <a:rPr kumimoji="0" lang="zh-CN" altLang="zh-CN" sz="1800" b="1" i="0" u="none" strike="noStrike" cap="none" normalizeH="0" baseline="0" dirty="0">
                 <a:ln>
                   <a:noFill/>
                 </a:ln>
@@ -10988,7 +10995,7 @@
               <a:t>\\</a:t>
             </a:r>
             <a:r>
-              <a:rPr kumimoji="0" lang="zh-CN" altLang="zh-CN" sz="1800" b="1" i="0" u="none" strike="noStrike" cap="none" normalizeH="0" baseline="0">
+              <a:rPr kumimoji="0" lang="zh-CN" altLang="zh-CN" sz="1800" b="1" i="0" u="none" strike="noStrike" cap="none" normalizeH="0" baseline="0" dirty="0">
                 <a:ln>
                   <a:noFill/>
                 </a:ln>
@@ -11001,7 +11008,7 @@
               <a:t>s+"</a:t>
             </a:r>
             <a:r>
-              <a:rPr kumimoji="0" lang="zh-CN" altLang="zh-CN" sz="1800" b="0" i="0" u="none" strike="noStrike" cap="none" normalizeH="0" baseline="0">
+              <a:rPr kumimoji="0" lang="zh-CN" altLang="zh-CN" sz="1800" b="0" i="0" u="none" strike="noStrike" cap="none" normalizeH="0" baseline="0" dirty="0">
                 <a:ln>
                   <a:noFill/>
                 </a:ln>
@@ -11014,7 +11021,7 @@
               <a:t>));</a:t>
             </a:r>
             <a:br>
-              <a:rPr kumimoji="0" lang="zh-CN" altLang="zh-CN" sz="1800" b="0" i="0" u="none" strike="noStrike" cap="none" normalizeH="0" baseline="0">
+              <a:rPr kumimoji="0" lang="zh-CN" altLang="zh-CN" sz="1800" b="0" i="0" u="none" strike="noStrike" cap="none" normalizeH="0" baseline="0" dirty="0">
                 <a:ln>
                   <a:noFill/>
                 </a:ln>
@@ -11026,7 +11033,7 @@
               </a:rPr>
             </a:br>
             <a:br>
-              <a:rPr kumimoji="0" lang="zh-CN" altLang="zh-CN" sz="1800" b="0" i="0" u="none" strike="noStrike" cap="none" normalizeH="0" baseline="0">
+              <a:rPr kumimoji="0" lang="zh-CN" altLang="zh-CN" sz="1800" b="0" i="0" u="none" strike="noStrike" cap="none" normalizeH="0" baseline="0" dirty="0">
                 <a:ln>
                   <a:noFill/>
                 </a:ln>
@@ -11038,7 +11045,7 @@
               </a:rPr>
             </a:br>
             <a:r>
-              <a:rPr kumimoji="0" lang="zh-CN" altLang="zh-CN" sz="1800" b="0" i="0" u="none" strike="noStrike" cap="none" normalizeH="0" baseline="0">
+              <a:rPr kumimoji="0" lang="zh-CN" altLang="zh-CN" sz="1800" b="0" i="0" u="none" strike="noStrike" cap="none" normalizeH="0" baseline="0" dirty="0">
                 <a:ln>
                   <a:noFill/>
                 </a:ln>
@@ -11051,7 +11058,7 @@
               <a:t>    System.</a:t>
             </a:r>
             <a:r>
-              <a:rPr kumimoji="0" lang="zh-CN" altLang="zh-CN" sz="1800" b="1" i="1" u="none" strike="noStrike" cap="none" normalizeH="0" baseline="0">
+              <a:rPr kumimoji="0" lang="zh-CN" altLang="zh-CN" sz="1800" b="1" i="1" u="none" strike="noStrike" cap="none" normalizeH="0" baseline="0" dirty="0">
                 <a:ln>
                   <a:noFill/>
                 </a:ln>
@@ -11064,7 +11071,7 @@
               <a:t>out</a:t>
             </a:r>
             <a:r>
-              <a:rPr kumimoji="0" lang="zh-CN" altLang="zh-CN" sz="1800" b="0" i="0" u="none" strike="noStrike" cap="none" normalizeH="0" baseline="0">
+              <a:rPr kumimoji="0" lang="zh-CN" altLang="zh-CN" sz="1800" b="0" i="0" u="none" strike="noStrike" cap="none" normalizeH="0" baseline="0" dirty="0">
                 <a:ln>
                   <a:noFill/>
                 </a:ln>
@@ -11077,7 +11084,7 @@
               <a:t>.println(splitString.</a:t>
             </a:r>
             <a:r>
-              <a:rPr kumimoji="0" lang="zh-CN" altLang="zh-CN" sz="1800" b="1" i="0" u="none" strike="noStrike" cap="none" normalizeH="0" baseline="0">
+              <a:rPr kumimoji="0" lang="zh-CN" altLang="zh-CN" sz="1800" b="1" i="0" u="none" strike="noStrike" cap="none" normalizeH="0" baseline="0" dirty="0">
                 <a:ln>
                   <a:noFill/>
                 </a:ln>
@@ -11090,7 +11097,7 @@
               <a:t>length</a:t>
             </a:r>
             <a:r>
-              <a:rPr kumimoji="0" lang="zh-CN" altLang="zh-CN" sz="1800" b="0" i="0" u="none" strike="noStrike" cap="none" normalizeH="0" baseline="0">
+              <a:rPr kumimoji="0" lang="zh-CN" altLang="zh-CN" sz="1800" b="0" i="0" u="none" strike="noStrike" cap="none" normalizeH="0" baseline="0" dirty="0">
                 <a:ln>
                   <a:noFill/>
                 </a:ln>
@@ -11103,7 +11110,7 @@
               <a:t>);</a:t>
             </a:r>
             <a:r>
-              <a:rPr kumimoji="0" lang="zh-CN" altLang="zh-CN" sz="1800" b="0" i="1" u="none" strike="noStrike" cap="none" normalizeH="0" baseline="0">
+              <a:rPr kumimoji="0" lang="zh-CN" altLang="zh-CN" sz="1800" b="0" i="1" u="none" strike="noStrike" cap="none" normalizeH="0" baseline="0" dirty="0">
                 <a:ln>
                   <a:noFill/>
                 </a:ln>
@@ -11116,7 +11123,7 @@
               <a:t>// should be 14</a:t>
             </a:r>
             <a:br>
-              <a:rPr kumimoji="0" lang="zh-CN" altLang="zh-CN" sz="1800" b="0" i="1" u="none" strike="noStrike" cap="none" normalizeH="0" baseline="0">
+              <a:rPr kumimoji="0" lang="zh-CN" altLang="zh-CN" sz="1800" b="0" i="1" u="none" strike="noStrike" cap="none" normalizeH="0" baseline="0" dirty="0">
                 <a:ln>
                   <a:noFill/>
                 </a:ln>
@@ -11128,7 +11135,7 @@
               </a:rPr>
             </a:br>
             <a:r>
-              <a:rPr kumimoji="0" lang="zh-CN" altLang="zh-CN" sz="1800" b="0" i="1" u="none" strike="noStrike" cap="none" normalizeH="0" baseline="0">
+              <a:rPr kumimoji="0" lang="zh-CN" altLang="zh-CN" sz="1800" b="0" i="1" u="none" strike="noStrike" cap="none" normalizeH="0" baseline="0" dirty="0">
                 <a:ln>
                   <a:noFill/>
                 </a:ln>
@@ -11141,7 +11148,7 @@
               <a:t>    </a:t>
             </a:r>
             <a:r>
-              <a:rPr kumimoji="0" lang="zh-CN" altLang="zh-CN" sz="1800" b="1" i="0" u="none" strike="noStrike" cap="none" normalizeH="0" baseline="0">
+              <a:rPr kumimoji="0" lang="zh-CN" altLang="zh-CN" sz="1800" b="1" i="0" u="none" strike="noStrike" cap="none" normalizeH="0" baseline="0" dirty="0">
                 <a:ln>
                   <a:noFill/>
                 </a:ln>
@@ -11154,7 +11161,7 @@
               <a:t>for </a:t>
             </a:r>
             <a:r>
-              <a:rPr kumimoji="0" lang="zh-CN" altLang="zh-CN" sz="1800" b="0" i="0" u="none" strike="noStrike" cap="none" normalizeH="0" baseline="0">
+              <a:rPr kumimoji="0" lang="zh-CN" altLang="zh-CN" sz="1800" b="0" i="0" u="none" strike="noStrike" cap="none" normalizeH="0" baseline="0" dirty="0">
                 <a:ln>
                   <a:noFill/>
                 </a:ln>
@@ -11167,7 +11174,7 @@
               <a:t>(String string : splitString) {</a:t>
             </a:r>
             <a:br>
-              <a:rPr kumimoji="0" lang="zh-CN" altLang="zh-CN" sz="1800" b="0" i="0" u="none" strike="noStrike" cap="none" normalizeH="0" baseline="0">
+              <a:rPr kumimoji="0" lang="zh-CN" altLang="zh-CN" sz="1800" b="0" i="0" u="none" strike="noStrike" cap="none" normalizeH="0" baseline="0" dirty="0">
                 <a:ln>
                   <a:noFill/>
                 </a:ln>
@@ -11179,7 +11186,7 @@
               </a:rPr>
             </a:br>
             <a:r>
-              <a:rPr kumimoji="0" lang="zh-CN" altLang="zh-CN" sz="1800" b="0" i="0" u="none" strike="noStrike" cap="none" normalizeH="0" baseline="0">
+              <a:rPr kumimoji="0" lang="zh-CN" altLang="zh-CN" sz="1800" b="0" i="0" u="none" strike="noStrike" cap="none" normalizeH="0" baseline="0" dirty="0">
                 <a:ln>
                   <a:noFill/>
                 </a:ln>
@@ -11192,7 +11199,7 @@
               <a:t>        System.</a:t>
             </a:r>
             <a:r>
-              <a:rPr kumimoji="0" lang="zh-CN" altLang="zh-CN" sz="1800" b="1" i="1" u="none" strike="noStrike" cap="none" normalizeH="0" baseline="0">
+              <a:rPr kumimoji="0" lang="zh-CN" altLang="zh-CN" sz="1800" b="1" i="1" u="none" strike="noStrike" cap="none" normalizeH="0" baseline="0" dirty="0">
                 <a:ln>
                   <a:noFill/>
                 </a:ln>
@@ -11205,7 +11212,7 @@
               <a:t>out</a:t>
             </a:r>
             <a:r>
-              <a:rPr kumimoji="0" lang="zh-CN" altLang="zh-CN" sz="1800" b="0" i="0" u="none" strike="noStrike" cap="none" normalizeH="0" baseline="0">
+              <a:rPr kumimoji="0" lang="zh-CN" altLang="zh-CN" sz="1800" b="0" i="0" u="none" strike="noStrike" cap="none" normalizeH="0" baseline="0" dirty="0">
                 <a:ln>
                   <a:noFill/>
                 </a:ln>
@@ -11218,7 +11225,7 @@
               <a:t>.println(string);</a:t>
             </a:r>
             <a:br>
-              <a:rPr kumimoji="0" lang="zh-CN" altLang="zh-CN" sz="1800" b="0" i="0" u="none" strike="noStrike" cap="none" normalizeH="0" baseline="0">
+              <a:rPr kumimoji="0" lang="zh-CN" altLang="zh-CN" sz="1800" b="0" i="0" u="none" strike="noStrike" cap="none" normalizeH="0" baseline="0" dirty="0">
                 <a:ln>
                   <a:noFill/>
                 </a:ln>
@@ -11230,7 +11237,7 @@
               </a:rPr>
             </a:br>
             <a:r>
-              <a:rPr kumimoji="0" lang="zh-CN" altLang="zh-CN" sz="1800" b="0" i="0" u="none" strike="noStrike" cap="none" normalizeH="0" baseline="0">
+              <a:rPr kumimoji="0" lang="zh-CN" altLang="zh-CN" sz="1800" b="0" i="0" u="none" strike="noStrike" cap="none" normalizeH="0" baseline="0" dirty="0">
                 <a:ln>
                   <a:noFill/>
                 </a:ln>
@@ -11243,7 +11250,7 @@
               <a:t>    }</a:t>
             </a:r>
             <a:br>
-              <a:rPr kumimoji="0" lang="zh-CN" altLang="zh-CN" sz="1800" b="0" i="0" u="none" strike="noStrike" cap="none" normalizeH="0" baseline="0">
+              <a:rPr kumimoji="0" lang="zh-CN" altLang="zh-CN" sz="1800" b="0" i="0" u="none" strike="noStrike" cap="none" normalizeH="0" baseline="0" dirty="0">
                 <a:ln>
                   <a:noFill/>
                 </a:ln>
@@ -11255,7 +11262,7 @@
               </a:rPr>
             </a:br>
             <a:r>
-              <a:rPr kumimoji="0" lang="zh-CN" altLang="zh-CN" sz="1800" b="0" i="0" u="none" strike="noStrike" cap="none" normalizeH="0" baseline="0">
+              <a:rPr kumimoji="0" lang="zh-CN" altLang="zh-CN" sz="1800" b="0" i="0" u="none" strike="noStrike" cap="none" normalizeH="0" baseline="0" dirty="0">
                 <a:ln>
                   <a:noFill/>
                 </a:ln>
@@ -11268,7 +11275,7 @@
               <a:t>    </a:t>
             </a:r>
             <a:r>
-              <a:rPr kumimoji="0" lang="zh-CN" altLang="zh-CN" sz="1800" b="0" i="1" u="none" strike="noStrike" cap="none" normalizeH="0" baseline="0">
+              <a:rPr kumimoji="0" lang="zh-CN" altLang="zh-CN" sz="1800" b="0" i="1" u="none" strike="noStrike" cap="none" normalizeH="0" baseline="0" dirty="0">
                 <a:ln>
                   <a:noFill/>
                 </a:ln>
@@ -11281,7 +11288,7 @@
               <a:t>// replace all whitespace with tabs</a:t>
             </a:r>
             <a:br>
-              <a:rPr kumimoji="0" lang="zh-CN" altLang="zh-CN" sz="1800" b="0" i="1" u="none" strike="noStrike" cap="none" normalizeH="0" baseline="0">
+              <a:rPr kumimoji="0" lang="zh-CN" altLang="zh-CN" sz="1800" b="0" i="1" u="none" strike="noStrike" cap="none" normalizeH="0" baseline="0" dirty="0">
                 <a:ln>
                   <a:noFill/>
                 </a:ln>
@@ -11293,7 +11300,7 @@
               </a:rPr>
             </a:br>
             <a:r>
-              <a:rPr kumimoji="0" lang="zh-CN" altLang="zh-CN" sz="1800" b="0" i="1" u="none" strike="noStrike" cap="none" normalizeH="0" baseline="0">
+              <a:rPr kumimoji="0" lang="zh-CN" altLang="zh-CN" sz="1800" b="0" i="1" u="none" strike="noStrike" cap="none" normalizeH="0" baseline="0" dirty="0">
                 <a:ln>
                   <a:noFill/>
                 </a:ln>
@@ -11306,7 +11313,7 @@
               <a:t>    </a:t>
             </a:r>
             <a:r>
-              <a:rPr kumimoji="0" lang="zh-CN" altLang="zh-CN" sz="1800" b="0" i="0" u="none" strike="noStrike" cap="none" normalizeH="0" baseline="0">
+              <a:rPr kumimoji="0" lang="zh-CN" altLang="zh-CN" sz="1800" b="0" i="0" u="none" strike="noStrike" cap="none" normalizeH="0" baseline="0" dirty="0">
                 <a:ln>
                   <a:noFill/>
                 </a:ln>
@@ -11319,7 +11326,7 @@
               <a:t>System.</a:t>
             </a:r>
             <a:r>
-              <a:rPr kumimoji="0" lang="zh-CN" altLang="zh-CN" sz="1800" b="1" i="1" u="none" strike="noStrike" cap="none" normalizeH="0" baseline="0">
+              <a:rPr kumimoji="0" lang="zh-CN" altLang="zh-CN" sz="1800" b="1" i="1" u="none" strike="noStrike" cap="none" normalizeH="0" baseline="0" dirty="0">
                 <a:ln>
                   <a:noFill/>
                 </a:ln>
@@ -11332,7 +11339,7 @@
               <a:t>out</a:t>
             </a:r>
             <a:r>
-              <a:rPr kumimoji="0" lang="zh-CN" altLang="zh-CN" sz="1800" b="0" i="0" u="none" strike="noStrike" cap="none" normalizeH="0" baseline="0">
+              <a:rPr kumimoji="0" lang="zh-CN" altLang="zh-CN" sz="1800" b="0" i="0" u="none" strike="noStrike" cap="none" normalizeH="0" baseline="0" dirty="0">
                 <a:ln>
                   <a:noFill/>
                 </a:ln>
@@ -11345,7 +11352,7 @@
               <a:t>.println(</a:t>
             </a:r>
             <a:r>
-              <a:rPr kumimoji="0" lang="zh-CN" altLang="zh-CN" sz="1800" b="1" i="1" u="none" strike="noStrike" cap="none" normalizeH="0" baseline="0">
+              <a:rPr kumimoji="0" lang="zh-CN" altLang="zh-CN" sz="1800" b="1" i="1" u="none" strike="noStrike" cap="none" normalizeH="0" baseline="0" dirty="0">
                 <a:ln>
                   <a:noFill/>
                 </a:ln>
@@ -11358,7 +11365,7 @@
               <a:t>EXAMPLE_TEST</a:t>
             </a:r>
             <a:r>
-              <a:rPr kumimoji="0" lang="zh-CN" altLang="zh-CN" sz="1800" b="0" i="0" u="none" strike="noStrike" cap="none" normalizeH="0" baseline="0">
+              <a:rPr kumimoji="0" lang="zh-CN" altLang="zh-CN" sz="1800" b="0" i="0" u="none" strike="noStrike" cap="none" normalizeH="0" baseline="0" dirty="0">
                 <a:ln>
                   <a:noFill/>
                 </a:ln>
@@ -11371,7 +11378,7 @@
               <a:t>.replaceAll(</a:t>
             </a:r>
             <a:r>
-              <a:rPr kumimoji="0" lang="zh-CN" altLang="zh-CN" sz="1800" b="1" i="0" u="none" strike="noStrike" cap="none" normalizeH="0" baseline="0">
+              <a:rPr kumimoji="0" lang="zh-CN" altLang="zh-CN" sz="1800" b="1" i="0" u="none" strike="noStrike" cap="none" normalizeH="0" baseline="0" dirty="0">
                 <a:ln>
                   <a:noFill/>
                 </a:ln>
@@ -11384,7 +11391,7 @@
               <a:t>"</a:t>
             </a:r>
             <a:r>
-              <a:rPr kumimoji="0" lang="zh-CN" altLang="zh-CN" sz="1800" b="1" i="0" u="none" strike="noStrike" cap="none" normalizeH="0" baseline="0">
+              <a:rPr kumimoji="0" lang="zh-CN" altLang="zh-CN" sz="1800" b="1" i="0" u="none" strike="noStrike" cap="none" normalizeH="0" baseline="0" dirty="0">
                 <a:ln>
                   <a:noFill/>
                 </a:ln>
@@ -11397,7 +11404,7 @@
               <a:t>\\</a:t>
             </a:r>
             <a:r>
-              <a:rPr kumimoji="0" lang="zh-CN" altLang="zh-CN" sz="1800" b="1" i="0" u="none" strike="noStrike" cap="none" normalizeH="0" baseline="0">
+              <a:rPr kumimoji="0" lang="zh-CN" altLang="zh-CN" sz="1800" b="1" i="0" u="none" strike="noStrike" cap="none" normalizeH="0" baseline="0" dirty="0">
                 <a:ln>
                   <a:noFill/>
                 </a:ln>
@@ -11410,7 +11417,7 @@
               <a:t>s+"</a:t>
             </a:r>
             <a:r>
-              <a:rPr kumimoji="0" lang="zh-CN" altLang="zh-CN" sz="1800" b="0" i="0" u="none" strike="noStrike" cap="none" normalizeH="0" baseline="0">
+              <a:rPr kumimoji="0" lang="zh-CN" altLang="zh-CN" sz="1800" b="0" i="0" u="none" strike="noStrike" cap="none" normalizeH="0" baseline="0" dirty="0">
                 <a:ln>
                   <a:noFill/>
                 </a:ln>
@@ -11423,7 +11430,7 @@
               <a:t>, </a:t>
             </a:r>
             <a:r>
-              <a:rPr kumimoji="0" lang="zh-CN" altLang="zh-CN" sz="1800" b="1" i="0" u="none" strike="noStrike" cap="none" normalizeH="0" baseline="0">
+              <a:rPr kumimoji="0" lang="zh-CN" altLang="zh-CN" sz="1800" b="1" i="0" u="none" strike="noStrike" cap="none" normalizeH="0" baseline="0" dirty="0">
                 <a:ln>
                   <a:noFill/>
                 </a:ln>
@@ -11436,7 +11443,7 @@
               <a:t>"</a:t>
             </a:r>
             <a:r>
-              <a:rPr kumimoji="0" lang="zh-CN" altLang="zh-CN" sz="1800" b="1" i="0" u="none" strike="noStrike" cap="none" normalizeH="0" baseline="0">
+              <a:rPr kumimoji="0" lang="zh-CN" altLang="zh-CN" sz="1800" b="1" i="0" u="none" strike="noStrike" cap="none" normalizeH="0" baseline="0" dirty="0">
                 <a:ln>
                   <a:noFill/>
                 </a:ln>
@@ -11449,7 +11456,7 @@
               <a:t>\t</a:t>
             </a:r>
             <a:r>
-              <a:rPr kumimoji="0" lang="zh-CN" altLang="zh-CN" sz="1800" b="1" i="0" u="none" strike="noStrike" cap="none" normalizeH="0" baseline="0">
+              <a:rPr kumimoji="0" lang="zh-CN" altLang="zh-CN" sz="1800" b="1" i="0" u="none" strike="noStrike" cap="none" normalizeH="0" baseline="0" dirty="0">
                 <a:ln>
                   <a:noFill/>
                 </a:ln>
@@ -11462,7 +11469,7 @@
               <a:t>"</a:t>
             </a:r>
             <a:r>
-              <a:rPr kumimoji="0" lang="zh-CN" altLang="zh-CN" sz="1800" b="0" i="0" u="none" strike="noStrike" cap="none" normalizeH="0" baseline="0">
+              <a:rPr kumimoji="0" lang="zh-CN" altLang="zh-CN" sz="1800" b="0" i="0" u="none" strike="noStrike" cap="none" normalizeH="0" baseline="0" dirty="0">
                 <a:ln>
                   <a:noFill/>
                 </a:ln>
@@ -11475,7 +11482,7 @@
               <a:t>));</a:t>
             </a:r>
             <a:br>
-              <a:rPr kumimoji="0" lang="zh-CN" altLang="zh-CN" sz="1800" b="0" i="0" u="none" strike="noStrike" cap="none" normalizeH="0" baseline="0">
+              <a:rPr kumimoji="0" lang="zh-CN" altLang="zh-CN" sz="1800" b="0" i="0" u="none" strike="noStrike" cap="none" normalizeH="0" baseline="0" dirty="0">
                 <a:ln>
                   <a:noFill/>
                 </a:ln>
@@ -11487,7 +11494,7 @@
               </a:rPr>
             </a:br>
             <a:r>
-              <a:rPr kumimoji="0" lang="zh-CN" altLang="zh-CN" sz="1800" b="0" i="0" u="none" strike="noStrike" cap="none" normalizeH="0" baseline="0">
+              <a:rPr kumimoji="0" lang="zh-CN" altLang="zh-CN" sz="1800" b="0" i="0" u="none" strike="noStrike" cap="none" normalizeH="0" baseline="0" dirty="0">
                 <a:ln>
                   <a:noFill/>
                 </a:ln>
@@ -11499,7 +11506,7 @@
               </a:rPr>
               <a:t>}</a:t>
             </a:r>
-            <a:endParaRPr kumimoji="0" lang="zh-CN" altLang="zh-CN" sz="1800" b="0" i="0" u="none" strike="noStrike" cap="none" normalizeH="0" baseline="0">
+            <a:endParaRPr kumimoji="0" lang="zh-CN" altLang="zh-CN" sz="1800" b="0" i="0" u="none" strike="noStrike" cap="none" normalizeH="0" baseline="0" dirty="0">
               <a:ln>
                 <a:noFill/>
               </a:ln>
@@ -11565,7 +11572,7 @@
           <a:p>
             <a:r>
               <a:rPr lang="en-US" altLang="zh-CN" dirty="0"/>
-              <a:t>Pattern and Matcher</a:t>
+              <a:t>Java: Pattern and Matcher</a:t>
             </a:r>
             <a:endParaRPr lang="zh-CN" altLang="en-US" dirty="0"/>
           </a:p>

--- a/android activity and intent.pptx
+++ b/android activity and intent.pptx
@@ -259,7 +259,7 @@
           <a:p>
             <a:fld id="{58F53F60-5BF1-4034-802E-BCB93BDD6206}" type="datetimeFigureOut">
               <a:rPr lang="zh-CN" altLang="en-US" smtClean="0"/>
-              <a:t>2020/11/17</a:t>
+              <a:t>2020/12/4</a:t>
             </a:fld>
             <a:endParaRPr lang="zh-CN" altLang="en-US"/>
           </a:p>
@@ -655,7 +655,7 @@
           <a:p>
             <a:fld id="{D997B5FA-0921-464F-AAE1-844C04324D75}" type="datetimeFigureOut">
               <a:rPr lang="zh-CN" altLang="en-US" smtClean="0"/>
-              <a:t>2020/11/17</a:t>
+              <a:t>2020/12/4</a:t>
             </a:fld>
             <a:endParaRPr lang="zh-CN" altLang="en-US"/>
           </a:p>
@@ -823,7 +823,7 @@
           <a:p>
             <a:fld id="{D997B5FA-0921-464F-AAE1-844C04324D75}" type="datetimeFigureOut">
               <a:rPr lang="zh-CN" altLang="en-US" smtClean="0"/>
-              <a:t>2020/11/17</a:t>
+              <a:t>2020/12/4</a:t>
             </a:fld>
             <a:endParaRPr lang="zh-CN" altLang="en-US"/>
           </a:p>
@@ -1001,7 +1001,7 @@
           <a:p>
             <a:fld id="{D997B5FA-0921-464F-AAE1-844C04324D75}" type="datetimeFigureOut">
               <a:rPr lang="zh-CN" altLang="en-US" smtClean="0"/>
-              <a:t>2020/11/17</a:t>
+              <a:t>2020/12/4</a:t>
             </a:fld>
             <a:endParaRPr lang="zh-CN" altLang="en-US"/>
           </a:p>
@@ -1169,7 +1169,7 @@
           <a:p>
             <a:fld id="{D997B5FA-0921-464F-AAE1-844C04324D75}" type="datetimeFigureOut">
               <a:rPr lang="zh-CN" altLang="en-US" smtClean="0"/>
-              <a:t>2020/11/17</a:t>
+              <a:t>2020/12/4</a:t>
             </a:fld>
             <a:endParaRPr lang="zh-CN" altLang="en-US"/>
           </a:p>
@@ -1414,7 +1414,7 @@
           <a:p>
             <a:fld id="{D997B5FA-0921-464F-AAE1-844C04324D75}" type="datetimeFigureOut">
               <a:rPr lang="zh-CN" altLang="en-US" smtClean="0"/>
-              <a:t>2020/11/17</a:t>
+              <a:t>2020/12/4</a:t>
             </a:fld>
             <a:endParaRPr lang="zh-CN" altLang="en-US"/>
           </a:p>
@@ -1643,7 +1643,7 @@
           <a:p>
             <a:fld id="{D997B5FA-0921-464F-AAE1-844C04324D75}" type="datetimeFigureOut">
               <a:rPr lang="zh-CN" altLang="en-US" smtClean="0"/>
-              <a:t>2020/11/17</a:t>
+              <a:t>2020/12/4</a:t>
             </a:fld>
             <a:endParaRPr lang="zh-CN" altLang="en-US"/>
           </a:p>
@@ -2007,7 +2007,7 @@
           <a:p>
             <a:fld id="{D997B5FA-0921-464F-AAE1-844C04324D75}" type="datetimeFigureOut">
               <a:rPr lang="zh-CN" altLang="en-US" smtClean="0"/>
-              <a:t>2020/11/17</a:t>
+              <a:t>2020/12/4</a:t>
             </a:fld>
             <a:endParaRPr lang="zh-CN" altLang="en-US"/>
           </a:p>
@@ -2124,7 +2124,7 @@
           <a:p>
             <a:fld id="{D997B5FA-0921-464F-AAE1-844C04324D75}" type="datetimeFigureOut">
               <a:rPr lang="zh-CN" altLang="en-US" smtClean="0"/>
-              <a:t>2020/11/17</a:t>
+              <a:t>2020/12/4</a:t>
             </a:fld>
             <a:endParaRPr lang="zh-CN" altLang="en-US"/>
           </a:p>
@@ -2219,7 +2219,7 @@
           <a:p>
             <a:fld id="{D997B5FA-0921-464F-AAE1-844C04324D75}" type="datetimeFigureOut">
               <a:rPr lang="zh-CN" altLang="en-US" smtClean="0"/>
-              <a:t>2020/11/17</a:t>
+              <a:t>2020/12/4</a:t>
             </a:fld>
             <a:endParaRPr lang="zh-CN" altLang="en-US"/>
           </a:p>
@@ -2494,7 +2494,7 @@
           <a:p>
             <a:fld id="{D997B5FA-0921-464F-AAE1-844C04324D75}" type="datetimeFigureOut">
               <a:rPr lang="zh-CN" altLang="en-US" smtClean="0"/>
-              <a:t>2020/11/17</a:t>
+              <a:t>2020/12/4</a:t>
             </a:fld>
             <a:endParaRPr lang="zh-CN" altLang="en-US"/>
           </a:p>
@@ -2746,7 +2746,7 @@
           <a:p>
             <a:fld id="{D997B5FA-0921-464F-AAE1-844C04324D75}" type="datetimeFigureOut">
               <a:rPr lang="zh-CN" altLang="en-US" smtClean="0"/>
-              <a:t>2020/11/17</a:t>
+              <a:t>2020/12/4</a:t>
             </a:fld>
             <a:endParaRPr lang="zh-CN" altLang="en-US"/>
           </a:p>
@@ -2957,7 +2957,7 @@
           <a:p>
             <a:fld id="{D997B5FA-0921-464F-AAE1-844C04324D75}" type="datetimeFigureOut">
               <a:rPr lang="zh-CN" altLang="en-US" smtClean="0"/>
-              <a:t>2020/11/17</a:t>
+              <a:t>2020/12/4</a:t>
             </a:fld>
             <a:endParaRPr lang="zh-CN" altLang="en-US"/>
           </a:p>
@@ -7122,15 +7122,8 @@
           <a:p>
             <a:r>
               <a:rPr lang="en-US" altLang="zh-CN" dirty="0"/>
-              <a:t>Let the example app run appropriately, and send the codes and results with e-mail</a:t>
-            </a:r>
-          </a:p>
-          <a:p>
-            <a:r>
-              <a:rPr lang="en-US" altLang="zh-CN" dirty="0"/>
-              <a:t>The deadline  next Monday night.</a:t>
-            </a:r>
-            <a:endParaRPr lang="zh-CN" altLang="en-US" dirty="0"/>
+              <a:t>Make the example app run appropriately, and e-mail the codes and results</a:t>
+            </a:r>
           </a:p>
         </p:txBody>
       </p:sp>
